--- a/specs/edi3-icl/master/InterCustomsLedger_Diagrams.pptx
+++ b/specs/edi3-icl/master/InterCustomsLedger_Diagrams.pptx
@@ -5,17 +5,19 @@
     <p:sldMasterId id="2147483648" r:id="rId1"/>
   </p:sldMasterIdLst>
   <p:notesMasterIdLst>
-    <p:notesMasterId r:id="rId7"/>
+    <p:notesMasterId r:id="rId9"/>
   </p:notesMasterIdLst>
   <p:handoutMasterIdLst>
-    <p:handoutMasterId r:id="rId8"/>
+    <p:handoutMasterId r:id="rId10"/>
   </p:handoutMasterIdLst>
   <p:sldIdLst>
     <p:sldId id="312" r:id="rId2"/>
     <p:sldId id="304" r:id="rId3"/>
-    <p:sldId id="308" r:id="rId4"/>
-    <p:sldId id="309" r:id="rId5"/>
-    <p:sldId id="310" r:id="rId6"/>
+    <p:sldId id="313" r:id="rId4"/>
+    <p:sldId id="314" r:id="rId5"/>
+    <p:sldId id="308" r:id="rId6"/>
+    <p:sldId id="309" r:id="rId7"/>
+    <p:sldId id="310" r:id="rId8"/>
   </p:sldIdLst>
   <p:sldSz cx="9144000" cy="6858000" type="screen4x3"/>
   <p:notesSz cx="6858000" cy="9144000"/>
@@ -270,7 +272,7 @@
           <a:p>
             <a:fld id="{412A36AD-C140-47B5-A0AA-2808AF1C1C9D}" type="datetimeFigureOut">
               <a:rPr lang="en-AU" smtClean="0"/>
-              <a:t>22/4/19</a:t>
+              <a:t>11/6/19</a:t>
             </a:fld>
             <a:endParaRPr lang="en-AU"/>
           </a:p>
@@ -435,7 +437,7 @@
           <a:p>
             <a:fld id="{2763829E-EB69-4A98-9D54-8D6822520B27}" type="datetimeFigureOut">
               <a:rPr lang="en-AU" smtClean="0"/>
-              <a:t>22/4/19</a:t>
+              <a:t>11/6/19</a:t>
             </a:fld>
             <a:endParaRPr lang="en-AU"/>
           </a:p>
@@ -5157,6 +5159,5733 @@
       </p:grpSpPr>
       <p:sp>
         <p:nvSpPr>
+          <p:cNvPr id="61" name="Rectangle 60">
+            <a:extLst>
+              <a:ext uri="{FF2B5EF4-FFF2-40B4-BE49-F238E27FC236}">
+                <a16:creationId xmlns:a16="http://schemas.microsoft.com/office/drawing/2014/main" id="{A1269FA7-D2C6-0143-90EF-CED73699243C}"/>
+              </a:ext>
+            </a:extLst>
+          </p:cNvPr>
+          <p:cNvSpPr/>
+          <p:nvPr/>
+        </p:nvSpPr>
+        <p:spPr>
+          <a:xfrm>
+            <a:off x="5266510" y="1908312"/>
+            <a:ext cx="2843820" cy="3500893"/>
+          </a:xfrm>
+          <a:prstGeom prst="rect">
+            <a:avLst/>
+          </a:prstGeom>
+          <a:solidFill>
+            <a:schemeClr val="bg1">
+              <a:lumMod val="95000"/>
+            </a:schemeClr>
+          </a:solidFill>
+          <a:ln>
+            <a:prstDash val="dash"/>
+          </a:ln>
+        </p:spPr>
+        <p:style>
+          <a:lnRef idx="2">
+            <a:schemeClr val="accent1">
+              <a:shade val="50000"/>
+            </a:schemeClr>
+          </a:lnRef>
+          <a:fillRef idx="1">
+            <a:schemeClr val="accent1"/>
+          </a:fillRef>
+          <a:effectRef idx="0">
+            <a:schemeClr val="accent1"/>
+          </a:effectRef>
+          <a:fontRef idx="minor">
+            <a:schemeClr val="lt1"/>
+          </a:fontRef>
+        </p:style>
+        <p:txBody>
+          <a:bodyPr rtlCol="0" anchor="t"/>
+          <a:lstStyle/>
+          <a:p>
+            <a:pPr algn="ctr"/>
+            <a:r>
+              <a:rPr lang="en-US" sz="1000" b="1" dirty="0">
+                <a:solidFill>
+                  <a:schemeClr val="accent1">
+                    <a:lumMod val="50000"/>
+                  </a:schemeClr>
+                </a:solidFill>
+              </a:rPr>
+              <a:t>Country B</a:t>
+            </a:r>
+          </a:p>
+        </p:txBody>
+      </p:sp>
+      <p:sp>
+        <p:nvSpPr>
+          <p:cNvPr id="77" name="Rectangle 76">
+            <a:extLst>
+              <a:ext uri="{FF2B5EF4-FFF2-40B4-BE49-F238E27FC236}">
+                <a16:creationId xmlns:a16="http://schemas.microsoft.com/office/drawing/2014/main" id="{BC7C4879-9917-5049-BBD1-0480C6F0C796}"/>
+              </a:ext>
+            </a:extLst>
+          </p:cNvPr>
+          <p:cNvSpPr/>
+          <p:nvPr/>
+        </p:nvSpPr>
+        <p:spPr>
+          <a:xfrm>
+            <a:off x="795131" y="1908312"/>
+            <a:ext cx="2843820" cy="3511353"/>
+          </a:xfrm>
+          <a:prstGeom prst="rect">
+            <a:avLst/>
+          </a:prstGeom>
+          <a:solidFill>
+            <a:schemeClr val="bg1">
+              <a:lumMod val="95000"/>
+            </a:schemeClr>
+          </a:solidFill>
+          <a:ln>
+            <a:prstDash val="dash"/>
+          </a:ln>
+        </p:spPr>
+        <p:style>
+          <a:lnRef idx="2">
+            <a:schemeClr val="accent1">
+              <a:shade val="50000"/>
+            </a:schemeClr>
+          </a:lnRef>
+          <a:fillRef idx="1">
+            <a:schemeClr val="accent1"/>
+          </a:fillRef>
+          <a:effectRef idx="0">
+            <a:schemeClr val="accent1"/>
+          </a:effectRef>
+          <a:fontRef idx="minor">
+            <a:schemeClr val="lt1"/>
+          </a:fontRef>
+        </p:style>
+        <p:txBody>
+          <a:bodyPr rtlCol="0" anchor="t"/>
+          <a:lstStyle/>
+          <a:p>
+            <a:pPr algn="ctr"/>
+            <a:r>
+              <a:rPr lang="en-US" sz="1000" b="1" dirty="0">
+                <a:solidFill>
+                  <a:schemeClr val="accent1">
+                    <a:lumMod val="50000"/>
+                  </a:schemeClr>
+                </a:solidFill>
+              </a:rPr>
+              <a:t>Country A</a:t>
+            </a:r>
+          </a:p>
+        </p:txBody>
+      </p:sp>
+      <p:sp>
+        <p:nvSpPr>
+          <p:cNvPr id="83" name="Rectangle 82">
+            <a:extLst>
+              <a:ext uri="{FF2B5EF4-FFF2-40B4-BE49-F238E27FC236}">
+                <a16:creationId xmlns:a16="http://schemas.microsoft.com/office/drawing/2014/main" id="{D105D0E9-3F58-8946-9E84-7D8C85681824}"/>
+              </a:ext>
+            </a:extLst>
+          </p:cNvPr>
+          <p:cNvSpPr/>
+          <p:nvPr/>
+        </p:nvSpPr>
+        <p:spPr>
+          <a:xfrm>
+            <a:off x="1054744" y="2776002"/>
+            <a:ext cx="2399354" cy="578580"/>
+          </a:xfrm>
+          <a:prstGeom prst="rect">
+            <a:avLst/>
+          </a:prstGeom>
+          <a:solidFill>
+            <a:schemeClr val="bg1">
+              <a:lumMod val="75000"/>
+            </a:schemeClr>
+          </a:solidFill>
+        </p:spPr>
+        <p:style>
+          <a:lnRef idx="2">
+            <a:schemeClr val="accent1">
+              <a:shade val="50000"/>
+            </a:schemeClr>
+          </a:lnRef>
+          <a:fillRef idx="1">
+            <a:schemeClr val="accent1"/>
+          </a:fillRef>
+          <a:effectRef idx="0">
+            <a:schemeClr val="accent1"/>
+          </a:effectRef>
+          <a:fontRef idx="minor">
+            <a:schemeClr val="lt1"/>
+          </a:fontRef>
+        </p:style>
+        <p:txBody>
+          <a:bodyPr rtlCol="0" anchor="t"/>
+          <a:lstStyle/>
+          <a:p>
+            <a:pPr algn="ctr"/>
+            <a:r>
+              <a:rPr lang="en-US" sz="900" dirty="0">
+                <a:solidFill>
+                  <a:schemeClr val="accent1">
+                    <a:lumMod val="50000"/>
+                  </a:schemeClr>
+                </a:solidFill>
+              </a:rPr>
+              <a:t>Application Layer</a:t>
+            </a:r>
+          </a:p>
+        </p:txBody>
+      </p:sp>
+      <p:sp>
+        <p:nvSpPr>
+          <p:cNvPr id="85" name="Rectangle 84">
+            <a:extLst>
+              <a:ext uri="{FF2B5EF4-FFF2-40B4-BE49-F238E27FC236}">
+                <a16:creationId xmlns:a16="http://schemas.microsoft.com/office/drawing/2014/main" id="{1E626607-5A1A-9F49-BD25-31C3AE266535}"/>
+              </a:ext>
+            </a:extLst>
+          </p:cNvPr>
+          <p:cNvSpPr/>
+          <p:nvPr/>
+        </p:nvSpPr>
+        <p:spPr>
+          <a:xfrm>
+            <a:off x="1063467" y="3770812"/>
+            <a:ext cx="2399354" cy="578580"/>
+          </a:xfrm>
+          <a:prstGeom prst="rect">
+            <a:avLst/>
+          </a:prstGeom>
+          <a:solidFill>
+            <a:schemeClr val="accent2">
+              <a:lumMod val="20000"/>
+              <a:lumOff val="80000"/>
+            </a:schemeClr>
+          </a:solidFill>
+        </p:spPr>
+        <p:style>
+          <a:lnRef idx="2">
+            <a:schemeClr val="accent1">
+              <a:shade val="50000"/>
+            </a:schemeClr>
+          </a:lnRef>
+          <a:fillRef idx="1">
+            <a:schemeClr val="accent1"/>
+          </a:fillRef>
+          <a:effectRef idx="0">
+            <a:schemeClr val="accent1"/>
+          </a:effectRef>
+          <a:fontRef idx="minor">
+            <a:schemeClr val="lt1"/>
+          </a:fontRef>
+        </p:style>
+        <p:txBody>
+          <a:bodyPr rot="0" spcFirstLastPara="0" vertOverflow="overflow" horzOverflow="overflow" vert="horz" wrap="square" lIns="91440" tIns="45720" rIns="91440" bIns="45720" numCol="1" spcCol="0" rtlCol="0" fromWordArt="0" anchor="b" anchorCtr="0" forceAA="0" compatLnSpc="1">
+            <a:prstTxWarp prst="textNoShape">
+              <a:avLst/>
+            </a:prstTxWarp>
+            <a:noAutofit/>
+          </a:bodyPr>
+          <a:lstStyle/>
+          <a:p>
+            <a:pPr algn="ctr"/>
+            <a:r>
+              <a:rPr lang="en-US" sz="900" dirty="0">
+                <a:solidFill>
+                  <a:schemeClr val="accent1">
+                    <a:lumMod val="50000"/>
+                  </a:schemeClr>
+                </a:solidFill>
+              </a:rPr>
+              <a:t>ICL Node</a:t>
+            </a:r>
+          </a:p>
+        </p:txBody>
+      </p:sp>
+      <p:sp>
+        <p:nvSpPr>
+          <p:cNvPr id="88" name="Rectangle 87">
+            <a:extLst>
+              <a:ext uri="{FF2B5EF4-FFF2-40B4-BE49-F238E27FC236}">
+                <a16:creationId xmlns:a16="http://schemas.microsoft.com/office/drawing/2014/main" id="{7EC295B9-A8FD-604E-A9EB-0D72A700D4AC}"/>
+              </a:ext>
+            </a:extLst>
+          </p:cNvPr>
+          <p:cNvSpPr/>
+          <p:nvPr/>
+        </p:nvSpPr>
+        <p:spPr>
+          <a:xfrm>
+            <a:off x="1063467" y="4723404"/>
+            <a:ext cx="6823281" cy="578580"/>
+          </a:xfrm>
+          <a:prstGeom prst="rect">
+            <a:avLst/>
+          </a:prstGeom>
+          <a:solidFill>
+            <a:schemeClr val="bg1">
+              <a:lumMod val="75000"/>
+            </a:schemeClr>
+          </a:solidFill>
+        </p:spPr>
+        <p:style>
+          <a:lnRef idx="2">
+            <a:schemeClr val="accent1">
+              <a:shade val="50000"/>
+            </a:schemeClr>
+          </a:lnRef>
+          <a:fillRef idx="1">
+            <a:schemeClr val="accent1"/>
+          </a:fillRef>
+          <a:effectRef idx="0">
+            <a:schemeClr val="accent1"/>
+          </a:effectRef>
+          <a:fontRef idx="minor">
+            <a:schemeClr val="lt1"/>
+          </a:fontRef>
+        </p:style>
+        <p:txBody>
+          <a:bodyPr rot="0" spcFirstLastPara="0" vertOverflow="overflow" horzOverflow="overflow" vert="horz" wrap="square" lIns="91440" tIns="45720" rIns="91440" bIns="45720" numCol="1" spcCol="0" rtlCol="0" fromWordArt="0" anchor="b" anchorCtr="0" forceAA="0" compatLnSpc="1">
+            <a:prstTxWarp prst="textNoShape">
+              <a:avLst/>
+            </a:prstTxWarp>
+            <a:noAutofit/>
+          </a:bodyPr>
+          <a:lstStyle/>
+          <a:p>
+            <a:pPr algn="ctr"/>
+            <a:r>
+              <a:rPr lang="en-US" sz="900" dirty="0">
+                <a:solidFill>
+                  <a:schemeClr val="accent1">
+                    <a:lumMod val="50000"/>
+                  </a:schemeClr>
+                </a:solidFill>
+              </a:rPr>
+              <a:t>Channels</a:t>
+            </a:r>
+          </a:p>
+        </p:txBody>
+      </p:sp>
+      <p:sp>
+        <p:nvSpPr>
+          <p:cNvPr id="93" name="Rectangle 92">
+            <a:extLst>
+              <a:ext uri="{FF2B5EF4-FFF2-40B4-BE49-F238E27FC236}">
+                <a16:creationId xmlns:a16="http://schemas.microsoft.com/office/drawing/2014/main" id="{39340E1F-DF8C-7646-ADB0-F96A649CDF22}"/>
+              </a:ext>
+            </a:extLst>
+          </p:cNvPr>
+          <p:cNvSpPr/>
+          <p:nvPr/>
+        </p:nvSpPr>
+        <p:spPr>
+          <a:xfrm>
+            <a:off x="5462428" y="2776002"/>
+            <a:ext cx="2399354" cy="578580"/>
+          </a:xfrm>
+          <a:prstGeom prst="rect">
+            <a:avLst/>
+          </a:prstGeom>
+          <a:solidFill>
+            <a:schemeClr val="bg1">
+              <a:lumMod val="75000"/>
+            </a:schemeClr>
+          </a:solidFill>
+        </p:spPr>
+        <p:style>
+          <a:lnRef idx="2">
+            <a:schemeClr val="accent1">
+              <a:shade val="50000"/>
+            </a:schemeClr>
+          </a:lnRef>
+          <a:fillRef idx="1">
+            <a:schemeClr val="accent1"/>
+          </a:fillRef>
+          <a:effectRef idx="0">
+            <a:schemeClr val="accent1"/>
+          </a:effectRef>
+          <a:fontRef idx="minor">
+            <a:schemeClr val="lt1"/>
+          </a:fontRef>
+        </p:style>
+        <p:txBody>
+          <a:bodyPr rtlCol="0" anchor="t"/>
+          <a:lstStyle/>
+          <a:p>
+            <a:pPr algn="ctr"/>
+            <a:r>
+              <a:rPr lang="en-US" sz="900" dirty="0">
+                <a:solidFill>
+                  <a:schemeClr val="accent1">
+                    <a:lumMod val="50000"/>
+                  </a:schemeClr>
+                </a:solidFill>
+              </a:rPr>
+              <a:t>Application Layer</a:t>
+            </a:r>
+          </a:p>
+        </p:txBody>
+      </p:sp>
+      <p:sp>
+        <p:nvSpPr>
+          <p:cNvPr id="96" name="Rectangle 95">
+            <a:extLst>
+              <a:ext uri="{FF2B5EF4-FFF2-40B4-BE49-F238E27FC236}">
+                <a16:creationId xmlns:a16="http://schemas.microsoft.com/office/drawing/2014/main" id="{B9132204-6159-134F-894B-41872307E2AB}"/>
+              </a:ext>
+            </a:extLst>
+          </p:cNvPr>
+          <p:cNvSpPr/>
+          <p:nvPr/>
+        </p:nvSpPr>
+        <p:spPr>
+          <a:xfrm>
+            <a:off x="5478741" y="3795132"/>
+            <a:ext cx="2399354" cy="578580"/>
+          </a:xfrm>
+          <a:prstGeom prst="rect">
+            <a:avLst/>
+          </a:prstGeom>
+          <a:solidFill>
+            <a:schemeClr val="accent2">
+              <a:lumMod val="20000"/>
+              <a:lumOff val="80000"/>
+            </a:schemeClr>
+          </a:solidFill>
+        </p:spPr>
+        <p:style>
+          <a:lnRef idx="2">
+            <a:schemeClr val="accent1">
+              <a:shade val="50000"/>
+            </a:schemeClr>
+          </a:lnRef>
+          <a:fillRef idx="1">
+            <a:schemeClr val="accent1"/>
+          </a:fillRef>
+          <a:effectRef idx="0">
+            <a:schemeClr val="accent1"/>
+          </a:effectRef>
+          <a:fontRef idx="minor">
+            <a:schemeClr val="lt1"/>
+          </a:fontRef>
+        </p:style>
+        <p:txBody>
+          <a:bodyPr rot="0" spcFirstLastPara="0" vertOverflow="overflow" horzOverflow="overflow" vert="horz" wrap="square" lIns="91440" tIns="45720" rIns="91440" bIns="45720" numCol="1" spcCol="0" rtlCol="0" fromWordArt="0" anchor="b" anchorCtr="0" forceAA="0" compatLnSpc="1">
+            <a:prstTxWarp prst="textNoShape">
+              <a:avLst/>
+            </a:prstTxWarp>
+            <a:noAutofit/>
+          </a:bodyPr>
+          <a:lstStyle/>
+          <a:p>
+            <a:pPr algn="ctr"/>
+            <a:r>
+              <a:rPr lang="en-US" sz="900" dirty="0">
+                <a:solidFill>
+                  <a:schemeClr val="accent1">
+                    <a:lumMod val="50000"/>
+                  </a:schemeClr>
+                </a:solidFill>
+              </a:rPr>
+              <a:t>ICL Node</a:t>
+            </a:r>
+          </a:p>
+        </p:txBody>
+      </p:sp>
+      <p:sp>
+        <p:nvSpPr>
+          <p:cNvPr id="100" name="Can 99">
+            <a:extLst>
+              <a:ext uri="{FF2B5EF4-FFF2-40B4-BE49-F238E27FC236}">
+                <a16:creationId xmlns:a16="http://schemas.microsoft.com/office/drawing/2014/main" id="{D6C054E0-3DA3-B348-A369-EE01550D52AA}"/>
+              </a:ext>
+            </a:extLst>
+          </p:cNvPr>
+          <p:cNvSpPr/>
+          <p:nvPr/>
+        </p:nvSpPr>
+        <p:spPr>
+          <a:xfrm>
+            <a:off x="1231939" y="3842703"/>
+            <a:ext cx="783438" cy="309563"/>
+          </a:xfrm>
+          <a:prstGeom prst="can">
+            <a:avLst/>
+          </a:prstGeom>
+          <a:solidFill>
+            <a:schemeClr val="accent2"/>
+          </a:solidFill>
+        </p:spPr>
+        <p:style>
+          <a:lnRef idx="2">
+            <a:schemeClr val="accent1">
+              <a:shade val="50000"/>
+            </a:schemeClr>
+          </a:lnRef>
+          <a:fillRef idx="1">
+            <a:schemeClr val="accent1"/>
+          </a:fillRef>
+          <a:effectRef idx="0">
+            <a:schemeClr val="accent1"/>
+          </a:effectRef>
+          <a:fontRef idx="minor">
+            <a:schemeClr val="lt1"/>
+          </a:fontRef>
+        </p:style>
+        <p:txBody>
+          <a:bodyPr lIns="36000" tIns="0" rIns="36000" bIns="0" rtlCol="0" anchor="ctr"/>
+          <a:lstStyle/>
+          <a:p>
+            <a:pPr algn="ctr"/>
+            <a:r>
+              <a:rPr lang="en-US" sz="900" dirty="0"/>
+              <a:t>Repository</a:t>
+            </a:r>
+          </a:p>
+        </p:txBody>
+      </p:sp>
+      <p:sp>
+        <p:nvSpPr>
+          <p:cNvPr id="101" name="Rectangle 100">
+            <a:extLst>
+              <a:ext uri="{FF2B5EF4-FFF2-40B4-BE49-F238E27FC236}">
+                <a16:creationId xmlns:a16="http://schemas.microsoft.com/office/drawing/2014/main" id="{87DED5C1-A3F3-3547-8B9F-AADABC258B78}"/>
+              </a:ext>
+            </a:extLst>
+          </p:cNvPr>
+          <p:cNvSpPr/>
+          <p:nvPr/>
+        </p:nvSpPr>
+        <p:spPr>
+          <a:xfrm>
+            <a:off x="2263074" y="3892285"/>
+            <a:ext cx="1066143" cy="229748"/>
+          </a:xfrm>
+          <a:prstGeom prst="rect">
+            <a:avLst/>
+          </a:prstGeom>
+          <a:solidFill>
+            <a:schemeClr val="accent2"/>
+          </a:solidFill>
+        </p:spPr>
+        <p:style>
+          <a:lnRef idx="2">
+            <a:schemeClr val="accent1">
+              <a:shade val="50000"/>
+            </a:schemeClr>
+          </a:lnRef>
+          <a:fillRef idx="1">
+            <a:schemeClr val="accent1"/>
+          </a:fillRef>
+          <a:effectRef idx="0">
+            <a:schemeClr val="accent1"/>
+          </a:effectRef>
+          <a:fontRef idx="minor">
+            <a:schemeClr val="lt1"/>
+          </a:fontRef>
+        </p:style>
+        <p:txBody>
+          <a:bodyPr rot="0" spcFirstLastPara="0" vertOverflow="overflow" horzOverflow="overflow" vert="horz" wrap="square" lIns="36000" tIns="0" rIns="36000" bIns="0" numCol="1" spcCol="0" rtlCol="0" fromWordArt="0" anchor="ctr" anchorCtr="0" forceAA="0" compatLnSpc="1">
+            <a:prstTxWarp prst="textNoShape">
+              <a:avLst/>
+            </a:prstTxWarp>
+            <a:noAutofit/>
+          </a:bodyPr>
+          <a:lstStyle/>
+          <a:p>
+            <a:pPr algn="ctr"/>
+            <a:r>
+              <a:rPr lang="en-US" sz="900" dirty="0"/>
+              <a:t>ICL Router</a:t>
+            </a:r>
+          </a:p>
+        </p:txBody>
+      </p:sp>
+      <p:sp>
+        <p:nvSpPr>
+          <p:cNvPr id="103" name="Rectangle 102">
+            <a:extLst>
+              <a:ext uri="{FF2B5EF4-FFF2-40B4-BE49-F238E27FC236}">
+                <a16:creationId xmlns:a16="http://schemas.microsoft.com/office/drawing/2014/main" id="{B632B4AB-4982-5345-AF79-E6E4B0EF6347}"/>
+              </a:ext>
+            </a:extLst>
+          </p:cNvPr>
+          <p:cNvSpPr/>
+          <p:nvPr/>
+        </p:nvSpPr>
+        <p:spPr>
+          <a:xfrm>
+            <a:off x="1269745" y="3026509"/>
+            <a:ext cx="736910" cy="272981"/>
+          </a:xfrm>
+          <a:prstGeom prst="rect">
+            <a:avLst/>
+          </a:prstGeom>
+          <a:solidFill>
+            <a:schemeClr val="tx1">
+              <a:lumMod val="65000"/>
+              <a:lumOff val="35000"/>
+            </a:schemeClr>
+          </a:solidFill>
+        </p:spPr>
+        <p:style>
+          <a:lnRef idx="2">
+            <a:schemeClr val="accent1">
+              <a:shade val="50000"/>
+            </a:schemeClr>
+          </a:lnRef>
+          <a:fillRef idx="1">
+            <a:schemeClr val="accent1"/>
+          </a:fillRef>
+          <a:effectRef idx="0">
+            <a:schemeClr val="accent1"/>
+          </a:effectRef>
+          <a:fontRef idx="minor">
+            <a:schemeClr val="lt1"/>
+          </a:fontRef>
+        </p:style>
+        <p:txBody>
+          <a:bodyPr rot="0" spcFirstLastPara="0" vertOverflow="overflow" horzOverflow="overflow" vert="horz" wrap="square" lIns="36000" tIns="0" rIns="36000" bIns="0" numCol="1" spcCol="0" rtlCol="0" fromWordArt="0" anchor="t" anchorCtr="0" forceAA="0" compatLnSpc="1">
+            <a:prstTxWarp prst="textNoShape">
+              <a:avLst/>
+            </a:prstTxWarp>
+            <a:noAutofit/>
+          </a:bodyPr>
+          <a:lstStyle/>
+          <a:p>
+            <a:pPr algn="ctr"/>
+            <a:r>
+              <a:rPr lang="en-US" sz="900" dirty="0">
+                <a:solidFill>
+                  <a:schemeClr val="bg1"/>
+                </a:solidFill>
+              </a:rPr>
+              <a:t>Single windows</a:t>
+            </a:r>
+          </a:p>
+        </p:txBody>
+      </p:sp>
+      <p:sp>
+        <p:nvSpPr>
+          <p:cNvPr id="106" name="Rectangle 105">
+            <a:extLst>
+              <a:ext uri="{FF2B5EF4-FFF2-40B4-BE49-F238E27FC236}">
+                <a16:creationId xmlns:a16="http://schemas.microsoft.com/office/drawing/2014/main" id="{933DD153-2166-7748-A4EE-9286FEC217E2}"/>
+              </a:ext>
+            </a:extLst>
+          </p:cNvPr>
+          <p:cNvSpPr/>
+          <p:nvPr/>
+        </p:nvSpPr>
+        <p:spPr>
+          <a:xfrm>
+            <a:off x="2439276" y="3026509"/>
+            <a:ext cx="736910" cy="272981"/>
+          </a:xfrm>
+          <a:prstGeom prst="rect">
+            <a:avLst/>
+          </a:prstGeom>
+          <a:solidFill>
+            <a:schemeClr val="tx1">
+              <a:lumMod val="65000"/>
+              <a:lumOff val="35000"/>
+            </a:schemeClr>
+          </a:solidFill>
+        </p:spPr>
+        <p:style>
+          <a:lnRef idx="2">
+            <a:schemeClr val="accent1">
+              <a:shade val="50000"/>
+            </a:schemeClr>
+          </a:lnRef>
+          <a:fillRef idx="1">
+            <a:schemeClr val="accent1"/>
+          </a:fillRef>
+          <a:effectRef idx="0">
+            <a:schemeClr val="accent1"/>
+          </a:effectRef>
+          <a:fontRef idx="minor">
+            <a:schemeClr val="lt1"/>
+          </a:fontRef>
+        </p:style>
+        <p:txBody>
+          <a:bodyPr rot="0" spcFirstLastPara="0" vertOverflow="overflow" horzOverflow="overflow" vert="horz" wrap="square" lIns="36000" tIns="0" rIns="36000" bIns="0" numCol="1" spcCol="0" rtlCol="0" fromWordArt="0" anchor="ctr" anchorCtr="0" forceAA="0" compatLnSpc="1">
+            <a:prstTxWarp prst="textNoShape">
+              <a:avLst/>
+            </a:prstTxWarp>
+            <a:noAutofit/>
+          </a:bodyPr>
+          <a:lstStyle/>
+          <a:p>
+            <a:pPr algn="ctr"/>
+            <a:r>
+              <a:rPr lang="en-US" sz="900" dirty="0">
+                <a:solidFill>
+                  <a:schemeClr val="bg1"/>
+                </a:solidFill>
+              </a:rPr>
+              <a:t>Trade Apps</a:t>
+            </a:r>
+          </a:p>
+        </p:txBody>
+      </p:sp>
+      <p:sp>
+        <p:nvSpPr>
+          <p:cNvPr id="107" name="Rectangle 106">
+            <a:extLst>
+              <a:ext uri="{FF2B5EF4-FFF2-40B4-BE49-F238E27FC236}">
+                <a16:creationId xmlns:a16="http://schemas.microsoft.com/office/drawing/2014/main" id="{75E5325E-B865-F240-B065-4AD68562E305}"/>
+              </a:ext>
+            </a:extLst>
+          </p:cNvPr>
+          <p:cNvSpPr/>
+          <p:nvPr/>
+        </p:nvSpPr>
+        <p:spPr>
+          <a:xfrm>
+            <a:off x="5710125" y="3017114"/>
+            <a:ext cx="736910" cy="272981"/>
+          </a:xfrm>
+          <a:prstGeom prst="rect">
+            <a:avLst/>
+          </a:prstGeom>
+          <a:solidFill>
+            <a:schemeClr val="tx1">
+              <a:lumMod val="65000"/>
+              <a:lumOff val="35000"/>
+            </a:schemeClr>
+          </a:solidFill>
+        </p:spPr>
+        <p:style>
+          <a:lnRef idx="2">
+            <a:schemeClr val="accent1">
+              <a:shade val="50000"/>
+            </a:schemeClr>
+          </a:lnRef>
+          <a:fillRef idx="1">
+            <a:schemeClr val="accent1"/>
+          </a:fillRef>
+          <a:effectRef idx="0">
+            <a:schemeClr val="accent1"/>
+          </a:effectRef>
+          <a:fontRef idx="minor">
+            <a:schemeClr val="lt1"/>
+          </a:fontRef>
+        </p:style>
+        <p:txBody>
+          <a:bodyPr rot="0" spcFirstLastPara="0" vertOverflow="overflow" horzOverflow="overflow" vert="horz" wrap="square" lIns="36000" tIns="0" rIns="36000" bIns="0" numCol="1" spcCol="0" rtlCol="0" fromWordArt="0" anchor="t" anchorCtr="0" forceAA="0" compatLnSpc="1">
+            <a:prstTxWarp prst="textNoShape">
+              <a:avLst/>
+            </a:prstTxWarp>
+            <a:noAutofit/>
+          </a:bodyPr>
+          <a:lstStyle/>
+          <a:p>
+            <a:pPr algn="ctr"/>
+            <a:r>
+              <a:rPr lang="en-US" sz="900" dirty="0">
+                <a:solidFill>
+                  <a:schemeClr val="bg1"/>
+                </a:solidFill>
+              </a:rPr>
+              <a:t>Single windows</a:t>
+            </a:r>
+          </a:p>
+        </p:txBody>
+      </p:sp>
+      <p:sp>
+        <p:nvSpPr>
+          <p:cNvPr id="108" name="Rectangle 107">
+            <a:extLst>
+              <a:ext uri="{FF2B5EF4-FFF2-40B4-BE49-F238E27FC236}">
+                <a16:creationId xmlns:a16="http://schemas.microsoft.com/office/drawing/2014/main" id="{DA9EE0C6-34CC-3A4E-8492-1B3469D0C0F4}"/>
+              </a:ext>
+            </a:extLst>
+          </p:cNvPr>
+          <p:cNvSpPr/>
+          <p:nvPr/>
+        </p:nvSpPr>
+        <p:spPr>
+          <a:xfrm>
+            <a:off x="6879658" y="3017114"/>
+            <a:ext cx="736910" cy="272981"/>
+          </a:xfrm>
+          <a:prstGeom prst="rect">
+            <a:avLst/>
+          </a:prstGeom>
+          <a:solidFill>
+            <a:schemeClr val="tx1">
+              <a:lumMod val="65000"/>
+              <a:lumOff val="35000"/>
+            </a:schemeClr>
+          </a:solidFill>
+        </p:spPr>
+        <p:style>
+          <a:lnRef idx="2">
+            <a:schemeClr val="accent1">
+              <a:shade val="50000"/>
+            </a:schemeClr>
+          </a:lnRef>
+          <a:fillRef idx="1">
+            <a:schemeClr val="accent1"/>
+          </a:fillRef>
+          <a:effectRef idx="0">
+            <a:schemeClr val="accent1"/>
+          </a:effectRef>
+          <a:fontRef idx="minor">
+            <a:schemeClr val="lt1"/>
+          </a:fontRef>
+        </p:style>
+        <p:txBody>
+          <a:bodyPr rot="0" spcFirstLastPara="0" vertOverflow="overflow" horzOverflow="overflow" vert="horz" wrap="square" lIns="36000" tIns="0" rIns="36000" bIns="0" numCol="1" spcCol="0" rtlCol="0" fromWordArt="0" anchor="ctr" anchorCtr="0" forceAA="0" compatLnSpc="1">
+            <a:prstTxWarp prst="textNoShape">
+              <a:avLst/>
+            </a:prstTxWarp>
+            <a:noAutofit/>
+          </a:bodyPr>
+          <a:lstStyle/>
+          <a:p>
+            <a:pPr algn="ctr"/>
+            <a:r>
+              <a:rPr lang="en-US" sz="900" dirty="0">
+                <a:solidFill>
+                  <a:schemeClr val="bg1"/>
+                </a:solidFill>
+              </a:rPr>
+              <a:t>Trade Apps</a:t>
+            </a:r>
+          </a:p>
+        </p:txBody>
+      </p:sp>
+      <p:sp>
+        <p:nvSpPr>
+          <p:cNvPr id="109" name="Can 108">
+            <a:extLst>
+              <a:ext uri="{FF2B5EF4-FFF2-40B4-BE49-F238E27FC236}">
+                <a16:creationId xmlns:a16="http://schemas.microsoft.com/office/drawing/2014/main" id="{F442C04C-45BC-0344-993A-AD3D9665AA89}"/>
+              </a:ext>
+            </a:extLst>
+          </p:cNvPr>
+          <p:cNvSpPr/>
+          <p:nvPr/>
+        </p:nvSpPr>
+        <p:spPr>
+          <a:xfrm>
+            <a:off x="6978700" y="3865462"/>
+            <a:ext cx="783438" cy="309563"/>
+          </a:xfrm>
+          <a:prstGeom prst="can">
+            <a:avLst/>
+          </a:prstGeom>
+          <a:solidFill>
+            <a:schemeClr val="accent2"/>
+          </a:solidFill>
+        </p:spPr>
+        <p:style>
+          <a:lnRef idx="2">
+            <a:schemeClr val="accent1">
+              <a:shade val="50000"/>
+            </a:schemeClr>
+          </a:lnRef>
+          <a:fillRef idx="1">
+            <a:schemeClr val="accent1"/>
+          </a:fillRef>
+          <a:effectRef idx="0">
+            <a:schemeClr val="accent1"/>
+          </a:effectRef>
+          <a:fontRef idx="minor">
+            <a:schemeClr val="lt1"/>
+          </a:fontRef>
+        </p:style>
+        <p:txBody>
+          <a:bodyPr lIns="36000" tIns="0" rIns="36000" bIns="0" rtlCol="0" anchor="ctr"/>
+          <a:lstStyle/>
+          <a:p>
+            <a:pPr algn="ctr"/>
+            <a:r>
+              <a:rPr lang="en-US" sz="900" dirty="0"/>
+              <a:t>Repository</a:t>
+            </a:r>
+          </a:p>
+        </p:txBody>
+      </p:sp>
+      <p:sp>
+        <p:nvSpPr>
+          <p:cNvPr id="111" name="Rectangle 110">
+            <a:extLst>
+              <a:ext uri="{FF2B5EF4-FFF2-40B4-BE49-F238E27FC236}">
+                <a16:creationId xmlns:a16="http://schemas.microsoft.com/office/drawing/2014/main" id="{D60292FC-FE12-C84D-B50A-F71D4259FED7}"/>
+              </a:ext>
+            </a:extLst>
+          </p:cNvPr>
+          <p:cNvSpPr/>
+          <p:nvPr/>
+        </p:nvSpPr>
+        <p:spPr>
+          <a:xfrm>
+            <a:off x="5612275" y="3905371"/>
+            <a:ext cx="1066143" cy="229748"/>
+          </a:xfrm>
+          <a:prstGeom prst="rect">
+            <a:avLst/>
+          </a:prstGeom>
+          <a:solidFill>
+            <a:schemeClr val="accent2"/>
+          </a:solidFill>
+        </p:spPr>
+        <p:style>
+          <a:lnRef idx="2">
+            <a:schemeClr val="accent1">
+              <a:shade val="50000"/>
+            </a:schemeClr>
+          </a:lnRef>
+          <a:fillRef idx="1">
+            <a:schemeClr val="accent1"/>
+          </a:fillRef>
+          <a:effectRef idx="0">
+            <a:schemeClr val="accent1"/>
+          </a:effectRef>
+          <a:fontRef idx="minor">
+            <a:schemeClr val="lt1"/>
+          </a:fontRef>
+        </p:style>
+        <p:txBody>
+          <a:bodyPr rot="0" spcFirstLastPara="0" vertOverflow="overflow" horzOverflow="overflow" vert="horz" wrap="square" lIns="36000" tIns="0" rIns="36000" bIns="0" numCol="1" spcCol="0" rtlCol="0" fromWordArt="0" anchor="ctr" anchorCtr="0" forceAA="0" compatLnSpc="1">
+            <a:prstTxWarp prst="textNoShape">
+              <a:avLst/>
+            </a:prstTxWarp>
+            <a:noAutofit/>
+          </a:bodyPr>
+          <a:lstStyle/>
+          <a:p>
+            <a:pPr algn="ctr"/>
+            <a:r>
+              <a:rPr lang="en-US" sz="900" dirty="0"/>
+              <a:t>ICL Router</a:t>
+            </a:r>
+          </a:p>
+        </p:txBody>
+      </p:sp>
+      <p:sp>
+        <p:nvSpPr>
+          <p:cNvPr id="115" name="Rectangle 114">
+            <a:extLst>
+              <a:ext uri="{FF2B5EF4-FFF2-40B4-BE49-F238E27FC236}">
+                <a16:creationId xmlns:a16="http://schemas.microsoft.com/office/drawing/2014/main" id="{51EB223A-790B-B14F-8FBE-6C6229D8BA6D}"/>
+              </a:ext>
+            </a:extLst>
+          </p:cNvPr>
+          <p:cNvSpPr/>
+          <p:nvPr/>
+        </p:nvSpPr>
+        <p:spPr>
+          <a:xfrm>
+            <a:off x="1334050" y="2607723"/>
+            <a:ext cx="736910" cy="203655"/>
+          </a:xfrm>
+          <a:prstGeom prst="rect">
+            <a:avLst/>
+          </a:prstGeom>
+          <a:solidFill>
+            <a:srgbClr val="92D050"/>
+          </a:solidFill>
+        </p:spPr>
+        <p:style>
+          <a:lnRef idx="2">
+            <a:schemeClr val="accent1">
+              <a:shade val="50000"/>
+            </a:schemeClr>
+          </a:lnRef>
+          <a:fillRef idx="1">
+            <a:schemeClr val="accent1"/>
+          </a:fillRef>
+          <a:effectRef idx="0">
+            <a:schemeClr val="accent1"/>
+          </a:effectRef>
+          <a:fontRef idx="minor">
+            <a:schemeClr val="lt1"/>
+          </a:fontRef>
+        </p:style>
+        <p:txBody>
+          <a:bodyPr rot="0" spcFirstLastPara="0" vertOverflow="overflow" horzOverflow="overflow" vert="horz" wrap="square" lIns="36000" tIns="0" rIns="36000" bIns="0" numCol="1" spcCol="0" rtlCol="0" fromWordArt="0" anchor="ctr" anchorCtr="0" forceAA="0" compatLnSpc="1">
+            <a:prstTxWarp prst="textNoShape">
+              <a:avLst/>
+            </a:prstTxWarp>
+            <a:noAutofit/>
+          </a:bodyPr>
+          <a:lstStyle/>
+          <a:p>
+            <a:pPr algn="ctr"/>
+            <a:r>
+              <a:rPr lang="en-US" sz="900" dirty="0" err="1">
+                <a:solidFill>
+                  <a:schemeClr val="accent1"/>
+                </a:solidFill>
+              </a:rPr>
+              <a:t>CoO</a:t>
+            </a:r>
+            <a:r>
+              <a:rPr lang="en-US" sz="900" dirty="0">
+                <a:solidFill>
+                  <a:schemeClr val="accent1"/>
+                </a:solidFill>
+              </a:rPr>
+              <a:t> API</a:t>
+            </a:r>
+          </a:p>
+        </p:txBody>
+      </p:sp>
+      <p:sp>
+        <p:nvSpPr>
+          <p:cNvPr id="116" name="Rectangle 115">
+            <a:extLst>
+              <a:ext uri="{FF2B5EF4-FFF2-40B4-BE49-F238E27FC236}">
+                <a16:creationId xmlns:a16="http://schemas.microsoft.com/office/drawing/2014/main" id="{724214D5-AB68-5544-822B-949809B81250}"/>
+              </a:ext>
+            </a:extLst>
+          </p:cNvPr>
+          <p:cNvSpPr/>
+          <p:nvPr/>
+        </p:nvSpPr>
+        <p:spPr>
+          <a:xfrm>
+            <a:off x="1226595" y="3591477"/>
+            <a:ext cx="588507" cy="203655"/>
+          </a:xfrm>
+          <a:prstGeom prst="rect">
+            <a:avLst/>
+          </a:prstGeom>
+          <a:solidFill>
+            <a:srgbClr val="FFC000"/>
+          </a:solidFill>
+        </p:spPr>
+        <p:style>
+          <a:lnRef idx="2">
+            <a:schemeClr val="accent1">
+              <a:shade val="50000"/>
+            </a:schemeClr>
+          </a:lnRef>
+          <a:fillRef idx="1">
+            <a:schemeClr val="accent1"/>
+          </a:fillRef>
+          <a:effectRef idx="0">
+            <a:schemeClr val="accent1"/>
+          </a:effectRef>
+          <a:fontRef idx="minor">
+            <a:schemeClr val="lt1"/>
+          </a:fontRef>
+        </p:style>
+        <p:txBody>
+          <a:bodyPr rot="0" spcFirstLastPara="0" vertOverflow="overflow" horzOverflow="overflow" vert="horz" wrap="square" lIns="0" tIns="0" rIns="0" bIns="0" numCol="1" spcCol="0" rtlCol="0" fromWordArt="0" anchor="ctr" anchorCtr="0" forceAA="0" compatLnSpc="1">
+            <a:prstTxWarp prst="textNoShape">
+              <a:avLst/>
+            </a:prstTxWarp>
+            <a:noAutofit/>
+          </a:bodyPr>
+          <a:lstStyle/>
+          <a:p>
+            <a:pPr algn="ctr"/>
+            <a:r>
+              <a:rPr lang="en-US" sz="900" dirty="0">
+                <a:solidFill>
+                  <a:schemeClr val="accent1"/>
+                </a:solidFill>
+              </a:rPr>
+              <a:t>Doc API</a:t>
+            </a:r>
+          </a:p>
+        </p:txBody>
+      </p:sp>
+      <p:sp>
+        <p:nvSpPr>
+          <p:cNvPr id="117" name="Rectangle 116">
+            <a:extLst>
+              <a:ext uri="{FF2B5EF4-FFF2-40B4-BE49-F238E27FC236}">
+                <a16:creationId xmlns:a16="http://schemas.microsoft.com/office/drawing/2014/main" id="{00189445-F217-3C42-A39B-0C80A12E9332}"/>
+              </a:ext>
+            </a:extLst>
+          </p:cNvPr>
+          <p:cNvSpPr/>
+          <p:nvPr/>
+        </p:nvSpPr>
+        <p:spPr>
+          <a:xfrm>
+            <a:off x="2004234" y="3598419"/>
+            <a:ext cx="588507" cy="203655"/>
+          </a:xfrm>
+          <a:prstGeom prst="rect">
+            <a:avLst/>
+          </a:prstGeom>
+          <a:solidFill>
+            <a:srgbClr val="FFC000"/>
+          </a:solidFill>
+        </p:spPr>
+        <p:style>
+          <a:lnRef idx="2">
+            <a:schemeClr val="accent1">
+              <a:shade val="50000"/>
+            </a:schemeClr>
+          </a:lnRef>
+          <a:fillRef idx="1">
+            <a:schemeClr val="accent1"/>
+          </a:fillRef>
+          <a:effectRef idx="0">
+            <a:schemeClr val="accent1"/>
+          </a:effectRef>
+          <a:fontRef idx="minor">
+            <a:schemeClr val="lt1"/>
+          </a:fontRef>
+        </p:style>
+        <p:txBody>
+          <a:bodyPr rot="0" spcFirstLastPara="0" vertOverflow="overflow" horzOverflow="overflow" vert="horz" wrap="square" lIns="0" tIns="0" rIns="0" bIns="0" numCol="1" spcCol="0" rtlCol="0" fromWordArt="0" anchor="ctr" anchorCtr="0" forceAA="0" compatLnSpc="1">
+            <a:prstTxWarp prst="textNoShape">
+              <a:avLst/>
+            </a:prstTxWarp>
+            <a:noAutofit/>
+          </a:bodyPr>
+          <a:lstStyle/>
+          <a:p>
+            <a:pPr algn="ctr"/>
+            <a:r>
+              <a:rPr lang="en-US" sz="900" dirty="0">
+                <a:solidFill>
+                  <a:schemeClr val="accent1"/>
+                </a:solidFill>
+              </a:rPr>
+              <a:t>Msg API</a:t>
+            </a:r>
+          </a:p>
+        </p:txBody>
+      </p:sp>
+      <p:sp>
+        <p:nvSpPr>
+          <p:cNvPr id="123" name="Rectangle 122">
+            <a:extLst>
+              <a:ext uri="{FF2B5EF4-FFF2-40B4-BE49-F238E27FC236}">
+                <a16:creationId xmlns:a16="http://schemas.microsoft.com/office/drawing/2014/main" id="{2C41CAE7-E6FC-6047-86EC-A9B8A22C2A5A}"/>
+              </a:ext>
+            </a:extLst>
+          </p:cNvPr>
+          <p:cNvSpPr/>
+          <p:nvPr/>
+        </p:nvSpPr>
+        <p:spPr>
+          <a:xfrm>
+            <a:off x="1334050" y="4942137"/>
+            <a:ext cx="979241" cy="272981"/>
+          </a:xfrm>
+          <a:prstGeom prst="rect">
+            <a:avLst/>
+          </a:prstGeom>
+          <a:solidFill>
+            <a:schemeClr val="tx1">
+              <a:lumMod val="65000"/>
+              <a:lumOff val="35000"/>
+            </a:schemeClr>
+          </a:solidFill>
+        </p:spPr>
+        <p:style>
+          <a:lnRef idx="2">
+            <a:schemeClr val="accent1">
+              <a:shade val="50000"/>
+            </a:schemeClr>
+          </a:lnRef>
+          <a:fillRef idx="1">
+            <a:schemeClr val="accent1"/>
+          </a:fillRef>
+          <a:effectRef idx="0">
+            <a:schemeClr val="accent1"/>
+          </a:effectRef>
+          <a:fontRef idx="minor">
+            <a:schemeClr val="lt1"/>
+          </a:fontRef>
+        </p:style>
+        <p:txBody>
+          <a:bodyPr rot="0" spcFirstLastPara="0" vertOverflow="overflow" horzOverflow="overflow" vert="horz" wrap="square" lIns="36000" tIns="0" rIns="36000" bIns="0" numCol="1" spcCol="0" rtlCol="0" fromWordArt="0" anchor="ctr" anchorCtr="0" forceAA="0" compatLnSpc="1">
+            <a:prstTxWarp prst="textNoShape">
+              <a:avLst/>
+            </a:prstTxWarp>
+            <a:noAutofit/>
+          </a:bodyPr>
+          <a:lstStyle/>
+          <a:p>
+            <a:pPr algn="ctr"/>
+            <a:r>
+              <a:rPr lang="en-US" sz="900" dirty="0">
+                <a:solidFill>
+                  <a:schemeClr val="bg1"/>
+                </a:solidFill>
+              </a:rPr>
+              <a:t>Ethereum</a:t>
+            </a:r>
+          </a:p>
+        </p:txBody>
+      </p:sp>
+      <p:sp>
+        <p:nvSpPr>
+          <p:cNvPr id="127" name="Rectangle 126">
+            <a:extLst>
+              <a:ext uri="{FF2B5EF4-FFF2-40B4-BE49-F238E27FC236}">
+                <a16:creationId xmlns:a16="http://schemas.microsoft.com/office/drawing/2014/main" id="{C6025322-99EF-6B46-8F52-A1B57DBD0A97}"/>
+              </a:ext>
+            </a:extLst>
+          </p:cNvPr>
+          <p:cNvSpPr/>
+          <p:nvPr/>
+        </p:nvSpPr>
+        <p:spPr>
+          <a:xfrm>
+            <a:off x="2760456" y="4942137"/>
+            <a:ext cx="979241" cy="272981"/>
+          </a:xfrm>
+          <a:prstGeom prst="rect">
+            <a:avLst/>
+          </a:prstGeom>
+          <a:solidFill>
+            <a:schemeClr val="tx1">
+              <a:lumMod val="65000"/>
+              <a:lumOff val="35000"/>
+            </a:schemeClr>
+          </a:solidFill>
+        </p:spPr>
+        <p:style>
+          <a:lnRef idx="2">
+            <a:schemeClr val="accent1">
+              <a:shade val="50000"/>
+            </a:schemeClr>
+          </a:lnRef>
+          <a:fillRef idx="1">
+            <a:schemeClr val="accent1"/>
+          </a:fillRef>
+          <a:effectRef idx="0">
+            <a:schemeClr val="accent1"/>
+          </a:effectRef>
+          <a:fontRef idx="minor">
+            <a:schemeClr val="lt1"/>
+          </a:fontRef>
+        </p:style>
+        <p:txBody>
+          <a:bodyPr rot="0" spcFirstLastPara="0" vertOverflow="overflow" horzOverflow="overflow" vert="horz" wrap="square" lIns="36000" tIns="0" rIns="36000" bIns="0" numCol="1" spcCol="0" rtlCol="0" fromWordArt="0" anchor="ctr" anchorCtr="0" forceAA="0" compatLnSpc="1">
+            <a:prstTxWarp prst="textNoShape">
+              <a:avLst/>
+            </a:prstTxWarp>
+            <a:noAutofit/>
+          </a:bodyPr>
+          <a:lstStyle/>
+          <a:p>
+            <a:pPr algn="ctr"/>
+            <a:r>
+              <a:rPr lang="en-US" sz="900" dirty="0">
+                <a:solidFill>
+                  <a:schemeClr val="bg1"/>
+                </a:solidFill>
+              </a:rPr>
+              <a:t>HyperLedger1</a:t>
+            </a:r>
+          </a:p>
+        </p:txBody>
+      </p:sp>
+      <p:sp>
+        <p:nvSpPr>
+          <p:cNvPr id="128" name="Rectangle 127">
+            <a:extLst>
+              <a:ext uri="{FF2B5EF4-FFF2-40B4-BE49-F238E27FC236}">
+                <a16:creationId xmlns:a16="http://schemas.microsoft.com/office/drawing/2014/main" id="{F963DCA4-9BAE-4E43-AE69-3C9A318AFB05}"/>
+              </a:ext>
+            </a:extLst>
+          </p:cNvPr>
+          <p:cNvSpPr/>
+          <p:nvPr/>
+        </p:nvSpPr>
+        <p:spPr>
+          <a:xfrm>
+            <a:off x="5099339" y="4942137"/>
+            <a:ext cx="979241" cy="272981"/>
+          </a:xfrm>
+          <a:prstGeom prst="rect">
+            <a:avLst/>
+          </a:prstGeom>
+          <a:solidFill>
+            <a:schemeClr val="tx1">
+              <a:lumMod val="65000"/>
+              <a:lumOff val="35000"/>
+            </a:schemeClr>
+          </a:solidFill>
+        </p:spPr>
+        <p:style>
+          <a:lnRef idx="2">
+            <a:schemeClr val="accent1">
+              <a:shade val="50000"/>
+            </a:schemeClr>
+          </a:lnRef>
+          <a:fillRef idx="1">
+            <a:schemeClr val="accent1"/>
+          </a:fillRef>
+          <a:effectRef idx="0">
+            <a:schemeClr val="accent1"/>
+          </a:effectRef>
+          <a:fontRef idx="minor">
+            <a:schemeClr val="lt1"/>
+          </a:fontRef>
+        </p:style>
+        <p:txBody>
+          <a:bodyPr rot="0" spcFirstLastPara="0" vertOverflow="overflow" horzOverflow="overflow" vert="horz" wrap="square" lIns="36000" tIns="0" rIns="36000" bIns="0" numCol="1" spcCol="0" rtlCol="0" fromWordArt="0" anchor="ctr" anchorCtr="0" forceAA="0" compatLnSpc="1">
+            <a:prstTxWarp prst="textNoShape">
+              <a:avLst/>
+            </a:prstTxWarp>
+            <a:noAutofit/>
+          </a:bodyPr>
+          <a:lstStyle/>
+          <a:p>
+            <a:pPr algn="ctr"/>
+            <a:r>
+              <a:rPr lang="en-US" sz="900" dirty="0">
+                <a:solidFill>
+                  <a:schemeClr val="bg1"/>
+                </a:solidFill>
+              </a:rPr>
+              <a:t>HyperLedger2</a:t>
+            </a:r>
+          </a:p>
+        </p:txBody>
+      </p:sp>
+      <p:sp>
+        <p:nvSpPr>
+          <p:cNvPr id="129" name="Rectangle 128">
+            <a:extLst>
+              <a:ext uri="{FF2B5EF4-FFF2-40B4-BE49-F238E27FC236}">
+                <a16:creationId xmlns:a16="http://schemas.microsoft.com/office/drawing/2014/main" id="{32B41E0E-8CC4-504F-BD54-A6BBF00ABB1F}"/>
+              </a:ext>
+            </a:extLst>
+          </p:cNvPr>
+          <p:cNvSpPr/>
+          <p:nvPr/>
+        </p:nvSpPr>
+        <p:spPr>
+          <a:xfrm>
+            <a:off x="6637326" y="4942137"/>
+            <a:ext cx="979241" cy="272981"/>
+          </a:xfrm>
+          <a:prstGeom prst="rect">
+            <a:avLst/>
+          </a:prstGeom>
+          <a:solidFill>
+            <a:schemeClr val="tx1">
+              <a:lumMod val="65000"/>
+              <a:lumOff val="35000"/>
+            </a:schemeClr>
+          </a:solidFill>
+        </p:spPr>
+        <p:style>
+          <a:lnRef idx="2">
+            <a:schemeClr val="accent1">
+              <a:shade val="50000"/>
+            </a:schemeClr>
+          </a:lnRef>
+          <a:fillRef idx="1">
+            <a:schemeClr val="accent1"/>
+          </a:fillRef>
+          <a:effectRef idx="0">
+            <a:schemeClr val="accent1"/>
+          </a:effectRef>
+          <a:fontRef idx="minor">
+            <a:schemeClr val="lt1"/>
+          </a:fontRef>
+        </p:style>
+        <p:txBody>
+          <a:bodyPr rot="0" spcFirstLastPara="0" vertOverflow="overflow" horzOverflow="overflow" vert="horz" wrap="square" lIns="36000" tIns="0" rIns="36000" bIns="0" numCol="1" spcCol="0" rtlCol="0" fromWordArt="0" anchor="ctr" anchorCtr="0" forceAA="0" compatLnSpc="1">
+            <a:prstTxWarp prst="textNoShape">
+              <a:avLst/>
+            </a:prstTxWarp>
+            <a:noAutofit/>
+          </a:bodyPr>
+          <a:lstStyle/>
+          <a:p>
+            <a:pPr algn="ctr"/>
+            <a:r>
+              <a:rPr lang="en-US" sz="900" dirty="0" err="1">
+                <a:solidFill>
+                  <a:schemeClr val="bg1"/>
+                </a:solidFill>
+              </a:rPr>
+              <a:t>OtherLedger</a:t>
+            </a:r>
+            <a:endParaRPr lang="en-US" sz="900" dirty="0">
+              <a:solidFill>
+                <a:schemeClr val="bg1"/>
+              </a:solidFill>
+            </a:endParaRPr>
+          </a:p>
+        </p:txBody>
+      </p:sp>
+      <p:sp>
+        <p:nvSpPr>
+          <p:cNvPr id="130" name="Rectangle 129">
+            <a:extLst>
+              <a:ext uri="{FF2B5EF4-FFF2-40B4-BE49-F238E27FC236}">
+                <a16:creationId xmlns:a16="http://schemas.microsoft.com/office/drawing/2014/main" id="{AEE43B23-F4C2-384B-8761-B256E0BCAF4D}"/>
+              </a:ext>
+            </a:extLst>
+          </p:cNvPr>
+          <p:cNvSpPr/>
+          <p:nvPr/>
+        </p:nvSpPr>
+        <p:spPr>
+          <a:xfrm>
+            <a:off x="5738606" y="2607723"/>
+            <a:ext cx="736910" cy="203655"/>
+          </a:xfrm>
+          <a:prstGeom prst="rect">
+            <a:avLst/>
+          </a:prstGeom>
+          <a:solidFill>
+            <a:srgbClr val="92D050"/>
+          </a:solidFill>
+        </p:spPr>
+        <p:style>
+          <a:lnRef idx="2">
+            <a:schemeClr val="accent1">
+              <a:shade val="50000"/>
+            </a:schemeClr>
+          </a:lnRef>
+          <a:fillRef idx="1">
+            <a:schemeClr val="accent1"/>
+          </a:fillRef>
+          <a:effectRef idx="0">
+            <a:schemeClr val="accent1"/>
+          </a:effectRef>
+          <a:fontRef idx="minor">
+            <a:schemeClr val="lt1"/>
+          </a:fontRef>
+        </p:style>
+        <p:txBody>
+          <a:bodyPr rot="0" spcFirstLastPara="0" vertOverflow="overflow" horzOverflow="overflow" vert="horz" wrap="square" lIns="36000" tIns="0" rIns="36000" bIns="0" numCol="1" spcCol="0" rtlCol="0" fromWordArt="0" anchor="ctr" anchorCtr="0" forceAA="0" compatLnSpc="1">
+            <a:prstTxWarp prst="textNoShape">
+              <a:avLst/>
+            </a:prstTxWarp>
+            <a:noAutofit/>
+          </a:bodyPr>
+          <a:lstStyle/>
+          <a:p>
+            <a:pPr algn="ctr"/>
+            <a:r>
+              <a:rPr lang="en-US" sz="900" dirty="0" err="1">
+                <a:solidFill>
+                  <a:schemeClr val="accent1"/>
+                </a:solidFill>
+              </a:rPr>
+              <a:t>CoO</a:t>
+            </a:r>
+            <a:r>
+              <a:rPr lang="en-US" sz="900" dirty="0">
+                <a:solidFill>
+                  <a:schemeClr val="accent1"/>
+                </a:solidFill>
+              </a:rPr>
+              <a:t> API</a:t>
+            </a:r>
+          </a:p>
+        </p:txBody>
+      </p:sp>
+      <p:cxnSp>
+        <p:nvCxnSpPr>
+          <p:cNvPr id="131" name="Straight Arrow Connector 130">
+            <a:extLst>
+              <a:ext uri="{FF2B5EF4-FFF2-40B4-BE49-F238E27FC236}">
+                <a16:creationId xmlns:a16="http://schemas.microsoft.com/office/drawing/2014/main" id="{549FD7F8-B0DF-C348-A963-B7811FCB67F9}"/>
+              </a:ext>
+            </a:extLst>
+          </p:cNvPr>
+          <p:cNvCxnSpPr>
+            <a:cxnSpLocks/>
+            <a:endCxn id="116" idx="0"/>
+          </p:cNvCxnSpPr>
+          <p:nvPr/>
+        </p:nvCxnSpPr>
+        <p:spPr>
+          <a:xfrm>
+            <a:off x="1520849" y="3380156"/>
+            <a:ext cx="0" cy="211321"/>
+          </a:xfrm>
+          <a:prstGeom prst="straightConnector1">
+            <a:avLst/>
+          </a:prstGeom>
+          <a:ln w="19050">
+            <a:headEnd type="arrow" w="med" len="med"/>
+            <a:tailEnd type="arrow" w="med" len="med"/>
+          </a:ln>
+        </p:spPr>
+        <p:style>
+          <a:lnRef idx="1">
+            <a:schemeClr val="accent1"/>
+          </a:lnRef>
+          <a:fillRef idx="0">
+            <a:schemeClr val="accent1"/>
+          </a:fillRef>
+          <a:effectRef idx="0">
+            <a:schemeClr val="accent1"/>
+          </a:effectRef>
+          <a:fontRef idx="minor">
+            <a:schemeClr val="tx1"/>
+          </a:fontRef>
+        </p:style>
+      </p:cxnSp>
+      <p:cxnSp>
+        <p:nvCxnSpPr>
+          <p:cNvPr id="132" name="Straight Arrow Connector 131">
+            <a:extLst>
+              <a:ext uri="{FF2B5EF4-FFF2-40B4-BE49-F238E27FC236}">
+                <a16:creationId xmlns:a16="http://schemas.microsoft.com/office/drawing/2014/main" id="{0ED0A0C3-6A55-274E-92D2-B2DE6BACA3DC}"/>
+              </a:ext>
+            </a:extLst>
+          </p:cNvPr>
+          <p:cNvCxnSpPr>
+            <a:cxnSpLocks/>
+          </p:cNvCxnSpPr>
+          <p:nvPr/>
+        </p:nvCxnSpPr>
+        <p:spPr>
+          <a:xfrm>
+            <a:off x="3075023" y="3371804"/>
+            <a:ext cx="0" cy="211321"/>
+          </a:xfrm>
+          <a:prstGeom prst="straightConnector1">
+            <a:avLst/>
+          </a:prstGeom>
+          <a:ln w="19050">
+            <a:headEnd type="arrow" w="med" len="med"/>
+            <a:tailEnd type="arrow" w="med" len="med"/>
+          </a:ln>
+        </p:spPr>
+        <p:style>
+          <a:lnRef idx="1">
+            <a:schemeClr val="accent1"/>
+          </a:lnRef>
+          <a:fillRef idx="0">
+            <a:schemeClr val="accent1"/>
+          </a:fillRef>
+          <a:effectRef idx="0">
+            <a:schemeClr val="accent1"/>
+          </a:effectRef>
+          <a:fontRef idx="minor">
+            <a:schemeClr val="tx1"/>
+          </a:fontRef>
+        </p:style>
+      </p:cxnSp>
+      <p:cxnSp>
+        <p:nvCxnSpPr>
+          <p:cNvPr id="133" name="Straight Arrow Connector 132">
+            <a:extLst>
+              <a:ext uri="{FF2B5EF4-FFF2-40B4-BE49-F238E27FC236}">
+                <a16:creationId xmlns:a16="http://schemas.microsoft.com/office/drawing/2014/main" id="{B415E9E6-6235-614E-81ED-99B70D087764}"/>
+              </a:ext>
+            </a:extLst>
+          </p:cNvPr>
+          <p:cNvCxnSpPr>
+            <a:cxnSpLocks/>
+          </p:cNvCxnSpPr>
+          <p:nvPr/>
+        </p:nvCxnSpPr>
+        <p:spPr>
+          <a:xfrm>
+            <a:off x="2254421" y="4373710"/>
+            <a:ext cx="0" cy="349694"/>
+          </a:xfrm>
+          <a:prstGeom prst="straightConnector1">
+            <a:avLst/>
+          </a:prstGeom>
+          <a:ln w="19050">
+            <a:headEnd type="arrow" w="med" len="med"/>
+            <a:tailEnd type="arrow" w="med" len="med"/>
+          </a:ln>
+        </p:spPr>
+        <p:style>
+          <a:lnRef idx="1">
+            <a:schemeClr val="accent1"/>
+          </a:lnRef>
+          <a:fillRef idx="0">
+            <a:schemeClr val="accent1"/>
+          </a:fillRef>
+          <a:effectRef idx="0">
+            <a:schemeClr val="accent1"/>
+          </a:effectRef>
+          <a:fontRef idx="minor">
+            <a:schemeClr val="tx1"/>
+          </a:fontRef>
+        </p:style>
+      </p:cxnSp>
+      <p:cxnSp>
+        <p:nvCxnSpPr>
+          <p:cNvPr id="136" name="Straight Arrow Connector 135">
+            <a:extLst>
+              <a:ext uri="{FF2B5EF4-FFF2-40B4-BE49-F238E27FC236}">
+                <a16:creationId xmlns:a16="http://schemas.microsoft.com/office/drawing/2014/main" id="{45762ABB-0CB8-3342-918F-D4120DDAED10}"/>
+              </a:ext>
+            </a:extLst>
+          </p:cNvPr>
+          <p:cNvCxnSpPr>
+            <a:cxnSpLocks/>
+          </p:cNvCxnSpPr>
+          <p:nvPr/>
+        </p:nvCxnSpPr>
+        <p:spPr>
+          <a:xfrm>
+            <a:off x="6737354" y="4373710"/>
+            <a:ext cx="0" cy="349694"/>
+          </a:xfrm>
+          <a:prstGeom prst="straightConnector1">
+            <a:avLst/>
+          </a:prstGeom>
+          <a:ln w="19050">
+            <a:headEnd type="arrow" w="med" len="med"/>
+            <a:tailEnd type="arrow" w="med" len="med"/>
+          </a:ln>
+        </p:spPr>
+        <p:style>
+          <a:lnRef idx="1">
+            <a:schemeClr val="accent1"/>
+          </a:lnRef>
+          <a:fillRef idx="0">
+            <a:schemeClr val="accent1"/>
+          </a:fillRef>
+          <a:effectRef idx="0">
+            <a:schemeClr val="accent1"/>
+          </a:effectRef>
+          <a:fontRef idx="minor">
+            <a:schemeClr val="tx1"/>
+          </a:fontRef>
+        </p:style>
+      </p:cxnSp>
+      <p:cxnSp>
+        <p:nvCxnSpPr>
+          <p:cNvPr id="137" name="Straight Arrow Connector 136">
+            <a:extLst>
+              <a:ext uri="{FF2B5EF4-FFF2-40B4-BE49-F238E27FC236}">
+                <a16:creationId xmlns:a16="http://schemas.microsoft.com/office/drawing/2014/main" id="{B237C5EF-4EF4-6E40-A29F-6FC6CF2CFE41}"/>
+              </a:ext>
+            </a:extLst>
+          </p:cNvPr>
+          <p:cNvCxnSpPr>
+            <a:cxnSpLocks/>
+          </p:cNvCxnSpPr>
+          <p:nvPr/>
+        </p:nvCxnSpPr>
+        <p:spPr>
+          <a:xfrm>
+            <a:off x="1607133" y="2396402"/>
+            <a:ext cx="0" cy="211321"/>
+          </a:xfrm>
+          <a:prstGeom prst="straightConnector1">
+            <a:avLst/>
+          </a:prstGeom>
+          <a:ln w="19050">
+            <a:headEnd type="arrow" w="med" len="med"/>
+            <a:tailEnd type="arrow" w="med" len="med"/>
+          </a:ln>
+        </p:spPr>
+        <p:style>
+          <a:lnRef idx="1">
+            <a:schemeClr val="accent1"/>
+          </a:lnRef>
+          <a:fillRef idx="0">
+            <a:schemeClr val="accent1"/>
+          </a:fillRef>
+          <a:effectRef idx="0">
+            <a:schemeClr val="accent1"/>
+          </a:effectRef>
+          <a:fontRef idx="minor">
+            <a:schemeClr val="tx1"/>
+          </a:fontRef>
+        </p:style>
+      </p:cxnSp>
+      <p:cxnSp>
+        <p:nvCxnSpPr>
+          <p:cNvPr id="138" name="Straight Arrow Connector 137">
+            <a:extLst>
+              <a:ext uri="{FF2B5EF4-FFF2-40B4-BE49-F238E27FC236}">
+                <a16:creationId xmlns:a16="http://schemas.microsoft.com/office/drawing/2014/main" id="{4528F0D1-CE9E-F246-A707-7BEA90B9C8FD}"/>
+              </a:ext>
+            </a:extLst>
+          </p:cNvPr>
+          <p:cNvCxnSpPr>
+            <a:cxnSpLocks/>
+          </p:cNvCxnSpPr>
+          <p:nvPr/>
+        </p:nvCxnSpPr>
+        <p:spPr>
+          <a:xfrm>
+            <a:off x="6039488" y="2397523"/>
+            <a:ext cx="0" cy="211321"/>
+          </a:xfrm>
+          <a:prstGeom prst="straightConnector1">
+            <a:avLst/>
+          </a:prstGeom>
+          <a:ln w="19050">
+            <a:headEnd type="arrow" w="med" len="med"/>
+            <a:tailEnd type="arrow" w="med" len="med"/>
+          </a:ln>
+        </p:spPr>
+        <p:style>
+          <a:lnRef idx="1">
+            <a:schemeClr val="accent1"/>
+          </a:lnRef>
+          <a:fillRef idx="0">
+            <a:schemeClr val="accent1"/>
+          </a:fillRef>
+          <a:effectRef idx="0">
+            <a:schemeClr val="accent1"/>
+          </a:effectRef>
+          <a:fontRef idx="minor">
+            <a:schemeClr val="tx1"/>
+          </a:fontRef>
+        </p:style>
+      </p:cxnSp>
+      <p:sp>
+        <p:nvSpPr>
+          <p:cNvPr id="139" name="Rectangle 138">
+            <a:extLst>
+              <a:ext uri="{FF2B5EF4-FFF2-40B4-BE49-F238E27FC236}">
+                <a16:creationId xmlns:a16="http://schemas.microsoft.com/office/drawing/2014/main" id="{26BC6EBA-70AD-6245-8823-DE46E4D137F9}"/>
+              </a:ext>
+            </a:extLst>
+          </p:cNvPr>
+          <p:cNvSpPr/>
+          <p:nvPr/>
+        </p:nvSpPr>
+        <p:spPr>
+          <a:xfrm>
+            <a:off x="2780770" y="3591476"/>
+            <a:ext cx="588507" cy="203655"/>
+          </a:xfrm>
+          <a:prstGeom prst="rect">
+            <a:avLst/>
+          </a:prstGeom>
+          <a:solidFill>
+            <a:srgbClr val="FFC000"/>
+          </a:solidFill>
+        </p:spPr>
+        <p:style>
+          <a:lnRef idx="2">
+            <a:schemeClr val="accent1">
+              <a:shade val="50000"/>
+            </a:schemeClr>
+          </a:lnRef>
+          <a:fillRef idx="1">
+            <a:schemeClr val="accent1"/>
+          </a:fillRef>
+          <a:effectRef idx="0">
+            <a:schemeClr val="accent1"/>
+          </a:effectRef>
+          <a:fontRef idx="minor">
+            <a:schemeClr val="lt1"/>
+          </a:fontRef>
+        </p:style>
+        <p:txBody>
+          <a:bodyPr rot="0" spcFirstLastPara="0" vertOverflow="overflow" horzOverflow="overflow" vert="horz" wrap="square" lIns="0" tIns="0" rIns="0" bIns="0" numCol="1" spcCol="0" rtlCol="0" fromWordArt="0" anchor="ctr" anchorCtr="0" forceAA="0" compatLnSpc="1">
+            <a:prstTxWarp prst="textNoShape">
+              <a:avLst/>
+            </a:prstTxWarp>
+            <a:noAutofit/>
+          </a:bodyPr>
+          <a:lstStyle/>
+          <a:p>
+            <a:pPr algn="ctr"/>
+            <a:r>
+              <a:rPr lang="en-US" sz="900" dirty="0">
+                <a:solidFill>
+                  <a:schemeClr val="accent1"/>
+                </a:solidFill>
+              </a:rPr>
+              <a:t>Subs API</a:t>
+            </a:r>
+          </a:p>
+        </p:txBody>
+      </p:sp>
+      <p:cxnSp>
+        <p:nvCxnSpPr>
+          <p:cNvPr id="140" name="Straight Arrow Connector 139">
+            <a:extLst>
+              <a:ext uri="{FF2B5EF4-FFF2-40B4-BE49-F238E27FC236}">
+                <a16:creationId xmlns:a16="http://schemas.microsoft.com/office/drawing/2014/main" id="{CC5DA850-32BB-514B-AD1D-E04E174ED420}"/>
+              </a:ext>
+            </a:extLst>
+          </p:cNvPr>
+          <p:cNvCxnSpPr>
+            <a:cxnSpLocks/>
+          </p:cNvCxnSpPr>
+          <p:nvPr/>
+        </p:nvCxnSpPr>
+        <p:spPr>
+          <a:xfrm>
+            <a:off x="2309838" y="3390487"/>
+            <a:ext cx="0" cy="211321"/>
+          </a:xfrm>
+          <a:prstGeom prst="straightConnector1">
+            <a:avLst/>
+          </a:prstGeom>
+          <a:ln w="19050">
+            <a:headEnd type="arrow" w="med" len="med"/>
+            <a:tailEnd type="arrow" w="med" len="med"/>
+          </a:ln>
+        </p:spPr>
+        <p:style>
+          <a:lnRef idx="1">
+            <a:schemeClr val="accent1"/>
+          </a:lnRef>
+          <a:fillRef idx="0">
+            <a:schemeClr val="accent1"/>
+          </a:fillRef>
+          <a:effectRef idx="0">
+            <a:schemeClr val="accent1"/>
+          </a:effectRef>
+          <a:fontRef idx="minor">
+            <a:schemeClr val="tx1"/>
+          </a:fontRef>
+        </p:style>
+      </p:cxnSp>
+      <p:sp>
+        <p:nvSpPr>
+          <p:cNvPr id="141" name="Rectangle 140">
+            <a:extLst>
+              <a:ext uri="{FF2B5EF4-FFF2-40B4-BE49-F238E27FC236}">
+                <a16:creationId xmlns:a16="http://schemas.microsoft.com/office/drawing/2014/main" id="{B35391C9-2A77-754D-B174-C83B3332F9BF}"/>
+              </a:ext>
+            </a:extLst>
+          </p:cNvPr>
+          <p:cNvSpPr/>
+          <p:nvPr/>
+        </p:nvSpPr>
+        <p:spPr>
+          <a:xfrm>
+            <a:off x="5619455" y="3601937"/>
+            <a:ext cx="588507" cy="203655"/>
+          </a:xfrm>
+          <a:prstGeom prst="rect">
+            <a:avLst/>
+          </a:prstGeom>
+          <a:solidFill>
+            <a:srgbClr val="FFC000"/>
+          </a:solidFill>
+        </p:spPr>
+        <p:style>
+          <a:lnRef idx="2">
+            <a:schemeClr val="accent1">
+              <a:shade val="50000"/>
+            </a:schemeClr>
+          </a:lnRef>
+          <a:fillRef idx="1">
+            <a:schemeClr val="accent1"/>
+          </a:fillRef>
+          <a:effectRef idx="0">
+            <a:schemeClr val="accent1"/>
+          </a:effectRef>
+          <a:fontRef idx="minor">
+            <a:schemeClr val="lt1"/>
+          </a:fontRef>
+        </p:style>
+        <p:txBody>
+          <a:bodyPr rot="0" spcFirstLastPara="0" vertOverflow="overflow" horzOverflow="overflow" vert="horz" wrap="square" lIns="0" tIns="0" rIns="0" bIns="0" numCol="1" spcCol="0" rtlCol="0" fromWordArt="0" anchor="ctr" anchorCtr="0" forceAA="0" compatLnSpc="1">
+            <a:prstTxWarp prst="textNoShape">
+              <a:avLst/>
+            </a:prstTxWarp>
+            <a:noAutofit/>
+          </a:bodyPr>
+          <a:lstStyle/>
+          <a:p>
+            <a:pPr algn="ctr"/>
+            <a:r>
+              <a:rPr lang="en-US" sz="900" dirty="0">
+                <a:solidFill>
+                  <a:schemeClr val="accent1"/>
+                </a:solidFill>
+              </a:rPr>
+              <a:t>Doc API</a:t>
+            </a:r>
+          </a:p>
+        </p:txBody>
+      </p:sp>
+      <p:sp>
+        <p:nvSpPr>
+          <p:cNvPr id="142" name="Rectangle 141">
+            <a:extLst>
+              <a:ext uri="{FF2B5EF4-FFF2-40B4-BE49-F238E27FC236}">
+                <a16:creationId xmlns:a16="http://schemas.microsoft.com/office/drawing/2014/main" id="{8CD144B5-C824-F447-8F43-7ABAEF769751}"/>
+              </a:ext>
+            </a:extLst>
+          </p:cNvPr>
+          <p:cNvSpPr/>
+          <p:nvPr/>
+        </p:nvSpPr>
+        <p:spPr>
+          <a:xfrm>
+            <a:off x="6397093" y="3608879"/>
+            <a:ext cx="588507" cy="203655"/>
+          </a:xfrm>
+          <a:prstGeom prst="rect">
+            <a:avLst/>
+          </a:prstGeom>
+          <a:solidFill>
+            <a:srgbClr val="FFC000"/>
+          </a:solidFill>
+        </p:spPr>
+        <p:style>
+          <a:lnRef idx="2">
+            <a:schemeClr val="accent1">
+              <a:shade val="50000"/>
+            </a:schemeClr>
+          </a:lnRef>
+          <a:fillRef idx="1">
+            <a:schemeClr val="accent1"/>
+          </a:fillRef>
+          <a:effectRef idx="0">
+            <a:schemeClr val="accent1"/>
+          </a:effectRef>
+          <a:fontRef idx="minor">
+            <a:schemeClr val="lt1"/>
+          </a:fontRef>
+        </p:style>
+        <p:txBody>
+          <a:bodyPr rot="0" spcFirstLastPara="0" vertOverflow="overflow" horzOverflow="overflow" vert="horz" wrap="square" lIns="0" tIns="0" rIns="0" bIns="0" numCol="1" spcCol="0" rtlCol="0" fromWordArt="0" anchor="ctr" anchorCtr="0" forceAA="0" compatLnSpc="1">
+            <a:prstTxWarp prst="textNoShape">
+              <a:avLst/>
+            </a:prstTxWarp>
+            <a:noAutofit/>
+          </a:bodyPr>
+          <a:lstStyle/>
+          <a:p>
+            <a:pPr algn="ctr"/>
+            <a:r>
+              <a:rPr lang="en-US" sz="900" dirty="0">
+                <a:solidFill>
+                  <a:schemeClr val="accent1"/>
+                </a:solidFill>
+              </a:rPr>
+              <a:t>Msg API</a:t>
+            </a:r>
+          </a:p>
+        </p:txBody>
+      </p:sp>
+      <p:cxnSp>
+        <p:nvCxnSpPr>
+          <p:cNvPr id="143" name="Straight Arrow Connector 142">
+            <a:extLst>
+              <a:ext uri="{FF2B5EF4-FFF2-40B4-BE49-F238E27FC236}">
+                <a16:creationId xmlns:a16="http://schemas.microsoft.com/office/drawing/2014/main" id="{BA47031B-7ABA-0D4C-8BD0-220E1C1BC91D}"/>
+              </a:ext>
+            </a:extLst>
+          </p:cNvPr>
+          <p:cNvCxnSpPr>
+            <a:cxnSpLocks/>
+            <a:endCxn id="141" idx="0"/>
+          </p:cNvCxnSpPr>
+          <p:nvPr/>
+        </p:nvCxnSpPr>
+        <p:spPr>
+          <a:xfrm>
+            <a:off x="5913709" y="3390616"/>
+            <a:ext cx="0" cy="211321"/>
+          </a:xfrm>
+          <a:prstGeom prst="straightConnector1">
+            <a:avLst/>
+          </a:prstGeom>
+          <a:ln w="19050">
+            <a:headEnd type="arrow" w="med" len="med"/>
+            <a:tailEnd type="arrow" w="med" len="med"/>
+          </a:ln>
+        </p:spPr>
+        <p:style>
+          <a:lnRef idx="1">
+            <a:schemeClr val="accent1"/>
+          </a:lnRef>
+          <a:fillRef idx="0">
+            <a:schemeClr val="accent1"/>
+          </a:fillRef>
+          <a:effectRef idx="0">
+            <a:schemeClr val="accent1"/>
+          </a:effectRef>
+          <a:fontRef idx="minor">
+            <a:schemeClr val="tx1"/>
+          </a:fontRef>
+        </p:style>
+      </p:cxnSp>
+      <p:cxnSp>
+        <p:nvCxnSpPr>
+          <p:cNvPr id="144" name="Straight Arrow Connector 143">
+            <a:extLst>
+              <a:ext uri="{FF2B5EF4-FFF2-40B4-BE49-F238E27FC236}">
+                <a16:creationId xmlns:a16="http://schemas.microsoft.com/office/drawing/2014/main" id="{B43064EF-7AA0-6D43-AAB9-796AC32E20B4}"/>
+              </a:ext>
+            </a:extLst>
+          </p:cNvPr>
+          <p:cNvCxnSpPr>
+            <a:cxnSpLocks/>
+          </p:cNvCxnSpPr>
+          <p:nvPr/>
+        </p:nvCxnSpPr>
+        <p:spPr>
+          <a:xfrm>
+            <a:off x="7467883" y="3382263"/>
+            <a:ext cx="0" cy="211321"/>
+          </a:xfrm>
+          <a:prstGeom prst="straightConnector1">
+            <a:avLst/>
+          </a:prstGeom>
+          <a:ln w="19050">
+            <a:headEnd type="arrow" w="med" len="med"/>
+            <a:tailEnd type="arrow" w="med" len="med"/>
+          </a:ln>
+        </p:spPr>
+        <p:style>
+          <a:lnRef idx="1">
+            <a:schemeClr val="accent1"/>
+          </a:lnRef>
+          <a:fillRef idx="0">
+            <a:schemeClr val="accent1"/>
+          </a:fillRef>
+          <a:effectRef idx="0">
+            <a:schemeClr val="accent1"/>
+          </a:effectRef>
+          <a:fontRef idx="minor">
+            <a:schemeClr val="tx1"/>
+          </a:fontRef>
+        </p:style>
+      </p:cxnSp>
+      <p:sp>
+        <p:nvSpPr>
+          <p:cNvPr id="145" name="Rectangle 144">
+            <a:extLst>
+              <a:ext uri="{FF2B5EF4-FFF2-40B4-BE49-F238E27FC236}">
+                <a16:creationId xmlns:a16="http://schemas.microsoft.com/office/drawing/2014/main" id="{70770372-DA12-584A-8BF1-4B34F5590360}"/>
+              </a:ext>
+            </a:extLst>
+          </p:cNvPr>
+          <p:cNvSpPr/>
+          <p:nvPr/>
+        </p:nvSpPr>
+        <p:spPr>
+          <a:xfrm>
+            <a:off x="7173630" y="3601935"/>
+            <a:ext cx="588507" cy="203655"/>
+          </a:xfrm>
+          <a:prstGeom prst="rect">
+            <a:avLst/>
+          </a:prstGeom>
+          <a:solidFill>
+            <a:srgbClr val="FFC000"/>
+          </a:solidFill>
+        </p:spPr>
+        <p:style>
+          <a:lnRef idx="2">
+            <a:schemeClr val="accent1">
+              <a:shade val="50000"/>
+            </a:schemeClr>
+          </a:lnRef>
+          <a:fillRef idx="1">
+            <a:schemeClr val="accent1"/>
+          </a:fillRef>
+          <a:effectRef idx="0">
+            <a:schemeClr val="accent1"/>
+          </a:effectRef>
+          <a:fontRef idx="minor">
+            <a:schemeClr val="lt1"/>
+          </a:fontRef>
+        </p:style>
+        <p:txBody>
+          <a:bodyPr rot="0" spcFirstLastPara="0" vertOverflow="overflow" horzOverflow="overflow" vert="horz" wrap="square" lIns="0" tIns="0" rIns="0" bIns="0" numCol="1" spcCol="0" rtlCol="0" fromWordArt="0" anchor="ctr" anchorCtr="0" forceAA="0" compatLnSpc="1">
+            <a:prstTxWarp prst="textNoShape">
+              <a:avLst/>
+            </a:prstTxWarp>
+            <a:noAutofit/>
+          </a:bodyPr>
+          <a:lstStyle/>
+          <a:p>
+            <a:pPr algn="ctr"/>
+            <a:r>
+              <a:rPr lang="en-US" sz="900" dirty="0">
+                <a:solidFill>
+                  <a:schemeClr val="accent1"/>
+                </a:solidFill>
+              </a:rPr>
+              <a:t>Subs API</a:t>
+            </a:r>
+          </a:p>
+        </p:txBody>
+      </p:sp>
+      <p:cxnSp>
+        <p:nvCxnSpPr>
+          <p:cNvPr id="146" name="Straight Arrow Connector 145">
+            <a:extLst>
+              <a:ext uri="{FF2B5EF4-FFF2-40B4-BE49-F238E27FC236}">
+                <a16:creationId xmlns:a16="http://schemas.microsoft.com/office/drawing/2014/main" id="{80A724C4-31FB-7248-AD52-B3E6B42BD7B4}"/>
+              </a:ext>
+            </a:extLst>
+          </p:cNvPr>
+          <p:cNvCxnSpPr>
+            <a:cxnSpLocks/>
+          </p:cNvCxnSpPr>
+          <p:nvPr/>
+        </p:nvCxnSpPr>
+        <p:spPr>
+          <a:xfrm>
+            <a:off x="6702697" y="3400946"/>
+            <a:ext cx="0" cy="211321"/>
+          </a:xfrm>
+          <a:prstGeom prst="straightConnector1">
+            <a:avLst/>
+          </a:prstGeom>
+          <a:ln w="19050">
+            <a:headEnd type="arrow" w="med" len="med"/>
+            <a:tailEnd type="arrow" w="med" len="med"/>
+          </a:ln>
+        </p:spPr>
+        <p:style>
+          <a:lnRef idx="1">
+            <a:schemeClr val="accent1"/>
+          </a:lnRef>
+          <a:fillRef idx="0">
+            <a:schemeClr val="accent1"/>
+          </a:fillRef>
+          <a:effectRef idx="0">
+            <a:schemeClr val="accent1"/>
+          </a:effectRef>
+          <a:fontRef idx="minor">
+            <a:schemeClr val="tx1"/>
+          </a:fontRef>
+        </p:style>
+      </p:cxnSp>
+      <p:sp>
+        <p:nvSpPr>
+          <p:cNvPr id="147" name="Rectangle 146">
+            <a:extLst>
+              <a:ext uri="{FF2B5EF4-FFF2-40B4-BE49-F238E27FC236}">
+                <a16:creationId xmlns:a16="http://schemas.microsoft.com/office/drawing/2014/main" id="{52450F10-CA36-8D45-B6C2-F793CD7C984D}"/>
+              </a:ext>
+            </a:extLst>
+          </p:cNvPr>
+          <p:cNvSpPr/>
+          <p:nvPr/>
+        </p:nvSpPr>
+        <p:spPr>
+          <a:xfrm>
+            <a:off x="1409663" y="4771123"/>
+            <a:ext cx="853411" cy="203655"/>
+          </a:xfrm>
+          <a:prstGeom prst="rect">
+            <a:avLst/>
+          </a:prstGeom>
+          <a:solidFill>
+            <a:srgbClr val="FFC000"/>
+          </a:solidFill>
+        </p:spPr>
+        <p:style>
+          <a:lnRef idx="2">
+            <a:schemeClr val="accent1">
+              <a:shade val="50000"/>
+            </a:schemeClr>
+          </a:lnRef>
+          <a:fillRef idx="1">
+            <a:schemeClr val="accent1"/>
+          </a:fillRef>
+          <a:effectRef idx="0">
+            <a:schemeClr val="accent1"/>
+          </a:effectRef>
+          <a:fontRef idx="minor">
+            <a:schemeClr val="lt1"/>
+          </a:fontRef>
+        </p:style>
+        <p:txBody>
+          <a:bodyPr rot="0" spcFirstLastPara="0" vertOverflow="overflow" horzOverflow="overflow" vert="horz" wrap="square" lIns="36000" tIns="0" rIns="36000" bIns="0" numCol="1" spcCol="0" rtlCol="0" fromWordArt="0" anchor="ctr" anchorCtr="0" forceAA="0" compatLnSpc="1">
+            <a:prstTxWarp prst="textNoShape">
+              <a:avLst/>
+            </a:prstTxWarp>
+            <a:noAutofit/>
+          </a:bodyPr>
+          <a:lstStyle/>
+          <a:p>
+            <a:pPr algn="ctr"/>
+            <a:r>
+              <a:rPr lang="en-US" sz="900" dirty="0">
+                <a:solidFill>
+                  <a:schemeClr val="accent1"/>
+                </a:solidFill>
+              </a:rPr>
+              <a:t>Channel API</a:t>
+            </a:r>
+          </a:p>
+        </p:txBody>
+      </p:sp>
+      <p:sp>
+        <p:nvSpPr>
+          <p:cNvPr id="148" name="Rectangle 147">
+            <a:extLst>
+              <a:ext uri="{FF2B5EF4-FFF2-40B4-BE49-F238E27FC236}">
+                <a16:creationId xmlns:a16="http://schemas.microsoft.com/office/drawing/2014/main" id="{D12D2F19-7A56-704C-8C66-B9E94128C9DD}"/>
+              </a:ext>
+            </a:extLst>
+          </p:cNvPr>
+          <p:cNvSpPr/>
+          <p:nvPr/>
+        </p:nvSpPr>
+        <p:spPr>
+          <a:xfrm>
+            <a:off x="2807732" y="4771122"/>
+            <a:ext cx="853411" cy="203655"/>
+          </a:xfrm>
+          <a:prstGeom prst="rect">
+            <a:avLst/>
+          </a:prstGeom>
+          <a:solidFill>
+            <a:srgbClr val="FFC000"/>
+          </a:solidFill>
+        </p:spPr>
+        <p:style>
+          <a:lnRef idx="2">
+            <a:schemeClr val="accent1">
+              <a:shade val="50000"/>
+            </a:schemeClr>
+          </a:lnRef>
+          <a:fillRef idx="1">
+            <a:schemeClr val="accent1"/>
+          </a:fillRef>
+          <a:effectRef idx="0">
+            <a:schemeClr val="accent1"/>
+          </a:effectRef>
+          <a:fontRef idx="minor">
+            <a:schemeClr val="lt1"/>
+          </a:fontRef>
+        </p:style>
+        <p:txBody>
+          <a:bodyPr rot="0" spcFirstLastPara="0" vertOverflow="overflow" horzOverflow="overflow" vert="horz" wrap="square" lIns="36000" tIns="0" rIns="36000" bIns="0" numCol="1" spcCol="0" rtlCol="0" fromWordArt="0" anchor="ctr" anchorCtr="0" forceAA="0" compatLnSpc="1">
+            <a:prstTxWarp prst="textNoShape">
+              <a:avLst/>
+            </a:prstTxWarp>
+            <a:noAutofit/>
+          </a:bodyPr>
+          <a:lstStyle/>
+          <a:p>
+            <a:pPr algn="ctr"/>
+            <a:r>
+              <a:rPr lang="en-US" sz="900" dirty="0">
+                <a:solidFill>
+                  <a:schemeClr val="accent1"/>
+                </a:solidFill>
+              </a:rPr>
+              <a:t>Channel API</a:t>
+            </a:r>
+          </a:p>
+        </p:txBody>
+      </p:sp>
+      <p:sp>
+        <p:nvSpPr>
+          <p:cNvPr id="149" name="Rectangle 148">
+            <a:extLst>
+              <a:ext uri="{FF2B5EF4-FFF2-40B4-BE49-F238E27FC236}">
+                <a16:creationId xmlns:a16="http://schemas.microsoft.com/office/drawing/2014/main" id="{4EAFC46A-022F-184B-9798-C13BCE52583C}"/>
+              </a:ext>
+            </a:extLst>
+          </p:cNvPr>
+          <p:cNvSpPr/>
+          <p:nvPr/>
+        </p:nvSpPr>
+        <p:spPr>
+          <a:xfrm>
+            <a:off x="5192749" y="4771122"/>
+            <a:ext cx="853411" cy="203655"/>
+          </a:xfrm>
+          <a:prstGeom prst="rect">
+            <a:avLst/>
+          </a:prstGeom>
+          <a:solidFill>
+            <a:srgbClr val="FFC000"/>
+          </a:solidFill>
+        </p:spPr>
+        <p:style>
+          <a:lnRef idx="2">
+            <a:schemeClr val="accent1">
+              <a:shade val="50000"/>
+            </a:schemeClr>
+          </a:lnRef>
+          <a:fillRef idx="1">
+            <a:schemeClr val="accent1"/>
+          </a:fillRef>
+          <a:effectRef idx="0">
+            <a:schemeClr val="accent1"/>
+          </a:effectRef>
+          <a:fontRef idx="minor">
+            <a:schemeClr val="lt1"/>
+          </a:fontRef>
+        </p:style>
+        <p:txBody>
+          <a:bodyPr rot="0" spcFirstLastPara="0" vertOverflow="overflow" horzOverflow="overflow" vert="horz" wrap="square" lIns="36000" tIns="0" rIns="36000" bIns="0" numCol="1" spcCol="0" rtlCol="0" fromWordArt="0" anchor="ctr" anchorCtr="0" forceAA="0" compatLnSpc="1">
+            <a:prstTxWarp prst="textNoShape">
+              <a:avLst/>
+            </a:prstTxWarp>
+            <a:noAutofit/>
+          </a:bodyPr>
+          <a:lstStyle/>
+          <a:p>
+            <a:pPr algn="ctr"/>
+            <a:r>
+              <a:rPr lang="en-US" sz="900" dirty="0">
+                <a:solidFill>
+                  <a:schemeClr val="accent1"/>
+                </a:solidFill>
+              </a:rPr>
+              <a:t>Channel API</a:t>
+            </a:r>
+          </a:p>
+        </p:txBody>
+      </p:sp>
+      <p:sp>
+        <p:nvSpPr>
+          <p:cNvPr id="150" name="Rectangle 149">
+            <a:extLst>
+              <a:ext uri="{FF2B5EF4-FFF2-40B4-BE49-F238E27FC236}">
+                <a16:creationId xmlns:a16="http://schemas.microsoft.com/office/drawing/2014/main" id="{430F26C1-7400-0147-AFD8-DF4471250EDF}"/>
+              </a:ext>
+            </a:extLst>
+          </p:cNvPr>
+          <p:cNvSpPr/>
+          <p:nvPr/>
+        </p:nvSpPr>
+        <p:spPr>
+          <a:xfrm>
+            <a:off x="6718424" y="4761840"/>
+            <a:ext cx="853411" cy="203655"/>
+          </a:xfrm>
+          <a:prstGeom prst="rect">
+            <a:avLst/>
+          </a:prstGeom>
+          <a:solidFill>
+            <a:srgbClr val="FFC000"/>
+          </a:solidFill>
+        </p:spPr>
+        <p:style>
+          <a:lnRef idx="2">
+            <a:schemeClr val="accent1">
+              <a:shade val="50000"/>
+            </a:schemeClr>
+          </a:lnRef>
+          <a:fillRef idx="1">
+            <a:schemeClr val="accent1"/>
+          </a:fillRef>
+          <a:effectRef idx="0">
+            <a:schemeClr val="accent1"/>
+          </a:effectRef>
+          <a:fontRef idx="minor">
+            <a:schemeClr val="lt1"/>
+          </a:fontRef>
+        </p:style>
+        <p:txBody>
+          <a:bodyPr rot="0" spcFirstLastPara="0" vertOverflow="overflow" horzOverflow="overflow" vert="horz" wrap="square" lIns="36000" tIns="0" rIns="36000" bIns="0" numCol="1" spcCol="0" rtlCol="0" fromWordArt="0" anchor="ctr" anchorCtr="0" forceAA="0" compatLnSpc="1">
+            <a:prstTxWarp prst="textNoShape">
+              <a:avLst/>
+            </a:prstTxWarp>
+            <a:noAutofit/>
+          </a:bodyPr>
+          <a:lstStyle/>
+          <a:p>
+            <a:pPr algn="ctr"/>
+            <a:r>
+              <a:rPr lang="en-US" sz="900" dirty="0">
+                <a:solidFill>
+                  <a:schemeClr val="accent1"/>
+                </a:solidFill>
+              </a:rPr>
+              <a:t>Channel API</a:t>
+            </a:r>
+          </a:p>
+        </p:txBody>
+      </p:sp>
+      <p:pic>
+        <p:nvPicPr>
+          <p:cNvPr id="151" name="Picture 150">
+            <a:extLst>
+              <a:ext uri="{FF2B5EF4-FFF2-40B4-BE49-F238E27FC236}">
+                <a16:creationId xmlns:a16="http://schemas.microsoft.com/office/drawing/2014/main" id="{341D24E8-B1C1-D542-8ABB-FC390CCA1D14}"/>
+              </a:ext>
+            </a:extLst>
+          </p:cNvPr>
+          <p:cNvPicPr>
+            <a:picLocks noChangeAspect="1"/>
+          </p:cNvPicPr>
+          <p:nvPr/>
+        </p:nvPicPr>
+        <p:blipFill>
+          <a:blip r:embed="rId2" cstate="screen">
+            <a:extLst>
+              <a:ext uri="{28A0092B-C50C-407E-A947-70E740481C1C}">
+                <a14:useLocalDpi xmlns:a14="http://schemas.microsoft.com/office/drawing/2010/main"/>
+              </a:ext>
+            </a:extLst>
+          </a:blip>
+          <a:stretch>
+            <a:fillRect/>
+          </a:stretch>
+        </p:blipFill>
+        <p:spPr>
+          <a:xfrm>
+            <a:off x="1409807" y="2065499"/>
+            <a:ext cx="396952" cy="327578"/>
+          </a:xfrm>
+          <a:prstGeom prst="rect">
+            <a:avLst/>
+          </a:prstGeom>
+        </p:spPr>
+      </p:pic>
+      <p:sp>
+        <p:nvSpPr>
+          <p:cNvPr id="152" name="Rectangle 151">
+            <a:extLst>
+              <a:ext uri="{FF2B5EF4-FFF2-40B4-BE49-F238E27FC236}">
+                <a16:creationId xmlns:a16="http://schemas.microsoft.com/office/drawing/2014/main" id="{E06026F7-9408-8C4C-97F1-D60F0AB135E7}"/>
+              </a:ext>
+            </a:extLst>
+          </p:cNvPr>
+          <p:cNvSpPr/>
+          <p:nvPr/>
+        </p:nvSpPr>
+        <p:spPr>
+          <a:xfrm>
+            <a:off x="2464047" y="2607722"/>
+            <a:ext cx="736910" cy="203655"/>
+          </a:xfrm>
+          <a:prstGeom prst="rect">
+            <a:avLst/>
+          </a:prstGeom>
+          <a:solidFill>
+            <a:srgbClr val="92D050"/>
+          </a:solidFill>
+        </p:spPr>
+        <p:style>
+          <a:lnRef idx="2">
+            <a:schemeClr val="accent1">
+              <a:shade val="50000"/>
+            </a:schemeClr>
+          </a:lnRef>
+          <a:fillRef idx="1">
+            <a:schemeClr val="accent1"/>
+          </a:fillRef>
+          <a:effectRef idx="0">
+            <a:schemeClr val="accent1"/>
+          </a:effectRef>
+          <a:fontRef idx="minor">
+            <a:schemeClr val="lt1"/>
+          </a:fontRef>
+        </p:style>
+        <p:txBody>
+          <a:bodyPr rot="0" spcFirstLastPara="0" vertOverflow="overflow" horzOverflow="overflow" vert="horz" wrap="square" lIns="36000" tIns="0" rIns="36000" bIns="0" numCol="1" spcCol="0" rtlCol="0" fromWordArt="0" anchor="ctr" anchorCtr="0" forceAA="0" compatLnSpc="1">
+            <a:prstTxWarp prst="textNoShape">
+              <a:avLst/>
+            </a:prstTxWarp>
+            <a:noAutofit/>
+          </a:bodyPr>
+          <a:lstStyle/>
+          <a:p>
+            <a:pPr algn="ctr"/>
+            <a:r>
+              <a:rPr lang="en-US" sz="900" dirty="0">
+                <a:solidFill>
+                  <a:schemeClr val="accent1"/>
+                </a:solidFill>
+              </a:rPr>
+              <a:t>Other API</a:t>
+            </a:r>
+          </a:p>
+        </p:txBody>
+      </p:sp>
+      <p:sp>
+        <p:nvSpPr>
+          <p:cNvPr id="153" name="Rectangle 152">
+            <a:extLst>
+              <a:ext uri="{FF2B5EF4-FFF2-40B4-BE49-F238E27FC236}">
+                <a16:creationId xmlns:a16="http://schemas.microsoft.com/office/drawing/2014/main" id="{85A2B865-A1C7-514F-9D24-E76E3AC9C0BF}"/>
+              </a:ext>
+            </a:extLst>
+          </p:cNvPr>
+          <p:cNvSpPr/>
+          <p:nvPr/>
+        </p:nvSpPr>
+        <p:spPr>
+          <a:xfrm>
+            <a:off x="6976070" y="2586344"/>
+            <a:ext cx="736910" cy="203655"/>
+          </a:xfrm>
+          <a:prstGeom prst="rect">
+            <a:avLst/>
+          </a:prstGeom>
+          <a:solidFill>
+            <a:srgbClr val="92D050"/>
+          </a:solidFill>
+        </p:spPr>
+        <p:style>
+          <a:lnRef idx="2">
+            <a:schemeClr val="accent1">
+              <a:shade val="50000"/>
+            </a:schemeClr>
+          </a:lnRef>
+          <a:fillRef idx="1">
+            <a:schemeClr val="accent1"/>
+          </a:fillRef>
+          <a:effectRef idx="0">
+            <a:schemeClr val="accent1"/>
+          </a:effectRef>
+          <a:fontRef idx="minor">
+            <a:schemeClr val="lt1"/>
+          </a:fontRef>
+        </p:style>
+        <p:txBody>
+          <a:bodyPr rot="0" spcFirstLastPara="0" vertOverflow="overflow" horzOverflow="overflow" vert="horz" wrap="square" lIns="36000" tIns="0" rIns="36000" bIns="0" numCol="1" spcCol="0" rtlCol="0" fromWordArt="0" anchor="ctr" anchorCtr="0" forceAA="0" compatLnSpc="1">
+            <a:prstTxWarp prst="textNoShape">
+              <a:avLst/>
+            </a:prstTxWarp>
+            <a:noAutofit/>
+          </a:bodyPr>
+          <a:lstStyle/>
+          <a:p>
+            <a:pPr algn="ctr"/>
+            <a:r>
+              <a:rPr lang="en-US" sz="900" dirty="0">
+                <a:solidFill>
+                  <a:schemeClr val="accent1"/>
+                </a:solidFill>
+              </a:rPr>
+              <a:t>Other API</a:t>
+            </a:r>
+          </a:p>
+        </p:txBody>
+      </p:sp>
+      <p:cxnSp>
+        <p:nvCxnSpPr>
+          <p:cNvPr id="154" name="Straight Arrow Connector 153">
+            <a:extLst>
+              <a:ext uri="{FF2B5EF4-FFF2-40B4-BE49-F238E27FC236}">
+                <a16:creationId xmlns:a16="http://schemas.microsoft.com/office/drawing/2014/main" id="{A2D7B08E-DEFD-8A4B-BE8E-98A8FE1B57D5}"/>
+              </a:ext>
+            </a:extLst>
+          </p:cNvPr>
+          <p:cNvCxnSpPr>
+            <a:cxnSpLocks/>
+          </p:cNvCxnSpPr>
+          <p:nvPr/>
+        </p:nvCxnSpPr>
+        <p:spPr>
+          <a:xfrm>
+            <a:off x="7467883" y="2393076"/>
+            <a:ext cx="0" cy="211321"/>
+          </a:xfrm>
+          <a:prstGeom prst="straightConnector1">
+            <a:avLst/>
+          </a:prstGeom>
+          <a:ln w="19050">
+            <a:headEnd type="arrow" w="med" len="med"/>
+            <a:tailEnd type="arrow" w="med" len="med"/>
+          </a:ln>
+        </p:spPr>
+        <p:style>
+          <a:lnRef idx="1">
+            <a:schemeClr val="accent1"/>
+          </a:lnRef>
+          <a:fillRef idx="0">
+            <a:schemeClr val="accent1"/>
+          </a:fillRef>
+          <a:effectRef idx="0">
+            <a:schemeClr val="accent1"/>
+          </a:effectRef>
+          <a:fontRef idx="minor">
+            <a:schemeClr val="tx1"/>
+          </a:fontRef>
+        </p:style>
+      </p:cxnSp>
+      <p:cxnSp>
+        <p:nvCxnSpPr>
+          <p:cNvPr id="155" name="Straight Arrow Connector 154">
+            <a:extLst>
+              <a:ext uri="{FF2B5EF4-FFF2-40B4-BE49-F238E27FC236}">
+                <a16:creationId xmlns:a16="http://schemas.microsoft.com/office/drawing/2014/main" id="{3C01B9C2-E05D-B04D-AB6C-D4FFA1747EE9}"/>
+              </a:ext>
+            </a:extLst>
+          </p:cNvPr>
+          <p:cNvCxnSpPr>
+            <a:cxnSpLocks/>
+          </p:cNvCxnSpPr>
+          <p:nvPr/>
+        </p:nvCxnSpPr>
+        <p:spPr>
+          <a:xfrm>
+            <a:off x="2998752" y="2406082"/>
+            <a:ext cx="0" cy="211321"/>
+          </a:xfrm>
+          <a:prstGeom prst="straightConnector1">
+            <a:avLst/>
+          </a:prstGeom>
+          <a:ln w="19050">
+            <a:headEnd type="arrow" w="med" len="med"/>
+            <a:tailEnd type="arrow" w="med" len="med"/>
+          </a:ln>
+        </p:spPr>
+        <p:style>
+          <a:lnRef idx="1">
+            <a:schemeClr val="accent1"/>
+          </a:lnRef>
+          <a:fillRef idx="0">
+            <a:schemeClr val="accent1"/>
+          </a:fillRef>
+          <a:effectRef idx="0">
+            <a:schemeClr val="accent1"/>
+          </a:effectRef>
+          <a:fontRef idx="minor">
+            <a:schemeClr val="tx1"/>
+          </a:fontRef>
+        </p:style>
+      </p:cxnSp>
+      <p:pic>
+        <p:nvPicPr>
+          <p:cNvPr id="156" name="Picture 155">
+            <a:extLst>
+              <a:ext uri="{FF2B5EF4-FFF2-40B4-BE49-F238E27FC236}">
+                <a16:creationId xmlns:a16="http://schemas.microsoft.com/office/drawing/2014/main" id="{C3243ED4-66B1-284E-B8BE-6CD715F63B16}"/>
+              </a:ext>
+            </a:extLst>
+          </p:cNvPr>
+          <p:cNvPicPr>
+            <a:picLocks noChangeAspect="1"/>
+          </p:cNvPicPr>
+          <p:nvPr/>
+        </p:nvPicPr>
+        <p:blipFill>
+          <a:blip r:embed="rId2" cstate="screen">
+            <a:extLst>
+              <a:ext uri="{28A0092B-C50C-407E-A947-70E740481C1C}">
+                <a14:useLocalDpi xmlns:a14="http://schemas.microsoft.com/office/drawing/2010/main"/>
+              </a:ext>
+            </a:extLst>
+          </a:blip>
+          <a:stretch>
+            <a:fillRect/>
+          </a:stretch>
+        </p:blipFill>
+        <p:spPr>
+          <a:xfrm>
+            <a:off x="2727469" y="2116337"/>
+            <a:ext cx="396952" cy="327578"/>
+          </a:xfrm>
+          <a:prstGeom prst="rect">
+            <a:avLst/>
+          </a:prstGeom>
+        </p:spPr>
+      </p:pic>
+      <p:pic>
+        <p:nvPicPr>
+          <p:cNvPr id="157" name="Picture 156">
+            <a:extLst>
+              <a:ext uri="{FF2B5EF4-FFF2-40B4-BE49-F238E27FC236}">
+                <a16:creationId xmlns:a16="http://schemas.microsoft.com/office/drawing/2014/main" id="{64D68F77-7E0E-1F4B-90F0-7D48D3EA6140}"/>
+              </a:ext>
+            </a:extLst>
+          </p:cNvPr>
+          <p:cNvPicPr>
+            <a:picLocks noChangeAspect="1"/>
+          </p:cNvPicPr>
+          <p:nvPr/>
+        </p:nvPicPr>
+        <p:blipFill>
+          <a:blip r:embed="rId2" cstate="screen">
+            <a:extLst>
+              <a:ext uri="{28A0092B-C50C-407E-A947-70E740481C1C}">
+                <a14:useLocalDpi xmlns:a14="http://schemas.microsoft.com/office/drawing/2010/main"/>
+              </a:ext>
+            </a:extLst>
+          </a:blip>
+          <a:stretch>
+            <a:fillRect/>
+          </a:stretch>
+        </p:blipFill>
+        <p:spPr>
+          <a:xfrm>
+            <a:off x="5774893" y="2101776"/>
+            <a:ext cx="396952" cy="327578"/>
+          </a:xfrm>
+          <a:prstGeom prst="rect">
+            <a:avLst/>
+          </a:prstGeom>
+        </p:spPr>
+      </p:pic>
+      <p:pic>
+        <p:nvPicPr>
+          <p:cNvPr id="158" name="Picture 157">
+            <a:extLst>
+              <a:ext uri="{FF2B5EF4-FFF2-40B4-BE49-F238E27FC236}">
+                <a16:creationId xmlns:a16="http://schemas.microsoft.com/office/drawing/2014/main" id="{6B1C6937-0392-404D-9EC0-960DDB59F034}"/>
+              </a:ext>
+            </a:extLst>
+          </p:cNvPr>
+          <p:cNvPicPr>
+            <a:picLocks noChangeAspect="1"/>
+          </p:cNvPicPr>
+          <p:nvPr/>
+        </p:nvPicPr>
+        <p:blipFill>
+          <a:blip r:embed="rId2" cstate="screen">
+            <a:extLst>
+              <a:ext uri="{28A0092B-C50C-407E-A947-70E740481C1C}">
+                <a14:useLocalDpi xmlns:a14="http://schemas.microsoft.com/office/drawing/2010/main"/>
+              </a:ext>
+            </a:extLst>
+          </a:blip>
+          <a:stretch>
+            <a:fillRect/>
+          </a:stretch>
+        </p:blipFill>
+        <p:spPr>
+          <a:xfrm>
+            <a:off x="7270095" y="2087161"/>
+            <a:ext cx="396952" cy="327578"/>
+          </a:xfrm>
+          <a:prstGeom prst="rect">
+            <a:avLst/>
+          </a:prstGeom>
+        </p:spPr>
+      </p:pic>
+    </p:spTree>
+    <p:extLst>
+      <p:ext uri="{BB962C8B-B14F-4D97-AF65-F5344CB8AC3E}">
+        <p14:creationId xmlns:p14="http://schemas.microsoft.com/office/powerpoint/2010/main" val="1056448683"/>
+      </p:ext>
+    </p:extLst>
+  </p:cSld>
+  <p:clrMapOvr>
+    <a:masterClrMapping/>
+  </p:clrMapOvr>
+  <mc:AlternateContent xmlns:mc="http://schemas.openxmlformats.org/markup-compatibility/2006" xmlns:p14="http://schemas.microsoft.com/office/powerpoint/2010/main">
+    <mc:Choice Requires="p14">
+      <p:transition spd="med" p14:dur="700">
+        <p:fade/>
+      </p:transition>
+    </mc:Choice>
+    <mc:Fallback xmlns="">
+      <p:transition spd="med">
+        <p:fade/>
+      </p:transition>
+    </mc:Fallback>
+  </mc:AlternateContent>
+</p:sld>
+</file>
+
+<file path=ppt/slides/slide4.xml><?xml version="1.0" encoding="utf-8"?>
+<p:sld xmlns:a="http://schemas.openxmlformats.org/drawingml/2006/main" xmlns:r="http://schemas.openxmlformats.org/officeDocument/2006/relationships" xmlns:p="http://schemas.openxmlformats.org/presentationml/2006/main">
+  <p:cSld>
+    <p:spTree>
+      <p:nvGrpSpPr>
+        <p:cNvPr id="1" name=""/>
+        <p:cNvGrpSpPr/>
+        <p:nvPr/>
+      </p:nvGrpSpPr>
+      <p:grpSpPr>
+        <a:xfrm>
+          <a:off x="0" y="0"/>
+          <a:ext cx="0" cy="0"/>
+          <a:chOff x="0" y="0"/>
+          <a:chExt cx="0" cy="0"/>
+        </a:xfrm>
+      </p:grpSpPr>
+      <p:sp>
+        <p:nvSpPr>
+          <p:cNvPr id="61" name="Rectangle 60">
+            <a:extLst>
+              <a:ext uri="{FF2B5EF4-FFF2-40B4-BE49-F238E27FC236}">
+                <a16:creationId xmlns:a16="http://schemas.microsoft.com/office/drawing/2014/main" id="{A1269FA7-D2C6-0143-90EF-CED73699243C}"/>
+              </a:ext>
+            </a:extLst>
+          </p:cNvPr>
+          <p:cNvSpPr/>
+          <p:nvPr/>
+        </p:nvSpPr>
+        <p:spPr>
+          <a:xfrm>
+            <a:off x="5266510" y="1908312"/>
+            <a:ext cx="2843820" cy="3500893"/>
+          </a:xfrm>
+          <a:prstGeom prst="rect">
+            <a:avLst/>
+          </a:prstGeom>
+          <a:solidFill>
+            <a:schemeClr val="bg1">
+              <a:lumMod val="95000"/>
+            </a:schemeClr>
+          </a:solidFill>
+          <a:ln>
+            <a:prstDash val="dash"/>
+          </a:ln>
+        </p:spPr>
+        <p:style>
+          <a:lnRef idx="2">
+            <a:schemeClr val="accent1">
+              <a:shade val="50000"/>
+            </a:schemeClr>
+          </a:lnRef>
+          <a:fillRef idx="1">
+            <a:schemeClr val="accent1"/>
+          </a:fillRef>
+          <a:effectRef idx="0">
+            <a:schemeClr val="accent1"/>
+          </a:effectRef>
+          <a:fontRef idx="minor">
+            <a:schemeClr val="lt1"/>
+          </a:fontRef>
+        </p:style>
+        <p:txBody>
+          <a:bodyPr rtlCol="0" anchor="t"/>
+          <a:lstStyle/>
+          <a:p>
+            <a:pPr algn="ctr"/>
+            <a:r>
+              <a:rPr lang="en-US" sz="1000" b="1" dirty="0">
+                <a:solidFill>
+                  <a:schemeClr val="accent1">
+                    <a:lumMod val="50000"/>
+                  </a:schemeClr>
+                </a:solidFill>
+              </a:rPr>
+              <a:t>Country B</a:t>
+            </a:r>
+          </a:p>
+        </p:txBody>
+      </p:sp>
+      <p:sp>
+        <p:nvSpPr>
+          <p:cNvPr id="77" name="Rectangle 76">
+            <a:extLst>
+              <a:ext uri="{FF2B5EF4-FFF2-40B4-BE49-F238E27FC236}">
+                <a16:creationId xmlns:a16="http://schemas.microsoft.com/office/drawing/2014/main" id="{BC7C4879-9917-5049-BBD1-0480C6F0C796}"/>
+              </a:ext>
+            </a:extLst>
+          </p:cNvPr>
+          <p:cNvSpPr/>
+          <p:nvPr/>
+        </p:nvSpPr>
+        <p:spPr>
+          <a:xfrm>
+            <a:off x="795131" y="1908312"/>
+            <a:ext cx="2843820" cy="3511353"/>
+          </a:xfrm>
+          <a:prstGeom prst="rect">
+            <a:avLst/>
+          </a:prstGeom>
+          <a:solidFill>
+            <a:schemeClr val="bg1">
+              <a:lumMod val="95000"/>
+            </a:schemeClr>
+          </a:solidFill>
+          <a:ln>
+            <a:prstDash val="dash"/>
+          </a:ln>
+        </p:spPr>
+        <p:style>
+          <a:lnRef idx="2">
+            <a:schemeClr val="accent1">
+              <a:shade val="50000"/>
+            </a:schemeClr>
+          </a:lnRef>
+          <a:fillRef idx="1">
+            <a:schemeClr val="accent1"/>
+          </a:fillRef>
+          <a:effectRef idx="0">
+            <a:schemeClr val="accent1"/>
+          </a:effectRef>
+          <a:fontRef idx="minor">
+            <a:schemeClr val="lt1"/>
+          </a:fontRef>
+        </p:style>
+        <p:txBody>
+          <a:bodyPr rtlCol="0" anchor="t"/>
+          <a:lstStyle/>
+          <a:p>
+            <a:pPr algn="ctr"/>
+            <a:r>
+              <a:rPr lang="en-US" sz="1000" b="1" dirty="0">
+                <a:solidFill>
+                  <a:schemeClr val="accent1">
+                    <a:lumMod val="50000"/>
+                  </a:schemeClr>
+                </a:solidFill>
+              </a:rPr>
+              <a:t>Country A</a:t>
+            </a:r>
+          </a:p>
+        </p:txBody>
+      </p:sp>
+      <p:pic>
+        <p:nvPicPr>
+          <p:cNvPr id="82" name="Picture 13">
+            <a:extLst>
+              <a:ext uri="{FF2B5EF4-FFF2-40B4-BE49-F238E27FC236}">
+                <a16:creationId xmlns:a16="http://schemas.microsoft.com/office/drawing/2014/main" id="{D9E24F87-FEE8-0B40-B1C5-F2E1AFE0CA06}"/>
+              </a:ext>
+            </a:extLst>
+          </p:cNvPr>
+          <p:cNvPicPr>
+            <a:picLocks noChangeAspect="1"/>
+          </p:cNvPicPr>
+          <p:nvPr/>
+        </p:nvPicPr>
+        <p:blipFill>
+          <a:blip r:embed="rId2" cstate="print">
+            <a:extLst>
+              <a:ext uri="{28A0092B-C50C-407E-A947-70E740481C1C}">
+                <a14:useLocalDpi xmlns:a14="http://schemas.microsoft.com/office/drawing/2010/main"/>
+              </a:ext>
+            </a:extLst>
+          </a:blip>
+          <a:stretch>
+            <a:fillRect/>
+          </a:stretch>
+        </p:blipFill>
+        <p:spPr>
+          <a:xfrm>
+            <a:off x="4259901" y="3385132"/>
+            <a:ext cx="459046" cy="340300"/>
+          </a:xfrm>
+          <a:prstGeom prst="rect">
+            <a:avLst/>
+          </a:prstGeom>
+        </p:spPr>
+      </p:pic>
+      <p:sp>
+        <p:nvSpPr>
+          <p:cNvPr id="83" name="Rectangle 82">
+            <a:extLst>
+              <a:ext uri="{FF2B5EF4-FFF2-40B4-BE49-F238E27FC236}">
+                <a16:creationId xmlns:a16="http://schemas.microsoft.com/office/drawing/2014/main" id="{D105D0E9-3F58-8946-9E84-7D8C85681824}"/>
+              </a:ext>
+            </a:extLst>
+          </p:cNvPr>
+          <p:cNvSpPr/>
+          <p:nvPr/>
+        </p:nvSpPr>
+        <p:spPr>
+          <a:xfrm>
+            <a:off x="1054744" y="2776002"/>
+            <a:ext cx="2399354" cy="578580"/>
+          </a:xfrm>
+          <a:prstGeom prst="rect">
+            <a:avLst/>
+          </a:prstGeom>
+          <a:solidFill>
+            <a:schemeClr val="bg1">
+              <a:lumMod val="75000"/>
+            </a:schemeClr>
+          </a:solidFill>
+        </p:spPr>
+        <p:style>
+          <a:lnRef idx="2">
+            <a:schemeClr val="accent1">
+              <a:shade val="50000"/>
+            </a:schemeClr>
+          </a:lnRef>
+          <a:fillRef idx="1">
+            <a:schemeClr val="accent1"/>
+          </a:fillRef>
+          <a:effectRef idx="0">
+            <a:schemeClr val="accent1"/>
+          </a:effectRef>
+          <a:fontRef idx="minor">
+            <a:schemeClr val="lt1"/>
+          </a:fontRef>
+        </p:style>
+        <p:txBody>
+          <a:bodyPr rtlCol="0" anchor="t"/>
+          <a:lstStyle/>
+          <a:p>
+            <a:pPr algn="ctr"/>
+            <a:r>
+              <a:rPr lang="en-US" sz="900" dirty="0">
+                <a:solidFill>
+                  <a:schemeClr val="accent1">
+                    <a:lumMod val="50000"/>
+                  </a:schemeClr>
+                </a:solidFill>
+              </a:rPr>
+              <a:t>Application Layer</a:t>
+            </a:r>
+          </a:p>
+        </p:txBody>
+      </p:sp>
+      <p:sp>
+        <p:nvSpPr>
+          <p:cNvPr id="85" name="Rectangle 84">
+            <a:extLst>
+              <a:ext uri="{FF2B5EF4-FFF2-40B4-BE49-F238E27FC236}">
+                <a16:creationId xmlns:a16="http://schemas.microsoft.com/office/drawing/2014/main" id="{1E626607-5A1A-9F49-BD25-31C3AE266535}"/>
+              </a:ext>
+            </a:extLst>
+          </p:cNvPr>
+          <p:cNvSpPr/>
+          <p:nvPr/>
+        </p:nvSpPr>
+        <p:spPr>
+          <a:xfrm>
+            <a:off x="1063467" y="3770812"/>
+            <a:ext cx="2399354" cy="578580"/>
+          </a:xfrm>
+          <a:prstGeom prst="rect">
+            <a:avLst/>
+          </a:prstGeom>
+          <a:solidFill>
+            <a:schemeClr val="accent2">
+              <a:lumMod val="20000"/>
+              <a:lumOff val="80000"/>
+            </a:schemeClr>
+          </a:solidFill>
+        </p:spPr>
+        <p:style>
+          <a:lnRef idx="2">
+            <a:schemeClr val="accent1">
+              <a:shade val="50000"/>
+            </a:schemeClr>
+          </a:lnRef>
+          <a:fillRef idx="1">
+            <a:schemeClr val="accent1"/>
+          </a:fillRef>
+          <a:effectRef idx="0">
+            <a:schemeClr val="accent1"/>
+          </a:effectRef>
+          <a:fontRef idx="minor">
+            <a:schemeClr val="lt1"/>
+          </a:fontRef>
+        </p:style>
+        <p:txBody>
+          <a:bodyPr rot="0" spcFirstLastPara="0" vertOverflow="overflow" horzOverflow="overflow" vert="horz" wrap="square" lIns="91440" tIns="45720" rIns="91440" bIns="45720" numCol="1" spcCol="0" rtlCol="0" fromWordArt="0" anchor="b" anchorCtr="0" forceAA="0" compatLnSpc="1">
+            <a:prstTxWarp prst="textNoShape">
+              <a:avLst/>
+            </a:prstTxWarp>
+            <a:noAutofit/>
+          </a:bodyPr>
+          <a:lstStyle/>
+          <a:p>
+            <a:pPr algn="ctr"/>
+            <a:r>
+              <a:rPr lang="en-US" sz="900" dirty="0">
+                <a:solidFill>
+                  <a:schemeClr val="accent1">
+                    <a:lumMod val="50000"/>
+                  </a:schemeClr>
+                </a:solidFill>
+              </a:rPr>
+              <a:t>ICL Node</a:t>
+            </a:r>
+          </a:p>
+        </p:txBody>
+      </p:sp>
+      <p:sp>
+        <p:nvSpPr>
+          <p:cNvPr id="88" name="Rectangle 87">
+            <a:extLst>
+              <a:ext uri="{FF2B5EF4-FFF2-40B4-BE49-F238E27FC236}">
+                <a16:creationId xmlns:a16="http://schemas.microsoft.com/office/drawing/2014/main" id="{7EC295B9-A8FD-604E-A9EB-0D72A700D4AC}"/>
+              </a:ext>
+            </a:extLst>
+          </p:cNvPr>
+          <p:cNvSpPr/>
+          <p:nvPr/>
+        </p:nvSpPr>
+        <p:spPr>
+          <a:xfrm>
+            <a:off x="1063467" y="4723404"/>
+            <a:ext cx="6823281" cy="578580"/>
+          </a:xfrm>
+          <a:prstGeom prst="rect">
+            <a:avLst/>
+          </a:prstGeom>
+          <a:solidFill>
+            <a:schemeClr val="bg1">
+              <a:lumMod val="75000"/>
+            </a:schemeClr>
+          </a:solidFill>
+        </p:spPr>
+        <p:style>
+          <a:lnRef idx="2">
+            <a:schemeClr val="accent1">
+              <a:shade val="50000"/>
+            </a:schemeClr>
+          </a:lnRef>
+          <a:fillRef idx="1">
+            <a:schemeClr val="accent1"/>
+          </a:fillRef>
+          <a:effectRef idx="0">
+            <a:schemeClr val="accent1"/>
+          </a:effectRef>
+          <a:fontRef idx="minor">
+            <a:schemeClr val="lt1"/>
+          </a:fontRef>
+        </p:style>
+        <p:txBody>
+          <a:bodyPr rot="0" spcFirstLastPara="0" vertOverflow="overflow" horzOverflow="overflow" vert="horz" wrap="square" lIns="91440" tIns="45720" rIns="91440" bIns="45720" numCol="1" spcCol="0" rtlCol="0" fromWordArt="0" anchor="b" anchorCtr="0" forceAA="0" compatLnSpc="1">
+            <a:prstTxWarp prst="textNoShape">
+              <a:avLst/>
+            </a:prstTxWarp>
+            <a:noAutofit/>
+          </a:bodyPr>
+          <a:lstStyle/>
+          <a:p>
+            <a:pPr algn="ctr"/>
+            <a:r>
+              <a:rPr lang="en-US" sz="900" dirty="0">
+                <a:solidFill>
+                  <a:schemeClr val="accent1">
+                    <a:lumMod val="50000"/>
+                  </a:schemeClr>
+                </a:solidFill>
+              </a:rPr>
+              <a:t>Channels</a:t>
+            </a:r>
+          </a:p>
+        </p:txBody>
+      </p:sp>
+      <p:sp>
+        <p:nvSpPr>
+          <p:cNvPr id="93" name="Rectangle 92">
+            <a:extLst>
+              <a:ext uri="{FF2B5EF4-FFF2-40B4-BE49-F238E27FC236}">
+                <a16:creationId xmlns:a16="http://schemas.microsoft.com/office/drawing/2014/main" id="{39340E1F-DF8C-7646-ADB0-F96A649CDF22}"/>
+              </a:ext>
+            </a:extLst>
+          </p:cNvPr>
+          <p:cNvSpPr/>
+          <p:nvPr/>
+        </p:nvSpPr>
+        <p:spPr>
+          <a:xfrm>
+            <a:off x="5462428" y="2776002"/>
+            <a:ext cx="2399354" cy="578580"/>
+          </a:xfrm>
+          <a:prstGeom prst="rect">
+            <a:avLst/>
+          </a:prstGeom>
+          <a:solidFill>
+            <a:schemeClr val="bg1">
+              <a:lumMod val="75000"/>
+            </a:schemeClr>
+          </a:solidFill>
+        </p:spPr>
+        <p:style>
+          <a:lnRef idx="2">
+            <a:schemeClr val="accent1">
+              <a:shade val="50000"/>
+            </a:schemeClr>
+          </a:lnRef>
+          <a:fillRef idx="1">
+            <a:schemeClr val="accent1"/>
+          </a:fillRef>
+          <a:effectRef idx="0">
+            <a:schemeClr val="accent1"/>
+          </a:effectRef>
+          <a:fontRef idx="minor">
+            <a:schemeClr val="lt1"/>
+          </a:fontRef>
+        </p:style>
+        <p:txBody>
+          <a:bodyPr rtlCol="0" anchor="t"/>
+          <a:lstStyle/>
+          <a:p>
+            <a:pPr algn="ctr"/>
+            <a:r>
+              <a:rPr lang="en-US" sz="900" dirty="0">
+                <a:solidFill>
+                  <a:schemeClr val="accent1">
+                    <a:lumMod val="50000"/>
+                  </a:schemeClr>
+                </a:solidFill>
+              </a:rPr>
+              <a:t>Application Layer</a:t>
+            </a:r>
+          </a:p>
+        </p:txBody>
+      </p:sp>
+      <p:sp>
+        <p:nvSpPr>
+          <p:cNvPr id="96" name="Rectangle 95">
+            <a:extLst>
+              <a:ext uri="{FF2B5EF4-FFF2-40B4-BE49-F238E27FC236}">
+                <a16:creationId xmlns:a16="http://schemas.microsoft.com/office/drawing/2014/main" id="{B9132204-6159-134F-894B-41872307E2AB}"/>
+              </a:ext>
+            </a:extLst>
+          </p:cNvPr>
+          <p:cNvSpPr/>
+          <p:nvPr/>
+        </p:nvSpPr>
+        <p:spPr>
+          <a:xfrm>
+            <a:off x="5478741" y="3795132"/>
+            <a:ext cx="2399354" cy="578580"/>
+          </a:xfrm>
+          <a:prstGeom prst="rect">
+            <a:avLst/>
+          </a:prstGeom>
+          <a:solidFill>
+            <a:schemeClr val="accent2">
+              <a:lumMod val="20000"/>
+              <a:lumOff val="80000"/>
+            </a:schemeClr>
+          </a:solidFill>
+        </p:spPr>
+        <p:style>
+          <a:lnRef idx="2">
+            <a:schemeClr val="accent1">
+              <a:shade val="50000"/>
+            </a:schemeClr>
+          </a:lnRef>
+          <a:fillRef idx="1">
+            <a:schemeClr val="accent1"/>
+          </a:fillRef>
+          <a:effectRef idx="0">
+            <a:schemeClr val="accent1"/>
+          </a:effectRef>
+          <a:fontRef idx="minor">
+            <a:schemeClr val="lt1"/>
+          </a:fontRef>
+        </p:style>
+        <p:txBody>
+          <a:bodyPr rot="0" spcFirstLastPara="0" vertOverflow="overflow" horzOverflow="overflow" vert="horz" wrap="square" lIns="91440" tIns="45720" rIns="91440" bIns="45720" numCol="1" spcCol="0" rtlCol="0" fromWordArt="0" anchor="b" anchorCtr="0" forceAA="0" compatLnSpc="1">
+            <a:prstTxWarp prst="textNoShape">
+              <a:avLst/>
+            </a:prstTxWarp>
+            <a:noAutofit/>
+          </a:bodyPr>
+          <a:lstStyle/>
+          <a:p>
+            <a:pPr algn="ctr"/>
+            <a:r>
+              <a:rPr lang="en-US" sz="900" dirty="0">
+                <a:solidFill>
+                  <a:schemeClr val="accent1">
+                    <a:lumMod val="50000"/>
+                  </a:schemeClr>
+                </a:solidFill>
+              </a:rPr>
+              <a:t>ICL Node</a:t>
+            </a:r>
+          </a:p>
+        </p:txBody>
+      </p:sp>
+      <p:sp>
+        <p:nvSpPr>
+          <p:cNvPr id="97" name="Rectangle 96">
+            <a:extLst>
+              <a:ext uri="{FF2B5EF4-FFF2-40B4-BE49-F238E27FC236}">
+                <a16:creationId xmlns:a16="http://schemas.microsoft.com/office/drawing/2014/main" id="{B9F816B4-3429-9446-BD7A-1FE1D1AACA77}"/>
+              </a:ext>
+            </a:extLst>
+          </p:cNvPr>
+          <p:cNvSpPr/>
+          <p:nvPr/>
+        </p:nvSpPr>
+        <p:spPr>
+          <a:xfrm>
+            <a:off x="4134489" y="3785737"/>
+            <a:ext cx="736910" cy="578580"/>
+          </a:xfrm>
+          <a:prstGeom prst="rect">
+            <a:avLst/>
+          </a:prstGeom>
+          <a:solidFill>
+            <a:schemeClr val="bg1">
+              <a:lumMod val="75000"/>
+            </a:schemeClr>
+          </a:solidFill>
+        </p:spPr>
+        <p:style>
+          <a:lnRef idx="2">
+            <a:schemeClr val="accent1">
+              <a:shade val="50000"/>
+            </a:schemeClr>
+          </a:lnRef>
+          <a:fillRef idx="1">
+            <a:schemeClr val="accent1"/>
+          </a:fillRef>
+          <a:effectRef idx="0">
+            <a:schemeClr val="accent1"/>
+          </a:effectRef>
+          <a:fontRef idx="minor">
+            <a:schemeClr val="lt1"/>
+          </a:fontRef>
+        </p:style>
+        <p:txBody>
+          <a:bodyPr rot="0" spcFirstLastPara="0" vertOverflow="overflow" horzOverflow="overflow" vert="horz" wrap="square" lIns="91440" tIns="45720" rIns="91440" bIns="45720" numCol="1" spcCol="0" rtlCol="0" fromWordArt="0" anchor="t" anchorCtr="0" forceAA="0" compatLnSpc="1">
+            <a:prstTxWarp prst="textNoShape">
+              <a:avLst/>
+            </a:prstTxWarp>
+            <a:noAutofit/>
+          </a:bodyPr>
+          <a:lstStyle/>
+          <a:p>
+            <a:pPr algn="ctr"/>
+            <a:r>
+              <a:rPr lang="en-US" sz="900" dirty="0">
+                <a:solidFill>
+                  <a:schemeClr val="accent1">
+                    <a:lumMod val="50000"/>
+                  </a:schemeClr>
+                </a:solidFill>
+              </a:rPr>
+              <a:t>Channel Directory</a:t>
+            </a:r>
+          </a:p>
+        </p:txBody>
+      </p:sp>
+      <p:sp>
+        <p:nvSpPr>
+          <p:cNvPr id="100" name="Can 99">
+            <a:extLst>
+              <a:ext uri="{FF2B5EF4-FFF2-40B4-BE49-F238E27FC236}">
+                <a16:creationId xmlns:a16="http://schemas.microsoft.com/office/drawing/2014/main" id="{D6C054E0-3DA3-B348-A369-EE01550D52AA}"/>
+              </a:ext>
+            </a:extLst>
+          </p:cNvPr>
+          <p:cNvSpPr/>
+          <p:nvPr/>
+        </p:nvSpPr>
+        <p:spPr>
+          <a:xfrm>
+            <a:off x="1231939" y="3842703"/>
+            <a:ext cx="783438" cy="309563"/>
+          </a:xfrm>
+          <a:prstGeom prst="can">
+            <a:avLst/>
+          </a:prstGeom>
+          <a:solidFill>
+            <a:schemeClr val="accent2"/>
+          </a:solidFill>
+        </p:spPr>
+        <p:style>
+          <a:lnRef idx="2">
+            <a:schemeClr val="accent1">
+              <a:shade val="50000"/>
+            </a:schemeClr>
+          </a:lnRef>
+          <a:fillRef idx="1">
+            <a:schemeClr val="accent1"/>
+          </a:fillRef>
+          <a:effectRef idx="0">
+            <a:schemeClr val="accent1"/>
+          </a:effectRef>
+          <a:fontRef idx="minor">
+            <a:schemeClr val="lt1"/>
+          </a:fontRef>
+        </p:style>
+        <p:txBody>
+          <a:bodyPr lIns="36000" tIns="0" rIns="36000" bIns="0" rtlCol="0" anchor="ctr"/>
+          <a:lstStyle/>
+          <a:p>
+            <a:pPr algn="ctr"/>
+            <a:r>
+              <a:rPr lang="en-US" sz="900" dirty="0"/>
+              <a:t>Repository</a:t>
+            </a:r>
+          </a:p>
+        </p:txBody>
+      </p:sp>
+      <p:sp>
+        <p:nvSpPr>
+          <p:cNvPr id="101" name="Rectangle 100">
+            <a:extLst>
+              <a:ext uri="{FF2B5EF4-FFF2-40B4-BE49-F238E27FC236}">
+                <a16:creationId xmlns:a16="http://schemas.microsoft.com/office/drawing/2014/main" id="{87DED5C1-A3F3-3547-8B9F-AADABC258B78}"/>
+              </a:ext>
+            </a:extLst>
+          </p:cNvPr>
+          <p:cNvSpPr/>
+          <p:nvPr/>
+        </p:nvSpPr>
+        <p:spPr>
+          <a:xfrm>
+            <a:off x="2263074" y="3892285"/>
+            <a:ext cx="1066143" cy="229748"/>
+          </a:xfrm>
+          <a:prstGeom prst="rect">
+            <a:avLst/>
+          </a:prstGeom>
+          <a:solidFill>
+            <a:schemeClr val="accent2"/>
+          </a:solidFill>
+        </p:spPr>
+        <p:style>
+          <a:lnRef idx="2">
+            <a:schemeClr val="accent1">
+              <a:shade val="50000"/>
+            </a:schemeClr>
+          </a:lnRef>
+          <a:fillRef idx="1">
+            <a:schemeClr val="accent1"/>
+          </a:fillRef>
+          <a:effectRef idx="0">
+            <a:schemeClr val="accent1"/>
+          </a:effectRef>
+          <a:fontRef idx="minor">
+            <a:schemeClr val="lt1"/>
+          </a:fontRef>
+        </p:style>
+        <p:txBody>
+          <a:bodyPr rot="0" spcFirstLastPara="0" vertOverflow="overflow" horzOverflow="overflow" vert="horz" wrap="square" lIns="36000" tIns="0" rIns="36000" bIns="0" numCol="1" spcCol="0" rtlCol="0" fromWordArt="0" anchor="ctr" anchorCtr="0" forceAA="0" compatLnSpc="1">
+            <a:prstTxWarp prst="textNoShape">
+              <a:avLst/>
+            </a:prstTxWarp>
+            <a:noAutofit/>
+          </a:bodyPr>
+          <a:lstStyle/>
+          <a:p>
+            <a:pPr algn="ctr"/>
+            <a:r>
+              <a:rPr lang="en-US" sz="900" dirty="0"/>
+              <a:t>ICL Router</a:t>
+            </a:r>
+          </a:p>
+        </p:txBody>
+      </p:sp>
+      <p:sp>
+        <p:nvSpPr>
+          <p:cNvPr id="103" name="Rectangle 102">
+            <a:extLst>
+              <a:ext uri="{FF2B5EF4-FFF2-40B4-BE49-F238E27FC236}">
+                <a16:creationId xmlns:a16="http://schemas.microsoft.com/office/drawing/2014/main" id="{B632B4AB-4982-5345-AF79-E6E4B0EF6347}"/>
+              </a:ext>
+            </a:extLst>
+          </p:cNvPr>
+          <p:cNvSpPr/>
+          <p:nvPr/>
+        </p:nvSpPr>
+        <p:spPr>
+          <a:xfrm>
+            <a:off x="1269745" y="3026509"/>
+            <a:ext cx="736910" cy="272981"/>
+          </a:xfrm>
+          <a:prstGeom prst="rect">
+            <a:avLst/>
+          </a:prstGeom>
+          <a:solidFill>
+            <a:schemeClr val="tx1">
+              <a:lumMod val="65000"/>
+              <a:lumOff val="35000"/>
+            </a:schemeClr>
+          </a:solidFill>
+        </p:spPr>
+        <p:style>
+          <a:lnRef idx="2">
+            <a:schemeClr val="accent1">
+              <a:shade val="50000"/>
+            </a:schemeClr>
+          </a:lnRef>
+          <a:fillRef idx="1">
+            <a:schemeClr val="accent1"/>
+          </a:fillRef>
+          <a:effectRef idx="0">
+            <a:schemeClr val="accent1"/>
+          </a:effectRef>
+          <a:fontRef idx="minor">
+            <a:schemeClr val="lt1"/>
+          </a:fontRef>
+        </p:style>
+        <p:txBody>
+          <a:bodyPr rot="0" spcFirstLastPara="0" vertOverflow="overflow" horzOverflow="overflow" vert="horz" wrap="square" lIns="36000" tIns="0" rIns="36000" bIns="0" numCol="1" spcCol="0" rtlCol="0" fromWordArt="0" anchor="t" anchorCtr="0" forceAA="0" compatLnSpc="1">
+            <a:prstTxWarp prst="textNoShape">
+              <a:avLst/>
+            </a:prstTxWarp>
+            <a:noAutofit/>
+          </a:bodyPr>
+          <a:lstStyle/>
+          <a:p>
+            <a:pPr algn="ctr"/>
+            <a:r>
+              <a:rPr lang="en-US" sz="900" dirty="0">
+                <a:solidFill>
+                  <a:schemeClr val="bg1"/>
+                </a:solidFill>
+              </a:rPr>
+              <a:t>Single windows</a:t>
+            </a:r>
+          </a:p>
+        </p:txBody>
+      </p:sp>
+      <p:sp>
+        <p:nvSpPr>
+          <p:cNvPr id="106" name="Rectangle 105">
+            <a:extLst>
+              <a:ext uri="{FF2B5EF4-FFF2-40B4-BE49-F238E27FC236}">
+                <a16:creationId xmlns:a16="http://schemas.microsoft.com/office/drawing/2014/main" id="{933DD153-2166-7748-A4EE-9286FEC217E2}"/>
+              </a:ext>
+            </a:extLst>
+          </p:cNvPr>
+          <p:cNvSpPr/>
+          <p:nvPr/>
+        </p:nvSpPr>
+        <p:spPr>
+          <a:xfrm>
+            <a:off x="2439276" y="3026509"/>
+            <a:ext cx="736910" cy="272981"/>
+          </a:xfrm>
+          <a:prstGeom prst="rect">
+            <a:avLst/>
+          </a:prstGeom>
+          <a:solidFill>
+            <a:schemeClr val="tx1">
+              <a:lumMod val="65000"/>
+              <a:lumOff val="35000"/>
+            </a:schemeClr>
+          </a:solidFill>
+        </p:spPr>
+        <p:style>
+          <a:lnRef idx="2">
+            <a:schemeClr val="accent1">
+              <a:shade val="50000"/>
+            </a:schemeClr>
+          </a:lnRef>
+          <a:fillRef idx="1">
+            <a:schemeClr val="accent1"/>
+          </a:fillRef>
+          <a:effectRef idx="0">
+            <a:schemeClr val="accent1"/>
+          </a:effectRef>
+          <a:fontRef idx="minor">
+            <a:schemeClr val="lt1"/>
+          </a:fontRef>
+        </p:style>
+        <p:txBody>
+          <a:bodyPr rot="0" spcFirstLastPara="0" vertOverflow="overflow" horzOverflow="overflow" vert="horz" wrap="square" lIns="36000" tIns="0" rIns="36000" bIns="0" numCol="1" spcCol="0" rtlCol="0" fromWordArt="0" anchor="ctr" anchorCtr="0" forceAA="0" compatLnSpc="1">
+            <a:prstTxWarp prst="textNoShape">
+              <a:avLst/>
+            </a:prstTxWarp>
+            <a:noAutofit/>
+          </a:bodyPr>
+          <a:lstStyle/>
+          <a:p>
+            <a:pPr algn="ctr"/>
+            <a:r>
+              <a:rPr lang="en-US" sz="900" dirty="0">
+                <a:solidFill>
+                  <a:schemeClr val="bg1"/>
+                </a:solidFill>
+              </a:rPr>
+              <a:t>Trade Apps</a:t>
+            </a:r>
+          </a:p>
+        </p:txBody>
+      </p:sp>
+      <p:sp>
+        <p:nvSpPr>
+          <p:cNvPr id="107" name="Rectangle 106">
+            <a:extLst>
+              <a:ext uri="{FF2B5EF4-FFF2-40B4-BE49-F238E27FC236}">
+                <a16:creationId xmlns:a16="http://schemas.microsoft.com/office/drawing/2014/main" id="{75E5325E-B865-F240-B065-4AD68562E305}"/>
+              </a:ext>
+            </a:extLst>
+          </p:cNvPr>
+          <p:cNvSpPr/>
+          <p:nvPr/>
+        </p:nvSpPr>
+        <p:spPr>
+          <a:xfrm>
+            <a:off x="5710125" y="3017114"/>
+            <a:ext cx="736910" cy="272981"/>
+          </a:xfrm>
+          <a:prstGeom prst="rect">
+            <a:avLst/>
+          </a:prstGeom>
+          <a:solidFill>
+            <a:schemeClr val="tx1">
+              <a:lumMod val="65000"/>
+              <a:lumOff val="35000"/>
+            </a:schemeClr>
+          </a:solidFill>
+        </p:spPr>
+        <p:style>
+          <a:lnRef idx="2">
+            <a:schemeClr val="accent1">
+              <a:shade val="50000"/>
+            </a:schemeClr>
+          </a:lnRef>
+          <a:fillRef idx="1">
+            <a:schemeClr val="accent1"/>
+          </a:fillRef>
+          <a:effectRef idx="0">
+            <a:schemeClr val="accent1"/>
+          </a:effectRef>
+          <a:fontRef idx="minor">
+            <a:schemeClr val="lt1"/>
+          </a:fontRef>
+        </p:style>
+        <p:txBody>
+          <a:bodyPr rot="0" spcFirstLastPara="0" vertOverflow="overflow" horzOverflow="overflow" vert="horz" wrap="square" lIns="36000" tIns="0" rIns="36000" bIns="0" numCol="1" spcCol="0" rtlCol="0" fromWordArt="0" anchor="t" anchorCtr="0" forceAA="0" compatLnSpc="1">
+            <a:prstTxWarp prst="textNoShape">
+              <a:avLst/>
+            </a:prstTxWarp>
+            <a:noAutofit/>
+          </a:bodyPr>
+          <a:lstStyle/>
+          <a:p>
+            <a:pPr algn="ctr"/>
+            <a:r>
+              <a:rPr lang="en-US" sz="900" dirty="0">
+                <a:solidFill>
+                  <a:schemeClr val="bg1"/>
+                </a:solidFill>
+              </a:rPr>
+              <a:t>Single windows</a:t>
+            </a:r>
+          </a:p>
+        </p:txBody>
+      </p:sp>
+      <p:sp>
+        <p:nvSpPr>
+          <p:cNvPr id="108" name="Rectangle 107">
+            <a:extLst>
+              <a:ext uri="{FF2B5EF4-FFF2-40B4-BE49-F238E27FC236}">
+                <a16:creationId xmlns:a16="http://schemas.microsoft.com/office/drawing/2014/main" id="{DA9EE0C6-34CC-3A4E-8492-1B3469D0C0F4}"/>
+              </a:ext>
+            </a:extLst>
+          </p:cNvPr>
+          <p:cNvSpPr/>
+          <p:nvPr/>
+        </p:nvSpPr>
+        <p:spPr>
+          <a:xfrm>
+            <a:off x="6879658" y="3017114"/>
+            <a:ext cx="736910" cy="272981"/>
+          </a:xfrm>
+          <a:prstGeom prst="rect">
+            <a:avLst/>
+          </a:prstGeom>
+          <a:solidFill>
+            <a:schemeClr val="tx1">
+              <a:lumMod val="65000"/>
+              <a:lumOff val="35000"/>
+            </a:schemeClr>
+          </a:solidFill>
+        </p:spPr>
+        <p:style>
+          <a:lnRef idx="2">
+            <a:schemeClr val="accent1">
+              <a:shade val="50000"/>
+            </a:schemeClr>
+          </a:lnRef>
+          <a:fillRef idx="1">
+            <a:schemeClr val="accent1"/>
+          </a:fillRef>
+          <a:effectRef idx="0">
+            <a:schemeClr val="accent1"/>
+          </a:effectRef>
+          <a:fontRef idx="minor">
+            <a:schemeClr val="lt1"/>
+          </a:fontRef>
+        </p:style>
+        <p:txBody>
+          <a:bodyPr rot="0" spcFirstLastPara="0" vertOverflow="overflow" horzOverflow="overflow" vert="horz" wrap="square" lIns="36000" tIns="0" rIns="36000" bIns="0" numCol="1" spcCol="0" rtlCol="0" fromWordArt="0" anchor="ctr" anchorCtr="0" forceAA="0" compatLnSpc="1">
+            <a:prstTxWarp prst="textNoShape">
+              <a:avLst/>
+            </a:prstTxWarp>
+            <a:noAutofit/>
+          </a:bodyPr>
+          <a:lstStyle/>
+          <a:p>
+            <a:pPr algn="ctr"/>
+            <a:r>
+              <a:rPr lang="en-US" sz="900" dirty="0">
+                <a:solidFill>
+                  <a:schemeClr val="bg1"/>
+                </a:solidFill>
+              </a:rPr>
+              <a:t>Trade Apps</a:t>
+            </a:r>
+          </a:p>
+        </p:txBody>
+      </p:sp>
+      <p:sp>
+        <p:nvSpPr>
+          <p:cNvPr id="109" name="Can 108">
+            <a:extLst>
+              <a:ext uri="{FF2B5EF4-FFF2-40B4-BE49-F238E27FC236}">
+                <a16:creationId xmlns:a16="http://schemas.microsoft.com/office/drawing/2014/main" id="{F442C04C-45BC-0344-993A-AD3D9665AA89}"/>
+              </a:ext>
+            </a:extLst>
+          </p:cNvPr>
+          <p:cNvSpPr/>
+          <p:nvPr/>
+        </p:nvSpPr>
+        <p:spPr>
+          <a:xfrm>
+            <a:off x="6978700" y="3865462"/>
+            <a:ext cx="783438" cy="309563"/>
+          </a:xfrm>
+          <a:prstGeom prst="can">
+            <a:avLst/>
+          </a:prstGeom>
+          <a:solidFill>
+            <a:schemeClr val="accent2"/>
+          </a:solidFill>
+        </p:spPr>
+        <p:style>
+          <a:lnRef idx="2">
+            <a:schemeClr val="accent1">
+              <a:shade val="50000"/>
+            </a:schemeClr>
+          </a:lnRef>
+          <a:fillRef idx="1">
+            <a:schemeClr val="accent1"/>
+          </a:fillRef>
+          <a:effectRef idx="0">
+            <a:schemeClr val="accent1"/>
+          </a:effectRef>
+          <a:fontRef idx="minor">
+            <a:schemeClr val="lt1"/>
+          </a:fontRef>
+        </p:style>
+        <p:txBody>
+          <a:bodyPr lIns="36000" tIns="0" rIns="36000" bIns="0" rtlCol="0" anchor="ctr"/>
+          <a:lstStyle/>
+          <a:p>
+            <a:pPr algn="ctr"/>
+            <a:r>
+              <a:rPr lang="en-US" sz="900" dirty="0"/>
+              <a:t>Repository</a:t>
+            </a:r>
+          </a:p>
+        </p:txBody>
+      </p:sp>
+      <p:sp>
+        <p:nvSpPr>
+          <p:cNvPr id="111" name="Rectangle 110">
+            <a:extLst>
+              <a:ext uri="{FF2B5EF4-FFF2-40B4-BE49-F238E27FC236}">
+                <a16:creationId xmlns:a16="http://schemas.microsoft.com/office/drawing/2014/main" id="{D60292FC-FE12-C84D-B50A-F71D4259FED7}"/>
+              </a:ext>
+            </a:extLst>
+          </p:cNvPr>
+          <p:cNvSpPr/>
+          <p:nvPr/>
+        </p:nvSpPr>
+        <p:spPr>
+          <a:xfrm>
+            <a:off x="5612275" y="3905371"/>
+            <a:ext cx="1066143" cy="229748"/>
+          </a:xfrm>
+          <a:prstGeom prst="rect">
+            <a:avLst/>
+          </a:prstGeom>
+          <a:solidFill>
+            <a:schemeClr val="accent2"/>
+          </a:solidFill>
+        </p:spPr>
+        <p:style>
+          <a:lnRef idx="2">
+            <a:schemeClr val="accent1">
+              <a:shade val="50000"/>
+            </a:schemeClr>
+          </a:lnRef>
+          <a:fillRef idx="1">
+            <a:schemeClr val="accent1"/>
+          </a:fillRef>
+          <a:effectRef idx="0">
+            <a:schemeClr val="accent1"/>
+          </a:effectRef>
+          <a:fontRef idx="minor">
+            <a:schemeClr val="lt1"/>
+          </a:fontRef>
+        </p:style>
+        <p:txBody>
+          <a:bodyPr rot="0" spcFirstLastPara="0" vertOverflow="overflow" horzOverflow="overflow" vert="horz" wrap="square" lIns="36000" tIns="0" rIns="36000" bIns="0" numCol="1" spcCol="0" rtlCol="0" fromWordArt="0" anchor="ctr" anchorCtr="0" forceAA="0" compatLnSpc="1">
+            <a:prstTxWarp prst="textNoShape">
+              <a:avLst/>
+            </a:prstTxWarp>
+            <a:noAutofit/>
+          </a:bodyPr>
+          <a:lstStyle/>
+          <a:p>
+            <a:pPr algn="ctr"/>
+            <a:r>
+              <a:rPr lang="en-US" sz="900" dirty="0"/>
+              <a:t>ICL Router</a:t>
+            </a:r>
+          </a:p>
+        </p:txBody>
+      </p:sp>
+      <p:sp>
+        <p:nvSpPr>
+          <p:cNvPr id="115" name="Rectangle 114">
+            <a:extLst>
+              <a:ext uri="{FF2B5EF4-FFF2-40B4-BE49-F238E27FC236}">
+                <a16:creationId xmlns:a16="http://schemas.microsoft.com/office/drawing/2014/main" id="{51EB223A-790B-B14F-8FBE-6C6229D8BA6D}"/>
+              </a:ext>
+            </a:extLst>
+          </p:cNvPr>
+          <p:cNvSpPr/>
+          <p:nvPr/>
+        </p:nvSpPr>
+        <p:spPr>
+          <a:xfrm>
+            <a:off x="1334050" y="2607723"/>
+            <a:ext cx="736910" cy="203655"/>
+          </a:xfrm>
+          <a:prstGeom prst="rect">
+            <a:avLst/>
+          </a:prstGeom>
+          <a:solidFill>
+            <a:srgbClr val="92D050"/>
+          </a:solidFill>
+        </p:spPr>
+        <p:style>
+          <a:lnRef idx="2">
+            <a:schemeClr val="accent1">
+              <a:shade val="50000"/>
+            </a:schemeClr>
+          </a:lnRef>
+          <a:fillRef idx="1">
+            <a:schemeClr val="accent1"/>
+          </a:fillRef>
+          <a:effectRef idx="0">
+            <a:schemeClr val="accent1"/>
+          </a:effectRef>
+          <a:fontRef idx="minor">
+            <a:schemeClr val="lt1"/>
+          </a:fontRef>
+        </p:style>
+        <p:txBody>
+          <a:bodyPr rot="0" spcFirstLastPara="0" vertOverflow="overflow" horzOverflow="overflow" vert="horz" wrap="square" lIns="36000" tIns="0" rIns="36000" bIns="0" numCol="1" spcCol="0" rtlCol="0" fromWordArt="0" anchor="ctr" anchorCtr="0" forceAA="0" compatLnSpc="1">
+            <a:prstTxWarp prst="textNoShape">
+              <a:avLst/>
+            </a:prstTxWarp>
+            <a:noAutofit/>
+          </a:bodyPr>
+          <a:lstStyle/>
+          <a:p>
+            <a:pPr algn="ctr"/>
+            <a:r>
+              <a:rPr lang="en-US" sz="900" dirty="0" err="1">
+                <a:solidFill>
+                  <a:schemeClr val="accent1"/>
+                </a:solidFill>
+              </a:rPr>
+              <a:t>CoO</a:t>
+            </a:r>
+            <a:r>
+              <a:rPr lang="en-US" sz="900" dirty="0">
+                <a:solidFill>
+                  <a:schemeClr val="accent1"/>
+                </a:solidFill>
+              </a:rPr>
+              <a:t> API</a:t>
+            </a:r>
+          </a:p>
+        </p:txBody>
+      </p:sp>
+      <p:sp>
+        <p:nvSpPr>
+          <p:cNvPr id="116" name="Rectangle 115">
+            <a:extLst>
+              <a:ext uri="{FF2B5EF4-FFF2-40B4-BE49-F238E27FC236}">
+                <a16:creationId xmlns:a16="http://schemas.microsoft.com/office/drawing/2014/main" id="{724214D5-AB68-5544-822B-949809B81250}"/>
+              </a:ext>
+            </a:extLst>
+          </p:cNvPr>
+          <p:cNvSpPr/>
+          <p:nvPr/>
+        </p:nvSpPr>
+        <p:spPr>
+          <a:xfrm>
+            <a:off x="1226595" y="3591477"/>
+            <a:ext cx="588507" cy="203655"/>
+          </a:xfrm>
+          <a:prstGeom prst="rect">
+            <a:avLst/>
+          </a:prstGeom>
+          <a:solidFill>
+            <a:srgbClr val="FFC000"/>
+          </a:solidFill>
+        </p:spPr>
+        <p:style>
+          <a:lnRef idx="2">
+            <a:schemeClr val="accent1">
+              <a:shade val="50000"/>
+            </a:schemeClr>
+          </a:lnRef>
+          <a:fillRef idx="1">
+            <a:schemeClr val="accent1"/>
+          </a:fillRef>
+          <a:effectRef idx="0">
+            <a:schemeClr val="accent1"/>
+          </a:effectRef>
+          <a:fontRef idx="minor">
+            <a:schemeClr val="lt1"/>
+          </a:fontRef>
+        </p:style>
+        <p:txBody>
+          <a:bodyPr rot="0" spcFirstLastPara="0" vertOverflow="overflow" horzOverflow="overflow" vert="horz" wrap="square" lIns="0" tIns="0" rIns="0" bIns="0" numCol="1" spcCol="0" rtlCol="0" fromWordArt="0" anchor="ctr" anchorCtr="0" forceAA="0" compatLnSpc="1">
+            <a:prstTxWarp prst="textNoShape">
+              <a:avLst/>
+            </a:prstTxWarp>
+            <a:noAutofit/>
+          </a:bodyPr>
+          <a:lstStyle/>
+          <a:p>
+            <a:pPr algn="ctr"/>
+            <a:r>
+              <a:rPr lang="en-US" sz="900" dirty="0">
+                <a:solidFill>
+                  <a:schemeClr val="accent1"/>
+                </a:solidFill>
+              </a:rPr>
+              <a:t>Doc API</a:t>
+            </a:r>
+          </a:p>
+        </p:txBody>
+      </p:sp>
+      <p:sp>
+        <p:nvSpPr>
+          <p:cNvPr id="117" name="Rectangle 116">
+            <a:extLst>
+              <a:ext uri="{FF2B5EF4-FFF2-40B4-BE49-F238E27FC236}">
+                <a16:creationId xmlns:a16="http://schemas.microsoft.com/office/drawing/2014/main" id="{00189445-F217-3C42-A39B-0C80A12E9332}"/>
+              </a:ext>
+            </a:extLst>
+          </p:cNvPr>
+          <p:cNvSpPr/>
+          <p:nvPr/>
+        </p:nvSpPr>
+        <p:spPr>
+          <a:xfrm>
+            <a:off x="2004234" y="3598419"/>
+            <a:ext cx="588507" cy="203655"/>
+          </a:xfrm>
+          <a:prstGeom prst="rect">
+            <a:avLst/>
+          </a:prstGeom>
+          <a:solidFill>
+            <a:srgbClr val="FFC000"/>
+          </a:solidFill>
+        </p:spPr>
+        <p:style>
+          <a:lnRef idx="2">
+            <a:schemeClr val="accent1">
+              <a:shade val="50000"/>
+            </a:schemeClr>
+          </a:lnRef>
+          <a:fillRef idx="1">
+            <a:schemeClr val="accent1"/>
+          </a:fillRef>
+          <a:effectRef idx="0">
+            <a:schemeClr val="accent1"/>
+          </a:effectRef>
+          <a:fontRef idx="minor">
+            <a:schemeClr val="lt1"/>
+          </a:fontRef>
+        </p:style>
+        <p:txBody>
+          <a:bodyPr rot="0" spcFirstLastPara="0" vertOverflow="overflow" horzOverflow="overflow" vert="horz" wrap="square" lIns="0" tIns="0" rIns="0" bIns="0" numCol="1" spcCol="0" rtlCol="0" fromWordArt="0" anchor="ctr" anchorCtr="0" forceAA="0" compatLnSpc="1">
+            <a:prstTxWarp prst="textNoShape">
+              <a:avLst/>
+            </a:prstTxWarp>
+            <a:noAutofit/>
+          </a:bodyPr>
+          <a:lstStyle/>
+          <a:p>
+            <a:pPr algn="ctr"/>
+            <a:r>
+              <a:rPr lang="en-US" sz="900" dirty="0">
+                <a:solidFill>
+                  <a:schemeClr val="accent1"/>
+                </a:solidFill>
+              </a:rPr>
+              <a:t>Msg API</a:t>
+            </a:r>
+          </a:p>
+        </p:txBody>
+      </p:sp>
+      <p:sp>
+        <p:nvSpPr>
+          <p:cNvPr id="122" name="Rectangle 121">
+            <a:extLst>
+              <a:ext uri="{FF2B5EF4-FFF2-40B4-BE49-F238E27FC236}">
+                <a16:creationId xmlns:a16="http://schemas.microsoft.com/office/drawing/2014/main" id="{B80259CD-FB8F-B049-BEED-42864B20BD71}"/>
+              </a:ext>
+            </a:extLst>
+          </p:cNvPr>
+          <p:cNvSpPr/>
+          <p:nvPr/>
+        </p:nvSpPr>
+        <p:spPr>
+          <a:xfrm>
+            <a:off x="4134489" y="4135119"/>
+            <a:ext cx="736910" cy="238592"/>
+          </a:xfrm>
+          <a:prstGeom prst="rect">
+            <a:avLst/>
+          </a:prstGeom>
+          <a:solidFill>
+            <a:srgbClr val="FFC000"/>
+          </a:solidFill>
+        </p:spPr>
+        <p:style>
+          <a:lnRef idx="2">
+            <a:schemeClr val="accent1">
+              <a:shade val="50000"/>
+            </a:schemeClr>
+          </a:lnRef>
+          <a:fillRef idx="1">
+            <a:schemeClr val="accent1"/>
+          </a:fillRef>
+          <a:effectRef idx="0">
+            <a:schemeClr val="accent1"/>
+          </a:effectRef>
+          <a:fontRef idx="minor">
+            <a:schemeClr val="lt1"/>
+          </a:fontRef>
+        </p:style>
+        <p:txBody>
+          <a:bodyPr rot="0" spcFirstLastPara="0" vertOverflow="overflow" horzOverflow="overflow" vert="horz" wrap="square" lIns="36000" tIns="0" rIns="36000" bIns="0" numCol="1" spcCol="0" rtlCol="0" fromWordArt="0" anchor="ctr" anchorCtr="0" forceAA="0" compatLnSpc="1">
+            <a:prstTxWarp prst="textNoShape">
+              <a:avLst/>
+            </a:prstTxWarp>
+            <a:noAutofit/>
+          </a:bodyPr>
+          <a:lstStyle/>
+          <a:p>
+            <a:pPr algn="ctr"/>
+            <a:r>
+              <a:rPr lang="en-US" sz="900" dirty="0">
+                <a:solidFill>
+                  <a:schemeClr val="accent1"/>
+                </a:solidFill>
+              </a:rPr>
+              <a:t>Route API</a:t>
+            </a:r>
+          </a:p>
+        </p:txBody>
+      </p:sp>
+      <p:sp>
+        <p:nvSpPr>
+          <p:cNvPr id="123" name="Rectangle 122">
+            <a:extLst>
+              <a:ext uri="{FF2B5EF4-FFF2-40B4-BE49-F238E27FC236}">
+                <a16:creationId xmlns:a16="http://schemas.microsoft.com/office/drawing/2014/main" id="{2C41CAE7-E6FC-6047-86EC-A9B8A22C2A5A}"/>
+              </a:ext>
+            </a:extLst>
+          </p:cNvPr>
+          <p:cNvSpPr/>
+          <p:nvPr/>
+        </p:nvSpPr>
+        <p:spPr>
+          <a:xfrm>
+            <a:off x="1334050" y="4942137"/>
+            <a:ext cx="979241" cy="272981"/>
+          </a:xfrm>
+          <a:prstGeom prst="rect">
+            <a:avLst/>
+          </a:prstGeom>
+          <a:solidFill>
+            <a:schemeClr val="tx1">
+              <a:lumMod val="65000"/>
+              <a:lumOff val="35000"/>
+            </a:schemeClr>
+          </a:solidFill>
+        </p:spPr>
+        <p:style>
+          <a:lnRef idx="2">
+            <a:schemeClr val="accent1">
+              <a:shade val="50000"/>
+            </a:schemeClr>
+          </a:lnRef>
+          <a:fillRef idx="1">
+            <a:schemeClr val="accent1"/>
+          </a:fillRef>
+          <a:effectRef idx="0">
+            <a:schemeClr val="accent1"/>
+          </a:effectRef>
+          <a:fontRef idx="minor">
+            <a:schemeClr val="lt1"/>
+          </a:fontRef>
+        </p:style>
+        <p:txBody>
+          <a:bodyPr rot="0" spcFirstLastPara="0" vertOverflow="overflow" horzOverflow="overflow" vert="horz" wrap="square" lIns="36000" tIns="0" rIns="36000" bIns="0" numCol="1" spcCol="0" rtlCol="0" fromWordArt="0" anchor="ctr" anchorCtr="0" forceAA="0" compatLnSpc="1">
+            <a:prstTxWarp prst="textNoShape">
+              <a:avLst/>
+            </a:prstTxWarp>
+            <a:noAutofit/>
+          </a:bodyPr>
+          <a:lstStyle/>
+          <a:p>
+            <a:pPr algn="ctr"/>
+            <a:r>
+              <a:rPr lang="en-US" sz="900" dirty="0">
+                <a:solidFill>
+                  <a:schemeClr val="bg1"/>
+                </a:solidFill>
+              </a:rPr>
+              <a:t>Ethereum</a:t>
+            </a:r>
+          </a:p>
+        </p:txBody>
+      </p:sp>
+      <p:sp>
+        <p:nvSpPr>
+          <p:cNvPr id="127" name="Rectangle 126">
+            <a:extLst>
+              <a:ext uri="{FF2B5EF4-FFF2-40B4-BE49-F238E27FC236}">
+                <a16:creationId xmlns:a16="http://schemas.microsoft.com/office/drawing/2014/main" id="{C6025322-99EF-6B46-8F52-A1B57DBD0A97}"/>
+              </a:ext>
+            </a:extLst>
+          </p:cNvPr>
+          <p:cNvSpPr/>
+          <p:nvPr/>
+        </p:nvSpPr>
+        <p:spPr>
+          <a:xfrm>
+            <a:off x="2760456" y="4942137"/>
+            <a:ext cx="979241" cy="272981"/>
+          </a:xfrm>
+          <a:prstGeom prst="rect">
+            <a:avLst/>
+          </a:prstGeom>
+          <a:solidFill>
+            <a:schemeClr val="tx1">
+              <a:lumMod val="65000"/>
+              <a:lumOff val="35000"/>
+            </a:schemeClr>
+          </a:solidFill>
+        </p:spPr>
+        <p:style>
+          <a:lnRef idx="2">
+            <a:schemeClr val="accent1">
+              <a:shade val="50000"/>
+            </a:schemeClr>
+          </a:lnRef>
+          <a:fillRef idx="1">
+            <a:schemeClr val="accent1"/>
+          </a:fillRef>
+          <a:effectRef idx="0">
+            <a:schemeClr val="accent1"/>
+          </a:effectRef>
+          <a:fontRef idx="minor">
+            <a:schemeClr val="lt1"/>
+          </a:fontRef>
+        </p:style>
+        <p:txBody>
+          <a:bodyPr rot="0" spcFirstLastPara="0" vertOverflow="overflow" horzOverflow="overflow" vert="horz" wrap="square" lIns="36000" tIns="0" rIns="36000" bIns="0" numCol="1" spcCol="0" rtlCol="0" fromWordArt="0" anchor="ctr" anchorCtr="0" forceAA="0" compatLnSpc="1">
+            <a:prstTxWarp prst="textNoShape">
+              <a:avLst/>
+            </a:prstTxWarp>
+            <a:noAutofit/>
+          </a:bodyPr>
+          <a:lstStyle/>
+          <a:p>
+            <a:pPr algn="ctr"/>
+            <a:r>
+              <a:rPr lang="en-US" sz="900" dirty="0">
+                <a:solidFill>
+                  <a:schemeClr val="bg1"/>
+                </a:solidFill>
+              </a:rPr>
+              <a:t>HyperLedger1</a:t>
+            </a:r>
+          </a:p>
+        </p:txBody>
+      </p:sp>
+      <p:sp>
+        <p:nvSpPr>
+          <p:cNvPr id="128" name="Rectangle 127">
+            <a:extLst>
+              <a:ext uri="{FF2B5EF4-FFF2-40B4-BE49-F238E27FC236}">
+                <a16:creationId xmlns:a16="http://schemas.microsoft.com/office/drawing/2014/main" id="{F963DCA4-9BAE-4E43-AE69-3C9A318AFB05}"/>
+              </a:ext>
+            </a:extLst>
+          </p:cNvPr>
+          <p:cNvSpPr/>
+          <p:nvPr/>
+        </p:nvSpPr>
+        <p:spPr>
+          <a:xfrm>
+            <a:off x="5099339" y="4942137"/>
+            <a:ext cx="979241" cy="272981"/>
+          </a:xfrm>
+          <a:prstGeom prst="rect">
+            <a:avLst/>
+          </a:prstGeom>
+          <a:solidFill>
+            <a:schemeClr val="tx1">
+              <a:lumMod val="65000"/>
+              <a:lumOff val="35000"/>
+            </a:schemeClr>
+          </a:solidFill>
+        </p:spPr>
+        <p:style>
+          <a:lnRef idx="2">
+            <a:schemeClr val="accent1">
+              <a:shade val="50000"/>
+            </a:schemeClr>
+          </a:lnRef>
+          <a:fillRef idx="1">
+            <a:schemeClr val="accent1"/>
+          </a:fillRef>
+          <a:effectRef idx="0">
+            <a:schemeClr val="accent1"/>
+          </a:effectRef>
+          <a:fontRef idx="minor">
+            <a:schemeClr val="lt1"/>
+          </a:fontRef>
+        </p:style>
+        <p:txBody>
+          <a:bodyPr rot="0" spcFirstLastPara="0" vertOverflow="overflow" horzOverflow="overflow" vert="horz" wrap="square" lIns="36000" tIns="0" rIns="36000" bIns="0" numCol="1" spcCol="0" rtlCol="0" fromWordArt="0" anchor="ctr" anchorCtr="0" forceAA="0" compatLnSpc="1">
+            <a:prstTxWarp prst="textNoShape">
+              <a:avLst/>
+            </a:prstTxWarp>
+            <a:noAutofit/>
+          </a:bodyPr>
+          <a:lstStyle/>
+          <a:p>
+            <a:pPr algn="ctr"/>
+            <a:r>
+              <a:rPr lang="en-US" sz="900" dirty="0">
+                <a:solidFill>
+                  <a:schemeClr val="bg1"/>
+                </a:solidFill>
+              </a:rPr>
+              <a:t>HyperLedger2</a:t>
+            </a:r>
+          </a:p>
+        </p:txBody>
+      </p:sp>
+      <p:sp>
+        <p:nvSpPr>
+          <p:cNvPr id="129" name="Rectangle 128">
+            <a:extLst>
+              <a:ext uri="{FF2B5EF4-FFF2-40B4-BE49-F238E27FC236}">
+                <a16:creationId xmlns:a16="http://schemas.microsoft.com/office/drawing/2014/main" id="{32B41E0E-8CC4-504F-BD54-A6BBF00ABB1F}"/>
+              </a:ext>
+            </a:extLst>
+          </p:cNvPr>
+          <p:cNvSpPr/>
+          <p:nvPr/>
+        </p:nvSpPr>
+        <p:spPr>
+          <a:xfrm>
+            <a:off x="6637326" y="4942137"/>
+            <a:ext cx="979241" cy="272981"/>
+          </a:xfrm>
+          <a:prstGeom prst="rect">
+            <a:avLst/>
+          </a:prstGeom>
+          <a:solidFill>
+            <a:schemeClr val="tx1">
+              <a:lumMod val="65000"/>
+              <a:lumOff val="35000"/>
+            </a:schemeClr>
+          </a:solidFill>
+        </p:spPr>
+        <p:style>
+          <a:lnRef idx="2">
+            <a:schemeClr val="accent1">
+              <a:shade val="50000"/>
+            </a:schemeClr>
+          </a:lnRef>
+          <a:fillRef idx="1">
+            <a:schemeClr val="accent1"/>
+          </a:fillRef>
+          <a:effectRef idx="0">
+            <a:schemeClr val="accent1"/>
+          </a:effectRef>
+          <a:fontRef idx="minor">
+            <a:schemeClr val="lt1"/>
+          </a:fontRef>
+        </p:style>
+        <p:txBody>
+          <a:bodyPr rot="0" spcFirstLastPara="0" vertOverflow="overflow" horzOverflow="overflow" vert="horz" wrap="square" lIns="36000" tIns="0" rIns="36000" bIns="0" numCol="1" spcCol="0" rtlCol="0" fromWordArt="0" anchor="ctr" anchorCtr="0" forceAA="0" compatLnSpc="1">
+            <a:prstTxWarp prst="textNoShape">
+              <a:avLst/>
+            </a:prstTxWarp>
+            <a:noAutofit/>
+          </a:bodyPr>
+          <a:lstStyle/>
+          <a:p>
+            <a:pPr algn="ctr"/>
+            <a:r>
+              <a:rPr lang="en-US" sz="900" dirty="0" err="1">
+                <a:solidFill>
+                  <a:schemeClr val="bg1"/>
+                </a:solidFill>
+              </a:rPr>
+              <a:t>OtherLedger</a:t>
+            </a:r>
+            <a:endParaRPr lang="en-US" sz="900" dirty="0">
+              <a:solidFill>
+                <a:schemeClr val="bg1"/>
+              </a:solidFill>
+            </a:endParaRPr>
+          </a:p>
+        </p:txBody>
+      </p:sp>
+      <p:sp>
+        <p:nvSpPr>
+          <p:cNvPr id="130" name="Rectangle 129">
+            <a:extLst>
+              <a:ext uri="{FF2B5EF4-FFF2-40B4-BE49-F238E27FC236}">
+                <a16:creationId xmlns:a16="http://schemas.microsoft.com/office/drawing/2014/main" id="{AEE43B23-F4C2-384B-8761-B256E0BCAF4D}"/>
+              </a:ext>
+            </a:extLst>
+          </p:cNvPr>
+          <p:cNvSpPr/>
+          <p:nvPr/>
+        </p:nvSpPr>
+        <p:spPr>
+          <a:xfrm>
+            <a:off x="5738606" y="2607723"/>
+            <a:ext cx="736910" cy="203655"/>
+          </a:xfrm>
+          <a:prstGeom prst="rect">
+            <a:avLst/>
+          </a:prstGeom>
+          <a:solidFill>
+            <a:srgbClr val="92D050"/>
+          </a:solidFill>
+        </p:spPr>
+        <p:style>
+          <a:lnRef idx="2">
+            <a:schemeClr val="accent1">
+              <a:shade val="50000"/>
+            </a:schemeClr>
+          </a:lnRef>
+          <a:fillRef idx="1">
+            <a:schemeClr val="accent1"/>
+          </a:fillRef>
+          <a:effectRef idx="0">
+            <a:schemeClr val="accent1"/>
+          </a:effectRef>
+          <a:fontRef idx="minor">
+            <a:schemeClr val="lt1"/>
+          </a:fontRef>
+        </p:style>
+        <p:txBody>
+          <a:bodyPr rot="0" spcFirstLastPara="0" vertOverflow="overflow" horzOverflow="overflow" vert="horz" wrap="square" lIns="36000" tIns="0" rIns="36000" bIns="0" numCol="1" spcCol="0" rtlCol="0" fromWordArt="0" anchor="ctr" anchorCtr="0" forceAA="0" compatLnSpc="1">
+            <a:prstTxWarp prst="textNoShape">
+              <a:avLst/>
+            </a:prstTxWarp>
+            <a:noAutofit/>
+          </a:bodyPr>
+          <a:lstStyle/>
+          <a:p>
+            <a:pPr algn="ctr"/>
+            <a:r>
+              <a:rPr lang="en-US" sz="900" dirty="0" err="1">
+                <a:solidFill>
+                  <a:schemeClr val="accent1"/>
+                </a:solidFill>
+              </a:rPr>
+              <a:t>CoO</a:t>
+            </a:r>
+            <a:r>
+              <a:rPr lang="en-US" sz="900" dirty="0">
+                <a:solidFill>
+                  <a:schemeClr val="accent1"/>
+                </a:solidFill>
+              </a:rPr>
+              <a:t> API</a:t>
+            </a:r>
+          </a:p>
+        </p:txBody>
+      </p:sp>
+      <p:cxnSp>
+        <p:nvCxnSpPr>
+          <p:cNvPr id="131" name="Straight Arrow Connector 130">
+            <a:extLst>
+              <a:ext uri="{FF2B5EF4-FFF2-40B4-BE49-F238E27FC236}">
+                <a16:creationId xmlns:a16="http://schemas.microsoft.com/office/drawing/2014/main" id="{549FD7F8-B0DF-C348-A963-B7811FCB67F9}"/>
+              </a:ext>
+            </a:extLst>
+          </p:cNvPr>
+          <p:cNvCxnSpPr>
+            <a:cxnSpLocks/>
+            <a:endCxn id="116" idx="0"/>
+          </p:cNvCxnSpPr>
+          <p:nvPr/>
+        </p:nvCxnSpPr>
+        <p:spPr>
+          <a:xfrm>
+            <a:off x="1520849" y="3380156"/>
+            <a:ext cx="0" cy="211321"/>
+          </a:xfrm>
+          <a:prstGeom prst="straightConnector1">
+            <a:avLst/>
+          </a:prstGeom>
+          <a:ln w="19050">
+            <a:headEnd type="arrow" w="med" len="med"/>
+            <a:tailEnd type="arrow" w="med" len="med"/>
+          </a:ln>
+        </p:spPr>
+        <p:style>
+          <a:lnRef idx="1">
+            <a:schemeClr val="accent1"/>
+          </a:lnRef>
+          <a:fillRef idx="0">
+            <a:schemeClr val="accent1"/>
+          </a:fillRef>
+          <a:effectRef idx="0">
+            <a:schemeClr val="accent1"/>
+          </a:effectRef>
+          <a:fontRef idx="minor">
+            <a:schemeClr val="tx1"/>
+          </a:fontRef>
+        </p:style>
+      </p:cxnSp>
+      <p:cxnSp>
+        <p:nvCxnSpPr>
+          <p:cNvPr id="132" name="Straight Arrow Connector 131">
+            <a:extLst>
+              <a:ext uri="{FF2B5EF4-FFF2-40B4-BE49-F238E27FC236}">
+                <a16:creationId xmlns:a16="http://schemas.microsoft.com/office/drawing/2014/main" id="{0ED0A0C3-6A55-274E-92D2-B2DE6BACA3DC}"/>
+              </a:ext>
+            </a:extLst>
+          </p:cNvPr>
+          <p:cNvCxnSpPr>
+            <a:cxnSpLocks/>
+          </p:cNvCxnSpPr>
+          <p:nvPr/>
+        </p:nvCxnSpPr>
+        <p:spPr>
+          <a:xfrm>
+            <a:off x="3075023" y="3371804"/>
+            <a:ext cx="0" cy="211321"/>
+          </a:xfrm>
+          <a:prstGeom prst="straightConnector1">
+            <a:avLst/>
+          </a:prstGeom>
+          <a:ln w="19050">
+            <a:headEnd type="arrow" w="med" len="med"/>
+            <a:tailEnd type="arrow" w="med" len="med"/>
+          </a:ln>
+        </p:spPr>
+        <p:style>
+          <a:lnRef idx="1">
+            <a:schemeClr val="accent1"/>
+          </a:lnRef>
+          <a:fillRef idx="0">
+            <a:schemeClr val="accent1"/>
+          </a:fillRef>
+          <a:effectRef idx="0">
+            <a:schemeClr val="accent1"/>
+          </a:effectRef>
+          <a:fontRef idx="minor">
+            <a:schemeClr val="tx1"/>
+          </a:fontRef>
+        </p:style>
+      </p:cxnSp>
+      <p:cxnSp>
+        <p:nvCxnSpPr>
+          <p:cNvPr id="133" name="Straight Arrow Connector 132">
+            <a:extLst>
+              <a:ext uri="{FF2B5EF4-FFF2-40B4-BE49-F238E27FC236}">
+                <a16:creationId xmlns:a16="http://schemas.microsoft.com/office/drawing/2014/main" id="{B415E9E6-6235-614E-81ED-99B70D087764}"/>
+              </a:ext>
+            </a:extLst>
+          </p:cNvPr>
+          <p:cNvCxnSpPr>
+            <a:cxnSpLocks/>
+          </p:cNvCxnSpPr>
+          <p:nvPr/>
+        </p:nvCxnSpPr>
+        <p:spPr>
+          <a:xfrm>
+            <a:off x="2254421" y="4373710"/>
+            <a:ext cx="0" cy="349694"/>
+          </a:xfrm>
+          <a:prstGeom prst="straightConnector1">
+            <a:avLst/>
+          </a:prstGeom>
+          <a:ln w="19050">
+            <a:headEnd type="arrow" w="med" len="med"/>
+            <a:tailEnd type="arrow" w="med" len="med"/>
+          </a:ln>
+        </p:spPr>
+        <p:style>
+          <a:lnRef idx="1">
+            <a:schemeClr val="accent1"/>
+          </a:lnRef>
+          <a:fillRef idx="0">
+            <a:schemeClr val="accent1"/>
+          </a:fillRef>
+          <a:effectRef idx="0">
+            <a:schemeClr val="accent1"/>
+          </a:effectRef>
+          <a:fontRef idx="minor">
+            <a:schemeClr val="tx1"/>
+          </a:fontRef>
+        </p:style>
+      </p:cxnSp>
+      <p:cxnSp>
+        <p:nvCxnSpPr>
+          <p:cNvPr id="134" name="Straight Arrow Connector 133">
+            <a:extLst>
+              <a:ext uri="{FF2B5EF4-FFF2-40B4-BE49-F238E27FC236}">
+                <a16:creationId xmlns:a16="http://schemas.microsoft.com/office/drawing/2014/main" id="{A542259A-4325-6B45-AE7B-6AB20B58E8E2}"/>
+              </a:ext>
+            </a:extLst>
+          </p:cNvPr>
+          <p:cNvCxnSpPr>
+            <a:cxnSpLocks/>
+            <a:stCxn id="122" idx="1"/>
+          </p:cNvCxnSpPr>
+          <p:nvPr/>
+        </p:nvCxnSpPr>
+        <p:spPr>
+          <a:xfrm flipH="1">
+            <a:off x="3462821" y="4254414"/>
+            <a:ext cx="671668" cy="0"/>
+          </a:xfrm>
+          <a:prstGeom prst="straightConnector1">
+            <a:avLst/>
+          </a:prstGeom>
+          <a:ln w="19050">
+            <a:headEnd type="arrow" w="med" len="med"/>
+            <a:tailEnd type="arrow" w="med" len="med"/>
+          </a:ln>
+        </p:spPr>
+        <p:style>
+          <a:lnRef idx="1">
+            <a:schemeClr val="accent1"/>
+          </a:lnRef>
+          <a:fillRef idx="0">
+            <a:schemeClr val="accent1"/>
+          </a:fillRef>
+          <a:effectRef idx="0">
+            <a:schemeClr val="accent1"/>
+          </a:effectRef>
+          <a:fontRef idx="minor">
+            <a:schemeClr val="tx1"/>
+          </a:fontRef>
+        </p:style>
+      </p:cxnSp>
+      <p:cxnSp>
+        <p:nvCxnSpPr>
+          <p:cNvPr id="135" name="Straight Arrow Connector 134">
+            <a:extLst>
+              <a:ext uri="{FF2B5EF4-FFF2-40B4-BE49-F238E27FC236}">
+                <a16:creationId xmlns:a16="http://schemas.microsoft.com/office/drawing/2014/main" id="{03486943-5344-1B4B-8C71-D4C3FA375D9D}"/>
+              </a:ext>
+            </a:extLst>
+          </p:cNvPr>
+          <p:cNvCxnSpPr>
+            <a:cxnSpLocks/>
+          </p:cNvCxnSpPr>
+          <p:nvPr/>
+        </p:nvCxnSpPr>
+        <p:spPr>
+          <a:xfrm flipH="1">
+            <a:off x="4871399" y="4267796"/>
+            <a:ext cx="671668" cy="0"/>
+          </a:xfrm>
+          <a:prstGeom prst="straightConnector1">
+            <a:avLst/>
+          </a:prstGeom>
+          <a:ln w="19050">
+            <a:headEnd type="arrow" w="med" len="med"/>
+            <a:tailEnd type="arrow" w="med" len="med"/>
+          </a:ln>
+        </p:spPr>
+        <p:style>
+          <a:lnRef idx="1">
+            <a:schemeClr val="accent1"/>
+          </a:lnRef>
+          <a:fillRef idx="0">
+            <a:schemeClr val="accent1"/>
+          </a:fillRef>
+          <a:effectRef idx="0">
+            <a:schemeClr val="accent1"/>
+          </a:effectRef>
+          <a:fontRef idx="minor">
+            <a:schemeClr val="tx1"/>
+          </a:fontRef>
+        </p:style>
+      </p:cxnSp>
+      <p:cxnSp>
+        <p:nvCxnSpPr>
+          <p:cNvPr id="136" name="Straight Arrow Connector 135">
+            <a:extLst>
+              <a:ext uri="{FF2B5EF4-FFF2-40B4-BE49-F238E27FC236}">
+                <a16:creationId xmlns:a16="http://schemas.microsoft.com/office/drawing/2014/main" id="{45762ABB-0CB8-3342-918F-D4120DDAED10}"/>
+              </a:ext>
+            </a:extLst>
+          </p:cNvPr>
+          <p:cNvCxnSpPr>
+            <a:cxnSpLocks/>
+          </p:cNvCxnSpPr>
+          <p:nvPr/>
+        </p:nvCxnSpPr>
+        <p:spPr>
+          <a:xfrm>
+            <a:off x="6737354" y="4373710"/>
+            <a:ext cx="0" cy="349694"/>
+          </a:xfrm>
+          <a:prstGeom prst="straightConnector1">
+            <a:avLst/>
+          </a:prstGeom>
+          <a:ln w="19050">
+            <a:headEnd type="arrow" w="med" len="med"/>
+            <a:tailEnd type="arrow" w="med" len="med"/>
+          </a:ln>
+        </p:spPr>
+        <p:style>
+          <a:lnRef idx="1">
+            <a:schemeClr val="accent1"/>
+          </a:lnRef>
+          <a:fillRef idx="0">
+            <a:schemeClr val="accent1"/>
+          </a:fillRef>
+          <a:effectRef idx="0">
+            <a:schemeClr val="accent1"/>
+          </a:effectRef>
+          <a:fontRef idx="minor">
+            <a:schemeClr val="tx1"/>
+          </a:fontRef>
+        </p:style>
+      </p:cxnSp>
+      <p:cxnSp>
+        <p:nvCxnSpPr>
+          <p:cNvPr id="137" name="Straight Arrow Connector 136">
+            <a:extLst>
+              <a:ext uri="{FF2B5EF4-FFF2-40B4-BE49-F238E27FC236}">
+                <a16:creationId xmlns:a16="http://schemas.microsoft.com/office/drawing/2014/main" id="{B237C5EF-4EF4-6E40-A29F-6FC6CF2CFE41}"/>
+              </a:ext>
+            </a:extLst>
+          </p:cNvPr>
+          <p:cNvCxnSpPr>
+            <a:cxnSpLocks/>
+          </p:cNvCxnSpPr>
+          <p:nvPr/>
+        </p:nvCxnSpPr>
+        <p:spPr>
+          <a:xfrm>
+            <a:off x="1607133" y="2396402"/>
+            <a:ext cx="0" cy="211321"/>
+          </a:xfrm>
+          <a:prstGeom prst="straightConnector1">
+            <a:avLst/>
+          </a:prstGeom>
+          <a:ln w="19050">
+            <a:headEnd type="arrow" w="med" len="med"/>
+            <a:tailEnd type="arrow" w="med" len="med"/>
+          </a:ln>
+        </p:spPr>
+        <p:style>
+          <a:lnRef idx="1">
+            <a:schemeClr val="accent1"/>
+          </a:lnRef>
+          <a:fillRef idx="0">
+            <a:schemeClr val="accent1"/>
+          </a:fillRef>
+          <a:effectRef idx="0">
+            <a:schemeClr val="accent1"/>
+          </a:effectRef>
+          <a:fontRef idx="minor">
+            <a:schemeClr val="tx1"/>
+          </a:fontRef>
+        </p:style>
+      </p:cxnSp>
+      <p:cxnSp>
+        <p:nvCxnSpPr>
+          <p:cNvPr id="138" name="Straight Arrow Connector 137">
+            <a:extLst>
+              <a:ext uri="{FF2B5EF4-FFF2-40B4-BE49-F238E27FC236}">
+                <a16:creationId xmlns:a16="http://schemas.microsoft.com/office/drawing/2014/main" id="{4528F0D1-CE9E-F246-A707-7BEA90B9C8FD}"/>
+              </a:ext>
+            </a:extLst>
+          </p:cNvPr>
+          <p:cNvCxnSpPr>
+            <a:cxnSpLocks/>
+          </p:cNvCxnSpPr>
+          <p:nvPr/>
+        </p:nvCxnSpPr>
+        <p:spPr>
+          <a:xfrm>
+            <a:off x="6039488" y="2397523"/>
+            <a:ext cx="0" cy="211321"/>
+          </a:xfrm>
+          <a:prstGeom prst="straightConnector1">
+            <a:avLst/>
+          </a:prstGeom>
+          <a:ln w="19050">
+            <a:headEnd type="arrow" w="med" len="med"/>
+            <a:tailEnd type="arrow" w="med" len="med"/>
+          </a:ln>
+        </p:spPr>
+        <p:style>
+          <a:lnRef idx="1">
+            <a:schemeClr val="accent1"/>
+          </a:lnRef>
+          <a:fillRef idx="0">
+            <a:schemeClr val="accent1"/>
+          </a:fillRef>
+          <a:effectRef idx="0">
+            <a:schemeClr val="accent1"/>
+          </a:effectRef>
+          <a:fontRef idx="minor">
+            <a:schemeClr val="tx1"/>
+          </a:fontRef>
+        </p:style>
+      </p:cxnSp>
+      <p:sp>
+        <p:nvSpPr>
+          <p:cNvPr id="139" name="Rectangle 138">
+            <a:extLst>
+              <a:ext uri="{FF2B5EF4-FFF2-40B4-BE49-F238E27FC236}">
+                <a16:creationId xmlns:a16="http://schemas.microsoft.com/office/drawing/2014/main" id="{26BC6EBA-70AD-6245-8823-DE46E4D137F9}"/>
+              </a:ext>
+            </a:extLst>
+          </p:cNvPr>
+          <p:cNvSpPr/>
+          <p:nvPr/>
+        </p:nvSpPr>
+        <p:spPr>
+          <a:xfrm>
+            <a:off x="2780770" y="3591476"/>
+            <a:ext cx="588507" cy="203655"/>
+          </a:xfrm>
+          <a:prstGeom prst="rect">
+            <a:avLst/>
+          </a:prstGeom>
+          <a:solidFill>
+            <a:srgbClr val="FFC000"/>
+          </a:solidFill>
+        </p:spPr>
+        <p:style>
+          <a:lnRef idx="2">
+            <a:schemeClr val="accent1">
+              <a:shade val="50000"/>
+            </a:schemeClr>
+          </a:lnRef>
+          <a:fillRef idx="1">
+            <a:schemeClr val="accent1"/>
+          </a:fillRef>
+          <a:effectRef idx="0">
+            <a:schemeClr val="accent1"/>
+          </a:effectRef>
+          <a:fontRef idx="minor">
+            <a:schemeClr val="lt1"/>
+          </a:fontRef>
+        </p:style>
+        <p:txBody>
+          <a:bodyPr rot="0" spcFirstLastPara="0" vertOverflow="overflow" horzOverflow="overflow" vert="horz" wrap="square" lIns="0" tIns="0" rIns="0" bIns="0" numCol="1" spcCol="0" rtlCol="0" fromWordArt="0" anchor="ctr" anchorCtr="0" forceAA="0" compatLnSpc="1">
+            <a:prstTxWarp prst="textNoShape">
+              <a:avLst/>
+            </a:prstTxWarp>
+            <a:noAutofit/>
+          </a:bodyPr>
+          <a:lstStyle/>
+          <a:p>
+            <a:pPr algn="ctr"/>
+            <a:r>
+              <a:rPr lang="en-US" sz="900" dirty="0">
+                <a:solidFill>
+                  <a:schemeClr val="accent1"/>
+                </a:solidFill>
+              </a:rPr>
+              <a:t>Subs API</a:t>
+            </a:r>
+          </a:p>
+        </p:txBody>
+      </p:sp>
+      <p:cxnSp>
+        <p:nvCxnSpPr>
+          <p:cNvPr id="140" name="Straight Arrow Connector 139">
+            <a:extLst>
+              <a:ext uri="{FF2B5EF4-FFF2-40B4-BE49-F238E27FC236}">
+                <a16:creationId xmlns:a16="http://schemas.microsoft.com/office/drawing/2014/main" id="{CC5DA850-32BB-514B-AD1D-E04E174ED420}"/>
+              </a:ext>
+            </a:extLst>
+          </p:cNvPr>
+          <p:cNvCxnSpPr>
+            <a:cxnSpLocks/>
+          </p:cNvCxnSpPr>
+          <p:nvPr/>
+        </p:nvCxnSpPr>
+        <p:spPr>
+          <a:xfrm>
+            <a:off x="2309838" y="3390487"/>
+            <a:ext cx="0" cy="211321"/>
+          </a:xfrm>
+          <a:prstGeom prst="straightConnector1">
+            <a:avLst/>
+          </a:prstGeom>
+          <a:ln w="19050">
+            <a:headEnd type="arrow" w="med" len="med"/>
+            <a:tailEnd type="arrow" w="med" len="med"/>
+          </a:ln>
+        </p:spPr>
+        <p:style>
+          <a:lnRef idx="1">
+            <a:schemeClr val="accent1"/>
+          </a:lnRef>
+          <a:fillRef idx="0">
+            <a:schemeClr val="accent1"/>
+          </a:fillRef>
+          <a:effectRef idx="0">
+            <a:schemeClr val="accent1"/>
+          </a:effectRef>
+          <a:fontRef idx="minor">
+            <a:schemeClr val="tx1"/>
+          </a:fontRef>
+        </p:style>
+      </p:cxnSp>
+      <p:sp>
+        <p:nvSpPr>
+          <p:cNvPr id="141" name="Rectangle 140">
+            <a:extLst>
+              <a:ext uri="{FF2B5EF4-FFF2-40B4-BE49-F238E27FC236}">
+                <a16:creationId xmlns:a16="http://schemas.microsoft.com/office/drawing/2014/main" id="{B35391C9-2A77-754D-B174-C83B3332F9BF}"/>
+              </a:ext>
+            </a:extLst>
+          </p:cNvPr>
+          <p:cNvSpPr/>
+          <p:nvPr/>
+        </p:nvSpPr>
+        <p:spPr>
+          <a:xfrm>
+            <a:off x="5619455" y="3601937"/>
+            <a:ext cx="588507" cy="203655"/>
+          </a:xfrm>
+          <a:prstGeom prst="rect">
+            <a:avLst/>
+          </a:prstGeom>
+          <a:solidFill>
+            <a:srgbClr val="FFC000"/>
+          </a:solidFill>
+        </p:spPr>
+        <p:style>
+          <a:lnRef idx="2">
+            <a:schemeClr val="accent1">
+              <a:shade val="50000"/>
+            </a:schemeClr>
+          </a:lnRef>
+          <a:fillRef idx="1">
+            <a:schemeClr val="accent1"/>
+          </a:fillRef>
+          <a:effectRef idx="0">
+            <a:schemeClr val="accent1"/>
+          </a:effectRef>
+          <a:fontRef idx="minor">
+            <a:schemeClr val="lt1"/>
+          </a:fontRef>
+        </p:style>
+        <p:txBody>
+          <a:bodyPr rot="0" spcFirstLastPara="0" vertOverflow="overflow" horzOverflow="overflow" vert="horz" wrap="square" lIns="0" tIns="0" rIns="0" bIns="0" numCol="1" spcCol="0" rtlCol="0" fromWordArt="0" anchor="ctr" anchorCtr="0" forceAA="0" compatLnSpc="1">
+            <a:prstTxWarp prst="textNoShape">
+              <a:avLst/>
+            </a:prstTxWarp>
+            <a:noAutofit/>
+          </a:bodyPr>
+          <a:lstStyle/>
+          <a:p>
+            <a:pPr algn="ctr"/>
+            <a:r>
+              <a:rPr lang="en-US" sz="900" dirty="0">
+                <a:solidFill>
+                  <a:schemeClr val="accent1"/>
+                </a:solidFill>
+              </a:rPr>
+              <a:t>Doc API</a:t>
+            </a:r>
+          </a:p>
+        </p:txBody>
+      </p:sp>
+      <p:sp>
+        <p:nvSpPr>
+          <p:cNvPr id="142" name="Rectangle 141">
+            <a:extLst>
+              <a:ext uri="{FF2B5EF4-FFF2-40B4-BE49-F238E27FC236}">
+                <a16:creationId xmlns:a16="http://schemas.microsoft.com/office/drawing/2014/main" id="{8CD144B5-C824-F447-8F43-7ABAEF769751}"/>
+              </a:ext>
+            </a:extLst>
+          </p:cNvPr>
+          <p:cNvSpPr/>
+          <p:nvPr/>
+        </p:nvSpPr>
+        <p:spPr>
+          <a:xfrm>
+            <a:off x="6397093" y="3608879"/>
+            <a:ext cx="588507" cy="203655"/>
+          </a:xfrm>
+          <a:prstGeom prst="rect">
+            <a:avLst/>
+          </a:prstGeom>
+          <a:solidFill>
+            <a:srgbClr val="FFC000"/>
+          </a:solidFill>
+        </p:spPr>
+        <p:style>
+          <a:lnRef idx="2">
+            <a:schemeClr val="accent1">
+              <a:shade val="50000"/>
+            </a:schemeClr>
+          </a:lnRef>
+          <a:fillRef idx="1">
+            <a:schemeClr val="accent1"/>
+          </a:fillRef>
+          <a:effectRef idx="0">
+            <a:schemeClr val="accent1"/>
+          </a:effectRef>
+          <a:fontRef idx="minor">
+            <a:schemeClr val="lt1"/>
+          </a:fontRef>
+        </p:style>
+        <p:txBody>
+          <a:bodyPr rot="0" spcFirstLastPara="0" vertOverflow="overflow" horzOverflow="overflow" vert="horz" wrap="square" lIns="0" tIns="0" rIns="0" bIns="0" numCol="1" spcCol="0" rtlCol="0" fromWordArt="0" anchor="ctr" anchorCtr="0" forceAA="0" compatLnSpc="1">
+            <a:prstTxWarp prst="textNoShape">
+              <a:avLst/>
+            </a:prstTxWarp>
+            <a:noAutofit/>
+          </a:bodyPr>
+          <a:lstStyle/>
+          <a:p>
+            <a:pPr algn="ctr"/>
+            <a:r>
+              <a:rPr lang="en-US" sz="900" dirty="0">
+                <a:solidFill>
+                  <a:schemeClr val="accent1"/>
+                </a:solidFill>
+              </a:rPr>
+              <a:t>Msg API</a:t>
+            </a:r>
+          </a:p>
+        </p:txBody>
+      </p:sp>
+      <p:cxnSp>
+        <p:nvCxnSpPr>
+          <p:cNvPr id="143" name="Straight Arrow Connector 142">
+            <a:extLst>
+              <a:ext uri="{FF2B5EF4-FFF2-40B4-BE49-F238E27FC236}">
+                <a16:creationId xmlns:a16="http://schemas.microsoft.com/office/drawing/2014/main" id="{BA47031B-7ABA-0D4C-8BD0-220E1C1BC91D}"/>
+              </a:ext>
+            </a:extLst>
+          </p:cNvPr>
+          <p:cNvCxnSpPr>
+            <a:cxnSpLocks/>
+            <a:endCxn id="141" idx="0"/>
+          </p:cNvCxnSpPr>
+          <p:nvPr/>
+        </p:nvCxnSpPr>
+        <p:spPr>
+          <a:xfrm>
+            <a:off x="5913709" y="3390616"/>
+            <a:ext cx="0" cy="211321"/>
+          </a:xfrm>
+          <a:prstGeom prst="straightConnector1">
+            <a:avLst/>
+          </a:prstGeom>
+          <a:ln w="19050">
+            <a:headEnd type="arrow" w="med" len="med"/>
+            <a:tailEnd type="arrow" w="med" len="med"/>
+          </a:ln>
+        </p:spPr>
+        <p:style>
+          <a:lnRef idx="1">
+            <a:schemeClr val="accent1"/>
+          </a:lnRef>
+          <a:fillRef idx="0">
+            <a:schemeClr val="accent1"/>
+          </a:fillRef>
+          <a:effectRef idx="0">
+            <a:schemeClr val="accent1"/>
+          </a:effectRef>
+          <a:fontRef idx="minor">
+            <a:schemeClr val="tx1"/>
+          </a:fontRef>
+        </p:style>
+      </p:cxnSp>
+      <p:cxnSp>
+        <p:nvCxnSpPr>
+          <p:cNvPr id="144" name="Straight Arrow Connector 143">
+            <a:extLst>
+              <a:ext uri="{FF2B5EF4-FFF2-40B4-BE49-F238E27FC236}">
+                <a16:creationId xmlns:a16="http://schemas.microsoft.com/office/drawing/2014/main" id="{B43064EF-7AA0-6D43-AAB9-796AC32E20B4}"/>
+              </a:ext>
+            </a:extLst>
+          </p:cNvPr>
+          <p:cNvCxnSpPr>
+            <a:cxnSpLocks/>
+          </p:cNvCxnSpPr>
+          <p:nvPr/>
+        </p:nvCxnSpPr>
+        <p:spPr>
+          <a:xfrm>
+            <a:off x="7467883" y="3382263"/>
+            <a:ext cx="0" cy="211321"/>
+          </a:xfrm>
+          <a:prstGeom prst="straightConnector1">
+            <a:avLst/>
+          </a:prstGeom>
+          <a:ln w="19050">
+            <a:headEnd type="arrow" w="med" len="med"/>
+            <a:tailEnd type="arrow" w="med" len="med"/>
+          </a:ln>
+        </p:spPr>
+        <p:style>
+          <a:lnRef idx="1">
+            <a:schemeClr val="accent1"/>
+          </a:lnRef>
+          <a:fillRef idx="0">
+            <a:schemeClr val="accent1"/>
+          </a:fillRef>
+          <a:effectRef idx="0">
+            <a:schemeClr val="accent1"/>
+          </a:effectRef>
+          <a:fontRef idx="minor">
+            <a:schemeClr val="tx1"/>
+          </a:fontRef>
+        </p:style>
+      </p:cxnSp>
+      <p:sp>
+        <p:nvSpPr>
+          <p:cNvPr id="145" name="Rectangle 144">
+            <a:extLst>
+              <a:ext uri="{FF2B5EF4-FFF2-40B4-BE49-F238E27FC236}">
+                <a16:creationId xmlns:a16="http://schemas.microsoft.com/office/drawing/2014/main" id="{70770372-DA12-584A-8BF1-4B34F5590360}"/>
+              </a:ext>
+            </a:extLst>
+          </p:cNvPr>
+          <p:cNvSpPr/>
+          <p:nvPr/>
+        </p:nvSpPr>
+        <p:spPr>
+          <a:xfrm>
+            <a:off x="7173630" y="3601935"/>
+            <a:ext cx="588507" cy="203655"/>
+          </a:xfrm>
+          <a:prstGeom prst="rect">
+            <a:avLst/>
+          </a:prstGeom>
+          <a:solidFill>
+            <a:srgbClr val="FFC000"/>
+          </a:solidFill>
+        </p:spPr>
+        <p:style>
+          <a:lnRef idx="2">
+            <a:schemeClr val="accent1">
+              <a:shade val="50000"/>
+            </a:schemeClr>
+          </a:lnRef>
+          <a:fillRef idx="1">
+            <a:schemeClr val="accent1"/>
+          </a:fillRef>
+          <a:effectRef idx="0">
+            <a:schemeClr val="accent1"/>
+          </a:effectRef>
+          <a:fontRef idx="minor">
+            <a:schemeClr val="lt1"/>
+          </a:fontRef>
+        </p:style>
+        <p:txBody>
+          <a:bodyPr rot="0" spcFirstLastPara="0" vertOverflow="overflow" horzOverflow="overflow" vert="horz" wrap="square" lIns="0" tIns="0" rIns="0" bIns="0" numCol="1" spcCol="0" rtlCol="0" fromWordArt="0" anchor="ctr" anchorCtr="0" forceAA="0" compatLnSpc="1">
+            <a:prstTxWarp prst="textNoShape">
+              <a:avLst/>
+            </a:prstTxWarp>
+            <a:noAutofit/>
+          </a:bodyPr>
+          <a:lstStyle/>
+          <a:p>
+            <a:pPr algn="ctr"/>
+            <a:r>
+              <a:rPr lang="en-US" sz="900" dirty="0">
+                <a:solidFill>
+                  <a:schemeClr val="accent1"/>
+                </a:solidFill>
+              </a:rPr>
+              <a:t>Subs API</a:t>
+            </a:r>
+          </a:p>
+        </p:txBody>
+      </p:sp>
+      <p:cxnSp>
+        <p:nvCxnSpPr>
+          <p:cNvPr id="146" name="Straight Arrow Connector 145">
+            <a:extLst>
+              <a:ext uri="{FF2B5EF4-FFF2-40B4-BE49-F238E27FC236}">
+                <a16:creationId xmlns:a16="http://schemas.microsoft.com/office/drawing/2014/main" id="{80A724C4-31FB-7248-AD52-B3E6B42BD7B4}"/>
+              </a:ext>
+            </a:extLst>
+          </p:cNvPr>
+          <p:cNvCxnSpPr>
+            <a:cxnSpLocks/>
+          </p:cNvCxnSpPr>
+          <p:nvPr/>
+        </p:nvCxnSpPr>
+        <p:spPr>
+          <a:xfrm>
+            <a:off x="6702697" y="3400946"/>
+            <a:ext cx="0" cy="211321"/>
+          </a:xfrm>
+          <a:prstGeom prst="straightConnector1">
+            <a:avLst/>
+          </a:prstGeom>
+          <a:ln w="19050">
+            <a:headEnd type="arrow" w="med" len="med"/>
+            <a:tailEnd type="arrow" w="med" len="med"/>
+          </a:ln>
+        </p:spPr>
+        <p:style>
+          <a:lnRef idx="1">
+            <a:schemeClr val="accent1"/>
+          </a:lnRef>
+          <a:fillRef idx="0">
+            <a:schemeClr val="accent1"/>
+          </a:fillRef>
+          <a:effectRef idx="0">
+            <a:schemeClr val="accent1"/>
+          </a:effectRef>
+          <a:fontRef idx="minor">
+            <a:schemeClr val="tx1"/>
+          </a:fontRef>
+        </p:style>
+      </p:cxnSp>
+      <p:sp>
+        <p:nvSpPr>
+          <p:cNvPr id="147" name="Rectangle 146">
+            <a:extLst>
+              <a:ext uri="{FF2B5EF4-FFF2-40B4-BE49-F238E27FC236}">
+                <a16:creationId xmlns:a16="http://schemas.microsoft.com/office/drawing/2014/main" id="{52450F10-CA36-8D45-B6C2-F793CD7C984D}"/>
+              </a:ext>
+            </a:extLst>
+          </p:cNvPr>
+          <p:cNvSpPr/>
+          <p:nvPr/>
+        </p:nvSpPr>
+        <p:spPr>
+          <a:xfrm>
+            <a:off x="1409663" y="4771123"/>
+            <a:ext cx="853411" cy="203655"/>
+          </a:xfrm>
+          <a:prstGeom prst="rect">
+            <a:avLst/>
+          </a:prstGeom>
+          <a:solidFill>
+            <a:srgbClr val="FFC000"/>
+          </a:solidFill>
+        </p:spPr>
+        <p:style>
+          <a:lnRef idx="2">
+            <a:schemeClr val="accent1">
+              <a:shade val="50000"/>
+            </a:schemeClr>
+          </a:lnRef>
+          <a:fillRef idx="1">
+            <a:schemeClr val="accent1"/>
+          </a:fillRef>
+          <a:effectRef idx="0">
+            <a:schemeClr val="accent1"/>
+          </a:effectRef>
+          <a:fontRef idx="minor">
+            <a:schemeClr val="lt1"/>
+          </a:fontRef>
+        </p:style>
+        <p:txBody>
+          <a:bodyPr rot="0" spcFirstLastPara="0" vertOverflow="overflow" horzOverflow="overflow" vert="horz" wrap="square" lIns="36000" tIns="0" rIns="36000" bIns="0" numCol="1" spcCol="0" rtlCol="0" fromWordArt="0" anchor="ctr" anchorCtr="0" forceAA="0" compatLnSpc="1">
+            <a:prstTxWarp prst="textNoShape">
+              <a:avLst/>
+            </a:prstTxWarp>
+            <a:noAutofit/>
+          </a:bodyPr>
+          <a:lstStyle/>
+          <a:p>
+            <a:pPr algn="ctr"/>
+            <a:r>
+              <a:rPr lang="en-US" sz="900" dirty="0">
+                <a:solidFill>
+                  <a:schemeClr val="accent1"/>
+                </a:solidFill>
+              </a:rPr>
+              <a:t>Channel API</a:t>
+            </a:r>
+          </a:p>
+        </p:txBody>
+      </p:sp>
+      <p:sp>
+        <p:nvSpPr>
+          <p:cNvPr id="148" name="Rectangle 147">
+            <a:extLst>
+              <a:ext uri="{FF2B5EF4-FFF2-40B4-BE49-F238E27FC236}">
+                <a16:creationId xmlns:a16="http://schemas.microsoft.com/office/drawing/2014/main" id="{D12D2F19-7A56-704C-8C66-B9E94128C9DD}"/>
+              </a:ext>
+            </a:extLst>
+          </p:cNvPr>
+          <p:cNvSpPr/>
+          <p:nvPr/>
+        </p:nvSpPr>
+        <p:spPr>
+          <a:xfrm>
+            <a:off x="2807732" y="4771122"/>
+            <a:ext cx="853411" cy="203655"/>
+          </a:xfrm>
+          <a:prstGeom prst="rect">
+            <a:avLst/>
+          </a:prstGeom>
+          <a:solidFill>
+            <a:srgbClr val="FFC000"/>
+          </a:solidFill>
+        </p:spPr>
+        <p:style>
+          <a:lnRef idx="2">
+            <a:schemeClr val="accent1">
+              <a:shade val="50000"/>
+            </a:schemeClr>
+          </a:lnRef>
+          <a:fillRef idx="1">
+            <a:schemeClr val="accent1"/>
+          </a:fillRef>
+          <a:effectRef idx="0">
+            <a:schemeClr val="accent1"/>
+          </a:effectRef>
+          <a:fontRef idx="minor">
+            <a:schemeClr val="lt1"/>
+          </a:fontRef>
+        </p:style>
+        <p:txBody>
+          <a:bodyPr rot="0" spcFirstLastPara="0" vertOverflow="overflow" horzOverflow="overflow" vert="horz" wrap="square" lIns="36000" tIns="0" rIns="36000" bIns="0" numCol="1" spcCol="0" rtlCol="0" fromWordArt="0" anchor="ctr" anchorCtr="0" forceAA="0" compatLnSpc="1">
+            <a:prstTxWarp prst="textNoShape">
+              <a:avLst/>
+            </a:prstTxWarp>
+            <a:noAutofit/>
+          </a:bodyPr>
+          <a:lstStyle/>
+          <a:p>
+            <a:pPr algn="ctr"/>
+            <a:r>
+              <a:rPr lang="en-US" sz="900" dirty="0">
+                <a:solidFill>
+                  <a:schemeClr val="accent1"/>
+                </a:solidFill>
+              </a:rPr>
+              <a:t>Channel API</a:t>
+            </a:r>
+          </a:p>
+        </p:txBody>
+      </p:sp>
+      <p:sp>
+        <p:nvSpPr>
+          <p:cNvPr id="149" name="Rectangle 148">
+            <a:extLst>
+              <a:ext uri="{FF2B5EF4-FFF2-40B4-BE49-F238E27FC236}">
+                <a16:creationId xmlns:a16="http://schemas.microsoft.com/office/drawing/2014/main" id="{4EAFC46A-022F-184B-9798-C13BCE52583C}"/>
+              </a:ext>
+            </a:extLst>
+          </p:cNvPr>
+          <p:cNvSpPr/>
+          <p:nvPr/>
+        </p:nvSpPr>
+        <p:spPr>
+          <a:xfrm>
+            <a:off x="5192749" y="4771122"/>
+            <a:ext cx="853411" cy="203655"/>
+          </a:xfrm>
+          <a:prstGeom prst="rect">
+            <a:avLst/>
+          </a:prstGeom>
+          <a:solidFill>
+            <a:srgbClr val="FFC000"/>
+          </a:solidFill>
+        </p:spPr>
+        <p:style>
+          <a:lnRef idx="2">
+            <a:schemeClr val="accent1">
+              <a:shade val="50000"/>
+            </a:schemeClr>
+          </a:lnRef>
+          <a:fillRef idx="1">
+            <a:schemeClr val="accent1"/>
+          </a:fillRef>
+          <a:effectRef idx="0">
+            <a:schemeClr val="accent1"/>
+          </a:effectRef>
+          <a:fontRef idx="minor">
+            <a:schemeClr val="lt1"/>
+          </a:fontRef>
+        </p:style>
+        <p:txBody>
+          <a:bodyPr rot="0" spcFirstLastPara="0" vertOverflow="overflow" horzOverflow="overflow" vert="horz" wrap="square" lIns="36000" tIns="0" rIns="36000" bIns="0" numCol="1" spcCol="0" rtlCol="0" fromWordArt="0" anchor="ctr" anchorCtr="0" forceAA="0" compatLnSpc="1">
+            <a:prstTxWarp prst="textNoShape">
+              <a:avLst/>
+            </a:prstTxWarp>
+            <a:noAutofit/>
+          </a:bodyPr>
+          <a:lstStyle/>
+          <a:p>
+            <a:pPr algn="ctr"/>
+            <a:r>
+              <a:rPr lang="en-US" sz="900" dirty="0">
+                <a:solidFill>
+                  <a:schemeClr val="accent1"/>
+                </a:solidFill>
+              </a:rPr>
+              <a:t>Channel API</a:t>
+            </a:r>
+          </a:p>
+        </p:txBody>
+      </p:sp>
+      <p:sp>
+        <p:nvSpPr>
+          <p:cNvPr id="150" name="Rectangle 149">
+            <a:extLst>
+              <a:ext uri="{FF2B5EF4-FFF2-40B4-BE49-F238E27FC236}">
+                <a16:creationId xmlns:a16="http://schemas.microsoft.com/office/drawing/2014/main" id="{430F26C1-7400-0147-AFD8-DF4471250EDF}"/>
+              </a:ext>
+            </a:extLst>
+          </p:cNvPr>
+          <p:cNvSpPr/>
+          <p:nvPr/>
+        </p:nvSpPr>
+        <p:spPr>
+          <a:xfrm>
+            <a:off x="6718424" y="4761840"/>
+            <a:ext cx="853411" cy="203655"/>
+          </a:xfrm>
+          <a:prstGeom prst="rect">
+            <a:avLst/>
+          </a:prstGeom>
+          <a:solidFill>
+            <a:srgbClr val="FFC000"/>
+          </a:solidFill>
+        </p:spPr>
+        <p:style>
+          <a:lnRef idx="2">
+            <a:schemeClr val="accent1">
+              <a:shade val="50000"/>
+            </a:schemeClr>
+          </a:lnRef>
+          <a:fillRef idx="1">
+            <a:schemeClr val="accent1"/>
+          </a:fillRef>
+          <a:effectRef idx="0">
+            <a:schemeClr val="accent1"/>
+          </a:effectRef>
+          <a:fontRef idx="minor">
+            <a:schemeClr val="lt1"/>
+          </a:fontRef>
+        </p:style>
+        <p:txBody>
+          <a:bodyPr rot="0" spcFirstLastPara="0" vertOverflow="overflow" horzOverflow="overflow" vert="horz" wrap="square" lIns="36000" tIns="0" rIns="36000" bIns="0" numCol="1" spcCol="0" rtlCol="0" fromWordArt="0" anchor="ctr" anchorCtr="0" forceAA="0" compatLnSpc="1">
+            <a:prstTxWarp prst="textNoShape">
+              <a:avLst/>
+            </a:prstTxWarp>
+            <a:noAutofit/>
+          </a:bodyPr>
+          <a:lstStyle/>
+          <a:p>
+            <a:pPr algn="ctr"/>
+            <a:r>
+              <a:rPr lang="en-US" sz="900" dirty="0">
+                <a:solidFill>
+                  <a:schemeClr val="accent1"/>
+                </a:solidFill>
+              </a:rPr>
+              <a:t>Channel API</a:t>
+            </a:r>
+          </a:p>
+        </p:txBody>
+      </p:sp>
+      <p:pic>
+        <p:nvPicPr>
+          <p:cNvPr id="151" name="Picture 150">
+            <a:extLst>
+              <a:ext uri="{FF2B5EF4-FFF2-40B4-BE49-F238E27FC236}">
+                <a16:creationId xmlns:a16="http://schemas.microsoft.com/office/drawing/2014/main" id="{341D24E8-B1C1-D542-8ABB-FC390CCA1D14}"/>
+              </a:ext>
+            </a:extLst>
+          </p:cNvPr>
+          <p:cNvPicPr>
+            <a:picLocks noChangeAspect="1"/>
+          </p:cNvPicPr>
+          <p:nvPr/>
+        </p:nvPicPr>
+        <p:blipFill>
+          <a:blip r:embed="rId3" cstate="screen">
+            <a:extLst>
+              <a:ext uri="{28A0092B-C50C-407E-A947-70E740481C1C}">
+                <a14:useLocalDpi xmlns:a14="http://schemas.microsoft.com/office/drawing/2010/main"/>
+              </a:ext>
+            </a:extLst>
+          </a:blip>
+          <a:stretch>
+            <a:fillRect/>
+          </a:stretch>
+        </p:blipFill>
+        <p:spPr>
+          <a:xfrm>
+            <a:off x="1409807" y="2065499"/>
+            <a:ext cx="396952" cy="327578"/>
+          </a:xfrm>
+          <a:prstGeom prst="rect">
+            <a:avLst/>
+          </a:prstGeom>
+        </p:spPr>
+      </p:pic>
+      <p:sp>
+        <p:nvSpPr>
+          <p:cNvPr id="152" name="Rectangle 151">
+            <a:extLst>
+              <a:ext uri="{FF2B5EF4-FFF2-40B4-BE49-F238E27FC236}">
+                <a16:creationId xmlns:a16="http://schemas.microsoft.com/office/drawing/2014/main" id="{E06026F7-9408-8C4C-97F1-D60F0AB135E7}"/>
+              </a:ext>
+            </a:extLst>
+          </p:cNvPr>
+          <p:cNvSpPr/>
+          <p:nvPr/>
+        </p:nvSpPr>
+        <p:spPr>
+          <a:xfrm>
+            <a:off x="2464047" y="2607722"/>
+            <a:ext cx="736910" cy="203655"/>
+          </a:xfrm>
+          <a:prstGeom prst="rect">
+            <a:avLst/>
+          </a:prstGeom>
+          <a:solidFill>
+            <a:srgbClr val="92D050"/>
+          </a:solidFill>
+        </p:spPr>
+        <p:style>
+          <a:lnRef idx="2">
+            <a:schemeClr val="accent1">
+              <a:shade val="50000"/>
+            </a:schemeClr>
+          </a:lnRef>
+          <a:fillRef idx="1">
+            <a:schemeClr val="accent1"/>
+          </a:fillRef>
+          <a:effectRef idx="0">
+            <a:schemeClr val="accent1"/>
+          </a:effectRef>
+          <a:fontRef idx="minor">
+            <a:schemeClr val="lt1"/>
+          </a:fontRef>
+        </p:style>
+        <p:txBody>
+          <a:bodyPr rot="0" spcFirstLastPara="0" vertOverflow="overflow" horzOverflow="overflow" vert="horz" wrap="square" lIns="36000" tIns="0" rIns="36000" bIns="0" numCol="1" spcCol="0" rtlCol="0" fromWordArt="0" anchor="ctr" anchorCtr="0" forceAA="0" compatLnSpc="1">
+            <a:prstTxWarp prst="textNoShape">
+              <a:avLst/>
+            </a:prstTxWarp>
+            <a:noAutofit/>
+          </a:bodyPr>
+          <a:lstStyle/>
+          <a:p>
+            <a:pPr algn="ctr"/>
+            <a:r>
+              <a:rPr lang="en-US" sz="900" dirty="0">
+                <a:solidFill>
+                  <a:schemeClr val="accent1"/>
+                </a:solidFill>
+              </a:rPr>
+              <a:t>Other API</a:t>
+            </a:r>
+          </a:p>
+        </p:txBody>
+      </p:sp>
+      <p:sp>
+        <p:nvSpPr>
+          <p:cNvPr id="153" name="Rectangle 152">
+            <a:extLst>
+              <a:ext uri="{FF2B5EF4-FFF2-40B4-BE49-F238E27FC236}">
+                <a16:creationId xmlns:a16="http://schemas.microsoft.com/office/drawing/2014/main" id="{85A2B865-A1C7-514F-9D24-E76E3AC9C0BF}"/>
+              </a:ext>
+            </a:extLst>
+          </p:cNvPr>
+          <p:cNvSpPr/>
+          <p:nvPr/>
+        </p:nvSpPr>
+        <p:spPr>
+          <a:xfrm>
+            <a:off x="6976070" y="2586344"/>
+            <a:ext cx="736910" cy="203655"/>
+          </a:xfrm>
+          <a:prstGeom prst="rect">
+            <a:avLst/>
+          </a:prstGeom>
+          <a:solidFill>
+            <a:srgbClr val="92D050"/>
+          </a:solidFill>
+        </p:spPr>
+        <p:style>
+          <a:lnRef idx="2">
+            <a:schemeClr val="accent1">
+              <a:shade val="50000"/>
+            </a:schemeClr>
+          </a:lnRef>
+          <a:fillRef idx="1">
+            <a:schemeClr val="accent1"/>
+          </a:fillRef>
+          <a:effectRef idx="0">
+            <a:schemeClr val="accent1"/>
+          </a:effectRef>
+          <a:fontRef idx="minor">
+            <a:schemeClr val="lt1"/>
+          </a:fontRef>
+        </p:style>
+        <p:txBody>
+          <a:bodyPr rot="0" spcFirstLastPara="0" vertOverflow="overflow" horzOverflow="overflow" vert="horz" wrap="square" lIns="36000" tIns="0" rIns="36000" bIns="0" numCol="1" spcCol="0" rtlCol="0" fromWordArt="0" anchor="ctr" anchorCtr="0" forceAA="0" compatLnSpc="1">
+            <a:prstTxWarp prst="textNoShape">
+              <a:avLst/>
+            </a:prstTxWarp>
+            <a:noAutofit/>
+          </a:bodyPr>
+          <a:lstStyle/>
+          <a:p>
+            <a:pPr algn="ctr"/>
+            <a:r>
+              <a:rPr lang="en-US" sz="900" dirty="0">
+                <a:solidFill>
+                  <a:schemeClr val="accent1"/>
+                </a:solidFill>
+              </a:rPr>
+              <a:t>Other API</a:t>
+            </a:r>
+          </a:p>
+        </p:txBody>
+      </p:sp>
+      <p:cxnSp>
+        <p:nvCxnSpPr>
+          <p:cNvPr id="154" name="Straight Arrow Connector 153">
+            <a:extLst>
+              <a:ext uri="{FF2B5EF4-FFF2-40B4-BE49-F238E27FC236}">
+                <a16:creationId xmlns:a16="http://schemas.microsoft.com/office/drawing/2014/main" id="{A2D7B08E-DEFD-8A4B-BE8E-98A8FE1B57D5}"/>
+              </a:ext>
+            </a:extLst>
+          </p:cNvPr>
+          <p:cNvCxnSpPr>
+            <a:cxnSpLocks/>
+          </p:cNvCxnSpPr>
+          <p:nvPr/>
+        </p:nvCxnSpPr>
+        <p:spPr>
+          <a:xfrm>
+            <a:off x="7467883" y="2393076"/>
+            <a:ext cx="0" cy="211321"/>
+          </a:xfrm>
+          <a:prstGeom prst="straightConnector1">
+            <a:avLst/>
+          </a:prstGeom>
+          <a:ln w="19050">
+            <a:headEnd type="arrow" w="med" len="med"/>
+            <a:tailEnd type="arrow" w="med" len="med"/>
+          </a:ln>
+        </p:spPr>
+        <p:style>
+          <a:lnRef idx="1">
+            <a:schemeClr val="accent1"/>
+          </a:lnRef>
+          <a:fillRef idx="0">
+            <a:schemeClr val="accent1"/>
+          </a:fillRef>
+          <a:effectRef idx="0">
+            <a:schemeClr val="accent1"/>
+          </a:effectRef>
+          <a:fontRef idx="minor">
+            <a:schemeClr val="tx1"/>
+          </a:fontRef>
+        </p:style>
+      </p:cxnSp>
+      <p:cxnSp>
+        <p:nvCxnSpPr>
+          <p:cNvPr id="155" name="Straight Arrow Connector 154">
+            <a:extLst>
+              <a:ext uri="{FF2B5EF4-FFF2-40B4-BE49-F238E27FC236}">
+                <a16:creationId xmlns:a16="http://schemas.microsoft.com/office/drawing/2014/main" id="{3C01B9C2-E05D-B04D-AB6C-D4FFA1747EE9}"/>
+              </a:ext>
+            </a:extLst>
+          </p:cNvPr>
+          <p:cNvCxnSpPr>
+            <a:cxnSpLocks/>
+          </p:cNvCxnSpPr>
+          <p:nvPr/>
+        </p:nvCxnSpPr>
+        <p:spPr>
+          <a:xfrm>
+            <a:off x="2998752" y="2406082"/>
+            <a:ext cx="0" cy="211321"/>
+          </a:xfrm>
+          <a:prstGeom prst="straightConnector1">
+            <a:avLst/>
+          </a:prstGeom>
+          <a:ln w="19050">
+            <a:headEnd type="arrow" w="med" len="med"/>
+            <a:tailEnd type="arrow" w="med" len="med"/>
+          </a:ln>
+        </p:spPr>
+        <p:style>
+          <a:lnRef idx="1">
+            <a:schemeClr val="accent1"/>
+          </a:lnRef>
+          <a:fillRef idx="0">
+            <a:schemeClr val="accent1"/>
+          </a:fillRef>
+          <a:effectRef idx="0">
+            <a:schemeClr val="accent1"/>
+          </a:effectRef>
+          <a:fontRef idx="minor">
+            <a:schemeClr val="tx1"/>
+          </a:fontRef>
+        </p:style>
+      </p:cxnSp>
+      <p:pic>
+        <p:nvPicPr>
+          <p:cNvPr id="156" name="Picture 155">
+            <a:extLst>
+              <a:ext uri="{FF2B5EF4-FFF2-40B4-BE49-F238E27FC236}">
+                <a16:creationId xmlns:a16="http://schemas.microsoft.com/office/drawing/2014/main" id="{C3243ED4-66B1-284E-B8BE-6CD715F63B16}"/>
+              </a:ext>
+            </a:extLst>
+          </p:cNvPr>
+          <p:cNvPicPr>
+            <a:picLocks noChangeAspect="1"/>
+          </p:cNvPicPr>
+          <p:nvPr/>
+        </p:nvPicPr>
+        <p:blipFill>
+          <a:blip r:embed="rId3" cstate="screen">
+            <a:extLst>
+              <a:ext uri="{28A0092B-C50C-407E-A947-70E740481C1C}">
+                <a14:useLocalDpi xmlns:a14="http://schemas.microsoft.com/office/drawing/2010/main"/>
+              </a:ext>
+            </a:extLst>
+          </a:blip>
+          <a:stretch>
+            <a:fillRect/>
+          </a:stretch>
+        </p:blipFill>
+        <p:spPr>
+          <a:xfrm>
+            <a:off x="2727469" y="2116337"/>
+            <a:ext cx="396952" cy="327578"/>
+          </a:xfrm>
+          <a:prstGeom prst="rect">
+            <a:avLst/>
+          </a:prstGeom>
+        </p:spPr>
+      </p:pic>
+      <p:pic>
+        <p:nvPicPr>
+          <p:cNvPr id="157" name="Picture 156">
+            <a:extLst>
+              <a:ext uri="{FF2B5EF4-FFF2-40B4-BE49-F238E27FC236}">
+                <a16:creationId xmlns:a16="http://schemas.microsoft.com/office/drawing/2014/main" id="{64D68F77-7E0E-1F4B-90F0-7D48D3EA6140}"/>
+              </a:ext>
+            </a:extLst>
+          </p:cNvPr>
+          <p:cNvPicPr>
+            <a:picLocks noChangeAspect="1"/>
+          </p:cNvPicPr>
+          <p:nvPr/>
+        </p:nvPicPr>
+        <p:blipFill>
+          <a:blip r:embed="rId3" cstate="screen">
+            <a:extLst>
+              <a:ext uri="{28A0092B-C50C-407E-A947-70E740481C1C}">
+                <a14:useLocalDpi xmlns:a14="http://schemas.microsoft.com/office/drawing/2010/main"/>
+              </a:ext>
+            </a:extLst>
+          </a:blip>
+          <a:stretch>
+            <a:fillRect/>
+          </a:stretch>
+        </p:blipFill>
+        <p:spPr>
+          <a:xfrm>
+            <a:off x="5774893" y="2101776"/>
+            <a:ext cx="396952" cy="327578"/>
+          </a:xfrm>
+          <a:prstGeom prst="rect">
+            <a:avLst/>
+          </a:prstGeom>
+        </p:spPr>
+      </p:pic>
+      <p:pic>
+        <p:nvPicPr>
+          <p:cNvPr id="158" name="Picture 157">
+            <a:extLst>
+              <a:ext uri="{FF2B5EF4-FFF2-40B4-BE49-F238E27FC236}">
+                <a16:creationId xmlns:a16="http://schemas.microsoft.com/office/drawing/2014/main" id="{6B1C6937-0392-404D-9EC0-960DDB59F034}"/>
+              </a:ext>
+            </a:extLst>
+          </p:cNvPr>
+          <p:cNvPicPr>
+            <a:picLocks noChangeAspect="1"/>
+          </p:cNvPicPr>
+          <p:nvPr/>
+        </p:nvPicPr>
+        <p:blipFill>
+          <a:blip r:embed="rId3" cstate="screen">
+            <a:extLst>
+              <a:ext uri="{28A0092B-C50C-407E-A947-70E740481C1C}">
+                <a14:useLocalDpi xmlns:a14="http://schemas.microsoft.com/office/drawing/2010/main"/>
+              </a:ext>
+            </a:extLst>
+          </a:blip>
+          <a:stretch>
+            <a:fillRect/>
+          </a:stretch>
+        </p:blipFill>
+        <p:spPr>
+          <a:xfrm>
+            <a:off x="7270095" y="2087161"/>
+            <a:ext cx="396952" cy="327578"/>
+          </a:xfrm>
+          <a:prstGeom prst="rect">
+            <a:avLst/>
+          </a:prstGeom>
+        </p:spPr>
+      </p:pic>
+    </p:spTree>
+    <p:extLst>
+      <p:ext uri="{BB962C8B-B14F-4D97-AF65-F5344CB8AC3E}">
+        <p14:creationId xmlns:p14="http://schemas.microsoft.com/office/powerpoint/2010/main" val="2273458558"/>
+      </p:ext>
+    </p:extLst>
+  </p:cSld>
+  <p:clrMapOvr>
+    <a:masterClrMapping/>
+  </p:clrMapOvr>
+  <mc:AlternateContent xmlns:mc="http://schemas.openxmlformats.org/markup-compatibility/2006" xmlns:p14="http://schemas.microsoft.com/office/powerpoint/2010/main">
+    <mc:Choice Requires="p14">
+      <p:transition spd="med" p14:dur="700">
+        <p:fade/>
+      </p:transition>
+    </mc:Choice>
+    <mc:Fallback xmlns="">
+      <p:transition spd="med">
+        <p:fade/>
+      </p:transition>
+    </mc:Fallback>
+  </mc:AlternateContent>
+</p:sld>
+</file>
+
+<file path=ppt/slides/slide5.xml><?xml version="1.0" encoding="utf-8"?>
+<p:sld xmlns:a="http://schemas.openxmlformats.org/drawingml/2006/main" xmlns:r="http://schemas.openxmlformats.org/officeDocument/2006/relationships" xmlns:p="http://schemas.openxmlformats.org/presentationml/2006/main">
+  <p:cSld>
+    <p:spTree>
+      <p:nvGrpSpPr>
+        <p:cNvPr id="1" name=""/>
+        <p:cNvGrpSpPr/>
+        <p:nvPr/>
+      </p:nvGrpSpPr>
+      <p:grpSpPr>
+        <a:xfrm>
+          <a:off x="0" y="0"/>
+          <a:ext cx="0" cy="0"/>
+          <a:chOff x="0" y="0"/>
+          <a:chExt cx="0" cy="0"/>
+        </a:xfrm>
+      </p:grpSpPr>
+      <p:sp>
+        <p:nvSpPr>
           <p:cNvPr id="6" name="Title 5"/>
           <p:cNvSpPr>
             <a:spLocks noGrp="1"/>
@@ -6601,7 +12330,7 @@
 </p:sld>
 </file>
 
-<file path=ppt/slides/slide4.xml><?xml version="1.0" encoding="utf-8"?>
+<file path=ppt/slides/slide6.xml><?xml version="1.0" encoding="utf-8"?>
 <p:sld xmlns:a="http://schemas.openxmlformats.org/drawingml/2006/main" xmlns:r="http://schemas.openxmlformats.org/officeDocument/2006/relationships" xmlns:p="http://schemas.openxmlformats.org/presentationml/2006/main">
   <p:cSld>
     <p:spTree>
@@ -9371,7 +15100,7 @@
 </p:sld>
 </file>
 
-<file path=ppt/slides/slide5.xml><?xml version="1.0" encoding="utf-8"?>
+<file path=ppt/slides/slide7.xml><?xml version="1.0" encoding="utf-8"?>
 <p:sld xmlns:a="http://schemas.openxmlformats.org/drawingml/2006/main" xmlns:r="http://schemas.openxmlformats.org/officeDocument/2006/relationships" xmlns:p="http://schemas.openxmlformats.org/presentationml/2006/main">
   <p:cSld>
     <p:spTree>
